--- a/All Documentation/Presentations/Group 13 - ECE 568 - Final Project Preliminary Presentation.pptx
+++ b/All Documentation/Presentations/Group 13 - ECE 568 - Final Project Preliminary Presentation.pptx
@@ -1226,6 +1226,13 @@
         </dgm:presLayoutVars>
       </dgm:prSet>
       <dgm:spPr/>
+      <dgm:t>
+        <a:bodyPr/>
+        <a:lstStyle/>
+        <a:p>
+          <a:endParaRPr lang="en-US"/>
+        </a:p>
+      </dgm:t>
     </dgm:pt>
     <dgm:pt modelId="{257E6A53-7CC7-4E53-9836-63BE4DF60955}" type="pres">
       <dgm:prSet presAssocID="{D542D03B-317D-4438-B8D5-05203BD5303B}" presName="radial" presStyleCnt="0">
@@ -1238,6 +1245,13 @@
     <dgm:pt modelId="{A84E4FF9-EC5B-4BF4-8F65-23B7D7342863}" type="pres">
       <dgm:prSet presAssocID="{D894C042-A379-4044-BAB9-492A67B8BAB3}" presName="centerShape" presStyleLbl="vennNode1" presStyleIdx="0" presStyleCnt="5" custScaleX="97295" custScaleY="89199"/>
       <dgm:spPr/>
+      <dgm:t>
+        <a:bodyPr/>
+        <a:lstStyle/>
+        <a:p>
+          <a:endParaRPr lang="en-US"/>
+        </a:p>
+      </dgm:t>
     </dgm:pt>
     <dgm:pt modelId="{49EEF909-EE6F-438E-A901-A7AF7A86B18A}" type="pres">
       <dgm:prSet presAssocID="{D17ADEC3-AAE1-4BC8-A0F2-ED8FE5E3292F}" presName="node" presStyleLbl="vennNode1" presStyleIdx="1" presStyleCnt="5">
@@ -1291,6 +1305,13 @@
         </dgm:presLayoutVars>
       </dgm:prSet>
       <dgm:spPr/>
+      <dgm:t>
+        <a:bodyPr/>
+        <a:lstStyle/>
+        <a:p>
+          <a:endParaRPr lang="en-US"/>
+        </a:p>
+      </dgm:t>
     </dgm:pt>
   </dgm:ptLst>
   <dgm:cxnLst>
@@ -8765,16 +8786,7 @@
                   <a:schemeClr val="accent3"/>
                 </a:solidFill>
               </a:rPr>
-              <a:t>Stock Forecasting</a:t>
-            </a:r>
-            <a:r>
-              <a:rPr lang="en-US" sz="4400" b="1" dirty="0" smtClean="0">
-                <a:ln/>
-                <a:solidFill>
-                  <a:schemeClr val="accent3"/>
-                </a:solidFill>
-              </a:rPr>
-              <a:t> </a:t>
+              <a:t>Stock Forecasting </a:t>
             </a:r>
             <a:br>
               <a:rPr lang="en-US" sz="4400" b="1" dirty="0" smtClean="0">
@@ -8808,16 +8820,7 @@
                   <a:schemeClr val="accent3"/>
                 </a:solidFill>
               </a:rPr>
-              <a:t>Portfolio </a:t>
-            </a:r>
-            <a:r>
-              <a:rPr lang="en-US" sz="4400" b="1" dirty="0" smtClean="0">
-                <a:ln/>
-                <a:solidFill>
-                  <a:schemeClr val="accent3"/>
-                </a:solidFill>
-              </a:rPr>
-              <a:t>Management  </a:t>
+              <a:t>Portfolio Management  </a:t>
             </a:r>
             <a:r>
               <a:rPr lang="en-US" b="1" dirty="0" smtClean="0">
@@ -9232,7 +9235,7 @@
           </a:ln>
           <a:extLst>
             <a:ext uri="{C572A759-6A51-4108-AA02-DFA0A04FC94B}">
-              <ma14:wrappingTextBoxFlag xmlns="" xmlns:ma14="http://schemas.microsoft.com/office/mac/drawingml/2011/main" val="1"/>
+              <ma14:wrappingTextBoxFlag xmlns:ma14="http://schemas.microsoft.com/office/mac/drawingml/2011/main" xmlns="" val="1"/>
             </a:ext>
           </a:extLst>
         </p:spPr>
@@ -9704,7 +9707,7 @@
           </a:prstGeom>
           <a:extLst>
             <a:ext uri="{C572A759-6A51-4108-AA02-DFA0A04FC94B}">
-              <ma14:wrappingTextBoxFlag xmlns="" xmlns:ma14="http://schemas.microsoft.com/office/mac/drawingml/2011/main" val="1"/>
+              <ma14:wrappingTextBoxFlag xmlns:ma14="http://schemas.microsoft.com/office/mac/drawingml/2011/main" xmlns="" val="1"/>
             </a:ext>
           </a:extLst>
         </p:spPr>
@@ -10103,7 +10106,7 @@
           </a:prstGeom>
           <a:extLst>
             <a:ext uri="{C572A759-6A51-4108-AA02-DFA0A04FC94B}">
-              <ma14:wrappingTextBoxFlag xmlns="" xmlns:ma14="http://schemas.microsoft.com/office/mac/drawingml/2011/main" val="1"/>
+              <ma14:wrappingTextBoxFlag xmlns:ma14="http://schemas.microsoft.com/office/mac/drawingml/2011/main" xmlns="" val="1"/>
             </a:ext>
           </a:extLst>
         </p:spPr>
@@ -10671,7 +10674,7 @@
           </a:prstGeom>
           <a:extLst>
             <a:ext uri="{C572A759-6A51-4108-AA02-DFA0A04FC94B}">
-              <ma14:wrappingTextBoxFlag xmlns="" xmlns:ma14="http://schemas.microsoft.com/office/mac/drawingml/2011/main" val="1"/>
+              <ma14:wrappingTextBoxFlag xmlns:ma14="http://schemas.microsoft.com/office/mac/drawingml/2011/main" xmlns="" val="1"/>
             </a:ext>
           </a:extLst>
         </p:spPr>
@@ -10958,7 +10961,7 @@
           </a:prstGeom>
           <a:extLst>
             <a:ext uri="{C572A759-6A51-4108-AA02-DFA0A04FC94B}">
-              <ma14:wrappingTextBoxFlag xmlns="" xmlns:ma14="http://schemas.microsoft.com/office/mac/drawingml/2011/main" val="1"/>
+              <ma14:wrappingTextBoxFlag xmlns:ma14="http://schemas.microsoft.com/office/mac/drawingml/2011/main" xmlns="" val="1"/>
             </a:ext>
           </a:extLst>
         </p:spPr>
@@ -11392,7 +11395,7 @@
           </a:prstGeom>
           <a:extLst>
             <a:ext uri="{C572A759-6A51-4108-AA02-DFA0A04FC94B}">
-              <ma14:wrappingTextBoxFlag xmlns="" xmlns:ma14="http://schemas.microsoft.com/office/mac/drawingml/2011/main" val="1"/>
+              <ma14:wrappingTextBoxFlag xmlns:ma14="http://schemas.microsoft.com/office/mac/drawingml/2011/main" xmlns="" val="1"/>
             </a:ext>
           </a:extLst>
         </p:spPr>
@@ -11728,7 +11731,7 @@
           </a:prstGeom>
           <a:extLst>
             <a:ext uri="{C572A759-6A51-4108-AA02-DFA0A04FC94B}">
-              <ma14:wrappingTextBoxFlag xmlns="" xmlns:ma14="http://schemas.microsoft.com/office/mac/drawingml/2011/main" val="1"/>
+              <ma14:wrappingTextBoxFlag xmlns:ma14="http://schemas.microsoft.com/office/mac/drawingml/2011/main" xmlns="" val="1"/>
             </a:ext>
           </a:extLst>
         </p:spPr>
@@ -11949,7 +11952,7 @@
           </a:prstGeom>
           <a:extLst>
             <a:ext uri="{C572A759-6A51-4108-AA02-DFA0A04FC94B}">
-              <ma14:wrappingTextBoxFlag xmlns="" xmlns:ma14="http://schemas.microsoft.com/office/mac/drawingml/2011/main" val="1"/>
+              <ma14:wrappingTextBoxFlag xmlns:ma14="http://schemas.microsoft.com/office/mac/drawingml/2011/main" xmlns="" val="1"/>
             </a:ext>
           </a:extLst>
         </p:spPr>
@@ -12014,7 +12017,7 @@
           </a:effectLst>
           <a:extLst>
             <a:ext uri="{C572A759-6A51-4108-AA02-DFA0A04FC94B}">
-              <ma14:wrappingTextBoxFlag xmlns="" xmlns:ma14="http://schemas.microsoft.com/office/mac/drawingml/2011/main" val="1"/>
+              <ma14:wrappingTextBoxFlag xmlns:ma14="http://schemas.microsoft.com/office/mac/drawingml/2011/main" xmlns="" val="1"/>
             </a:ext>
           </a:extLst>
         </p:spPr>
@@ -12125,7 +12128,7 @@
             <a:effectLst/>
             <a:extLst>
               <a:ext uri="{C572A759-6A51-4108-AA02-DFA0A04FC94B}">
-                <ma14:wrappingTextBoxFlag xmlns="" xmlns:ma14="http://schemas.microsoft.com/office/mac/drawingml/2011/main" val="1"/>
+                <ma14:wrappingTextBoxFlag xmlns:ma14="http://schemas.microsoft.com/office/mac/drawingml/2011/main" xmlns="" val="1"/>
               </a:ext>
             </a:extLst>
           </p:spPr>
@@ -12210,7 +12213,7 @@
             <a:effectLst/>
             <a:extLst>
               <a:ext uri="{C572A759-6A51-4108-AA02-DFA0A04FC94B}">
-                <ma14:wrappingTextBoxFlag xmlns="" xmlns:ma14="http://schemas.microsoft.com/office/mac/drawingml/2011/main" val="1"/>
+                <ma14:wrappingTextBoxFlag xmlns:ma14="http://schemas.microsoft.com/office/mac/drawingml/2011/main" xmlns="" val="1"/>
               </a:ext>
             </a:extLst>
           </p:spPr>
@@ -12283,7 +12286,7 @@
           </a:ln>
           <a:extLst>
             <a:ext uri="{C572A759-6A51-4108-AA02-DFA0A04FC94B}">
-              <ma14:wrappingTextBoxFlag xmlns="" xmlns:ma14="http://schemas.microsoft.com/office/mac/drawingml/2011/main" val="1"/>
+              <ma14:wrappingTextBoxFlag xmlns:ma14="http://schemas.microsoft.com/office/mac/drawingml/2011/main" xmlns="" val="1"/>
             </a:ext>
           </a:extLst>
         </p:spPr>
@@ -12475,7 +12478,7 @@
           </a:ln>
           <a:extLst>
             <a:ext uri="{C572A759-6A51-4108-AA02-DFA0A04FC94B}">
-              <ma14:wrappingTextBoxFlag xmlns="" xmlns:ma14="http://schemas.microsoft.com/office/mac/drawingml/2011/main" val="1"/>
+              <ma14:wrappingTextBoxFlag xmlns:ma14="http://schemas.microsoft.com/office/mac/drawingml/2011/main" xmlns="" val="1"/>
             </a:ext>
           </a:extLst>
         </p:spPr>
@@ -12512,7 +12515,7 @@
           </a:ln>
           <a:extLst>
             <a:ext uri="{C572A759-6A51-4108-AA02-DFA0A04FC94B}">
-              <ma14:wrappingTextBoxFlag xmlns="" xmlns:ma14="http://schemas.microsoft.com/office/mac/drawingml/2011/main" val="1"/>
+              <ma14:wrappingTextBoxFlag xmlns:ma14="http://schemas.microsoft.com/office/mac/drawingml/2011/main" xmlns="" val="1"/>
             </a:ext>
           </a:extLst>
         </p:spPr>
@@ -12706,8 +12709,12 @@
           <a:lstStyle/>
           <a:p>
             <a:r>
+              <a:rPr lang="en-US" sz="2400" b="1" dirty="0" smtClean="0"/>
+              <a:t>Anticipated</a:t>
+            </a:r>
+            <a:r>
               <a:rPr lang="en-US" b="1" dirty="0" smtClean="0"/>
-              <a:t>Anticipated Web Services </a:t>
+              <a:t> Web Services </a:t>
             </a:r>
             <a:endParaRPr lang="en-US" b="1" dirty="0"/>
           </a:p>
@@ -12731,7 +12738,7 @@
         </p:spPr>
         <p:txBody>
           <a:bodyPr>
-            <a:normAutofit fontScale="92500" lnSpcReduction="10000"/>
+            <a:normAutofit fontScale="92500" lnSpcReduction="20000"/>
           </a:bodyPr>
           <a:lstStyle/>
           <a:p>
@@ -12820,7 +12827,13 @@
               <a:rPr lang="en-US" dirty="0" err="1" smtClean="0">
                 <a:latin typeface="Calibri" panose="020F0502020204030204" pitchFamily="34" charset="0"/>
               </a:rPr>
-              <a:t>addStock</a:t>
+              <a:t>buy</a:t>
+            </a:r>
+            <a:r>
+              <a:rPr lang="en-US" dirty="0" err="1" smtClean="0">
+                <a:latin typeface="Calibri" panose="020F0502020204030204" pitchFamily="34" charset="0"/>
+              </a:rPr>
+              <a:t>Stock</a:t>
             </a:r>
             <a:r>
               <a:rPr lang="en-US" dirty="0" smtClean="0">
@@ -12835,7 +12848,13 @@
               <a:rPr lang="en-US" dirty="0" err="1" smtClean="0">
                 <a:latin typeface="Calibri" panose="020F0502020204030204" pitchFamily="34" charset="0"/>
               </a:rPr>
-              <a:t>removeStock</a:t>
+              <a:t>sell</a:t>
+            </a:r>
+            <a:r>
+              <a:rPr lang="en-US" dirty="0" err="1" smtClean="0">
+                <a:latin typeface="Calibri" panose="020F0502020204030204" pitchFamily="34" charset="0"/>
+              </a:rPr>
+              <a:t>Stock</a:t>
             </a:r>
             <a:r>
               <a:rPr lang="en-US" dirty="0" smtClean="0">
@@ -12843,6 +12862,24 @@
               </a:rPr>
               <a:t>()</a:t>
             </a:r>
+          </a:p>
+          <a:p>
+            <a:pPr lvl="1"/>
+            <a:r>
+              <a:rPr lang="en-US" dirty="0" err="1" smtClean="0">
+                <a:latin typeface="Calibri" panose="020F0502020204030204" pitchFamily="34" charset="0"/>
+              </a:rPr>
+              <a:t>holdStock</a:t>
+            </a:r>
+            <a:r>
+              <a:rPr lang="en-US" dirty="0" smtClean="0">
+                <a:latin typeface="Calibri" panose="020F0502020204030204" pitchFamily="34" charset="0"/>
+              </a:rPr>
+              <a:t>()</a:t>
+            </a:r>
+            <a:endParaRPr lang="en-US" dirty="0" smtClean="0">
+              <a:latin typeface="Calibri" panose="020F0502020204030204" pitchFamily="34" charset="0"/>
+            </a:endParaRPr>
           </a:p>
           <a:p>
             <a:pPr lvl="1"/>
@@ -13265,8 +13302,12 @@
           <a:lstStyle/>
           <a:p>
             <a:r>
+              <a:rPr lang="en-US" sz="2400" b="1" dirty="0" smtClean="0"/>
+              <a:t>Anticipated</a:t>
+            </a:r>
+            <a:r>
               <a:rPr lang="en-US" b="1" dirty="0" smtClean="0"/>
-              <a:t>Anticipated Web Services</a:t>
+              <a:t> Web Services</a:t>
             </a:r>
             <a:endParaRPr lang="en-US" b="1" dirty="0"/>
           </a:p>
@@ -14207,12 +14248,193 @@
             <p:ph idx="1"/>
           </p:nvPr>
         </p:nvSpPr>
-        <p:spPr/>
+        <p:spPr>
+          <a:xfrm>
+            <a:off x="120770" y="1570009"/>
+            <a:ext cx="11800936" cy="5020572"/>
+          </a:xfrm>
+        </p:spPr>
         <p:txBody>
-          <a:bodyPr/>
+          <a:bodyPr>
+            <a:normAutofit/>
+          </a:bodyPr>
           <a:lstStyle/>
           <a:p>
-            <a:endParaRPr lang="en-US"/>
+            <a:pPr>
+              <a:buFont typeface="Wingdings" panose="05000000000000000000" pitchFamily="2" charset="2"/>
+              <a:buChar char="ü"/>
+            </a:pPr>
+            <a:r>
+              <a:rPr lang="en-US" dirty="0" smtClean="0">
+                <a:solidFill>
+                  <a:srgbClr val="008000"/>
+                </a:solidFill>
+                <a:latin typeface="Calibri" panose="020F0502020204030204" pitchFamily="34" charset="0"/>
+              </a:rPr>
+              <a:t>Project Phase 1 </a:t>
+            </a:r>
+            <a:r>
+              <a:rPr lang="en-US" dirty="0" smtClean="0">
+                <a:solidFill>
+                  <a:srgbClr val="008000"/>
+                </a:solidFill>
+                <a:latin typeface="Calibri" panose="020F0502020204030204" pitchFamily="34" charset="0"/>
+              </a:rPr>
+              <a:t>– Data Collection Module</a:t>
+            </a:r>
+          </a:p>
+          <a:p>
+            <a:pPr lvl="1">
+              <a:buFont typeface="Wingdings" panose="05000000000000000000" pitchFamily="2" charset="2"/>
+              <a:buChar char="ü"/>
+            </a:pPr>
+            <a:r>
+              <a:rPr lang="en-US" dirty="0">
+                <a:latin typeface="Calibri" panose="020F0502020204030204" pitchFamily="34" charset="0"/>
+              </a:rPr>
+              <a:t>Java module for Data </a:t>
+            </a:r>
+            <a:r>
+              <a:rPr lang="en-US" dirty="0" smtClean="0">
+                <a:latin typeface="Calibri" panose="020F0502020204030204" pitchFamily="34" charset="0"/>
+              </a:rPr>
+              <a:t>Collection</a:t>
+            </a:r>
+            <a:endParaRPr lang="en-US" dirty="0">
+              <a:latin typeface="Calibri" panose="020F0502020204030204" pitchFamily="34" charset="0"/>
+            </a:endParaRPr>
+          </a:p>
+          <a:p>
+            <a:pPr lvl="2">
+              <a:buFont typeface="Wingdings" panose="05000000000000000000" pitchFamily="2" charset="2"/>
+              <a:buChar char="ü"/>
+            </a:pPr>
+            <a:r>
+              <a:rPr lang="en-US" dirty="0" smtClean="0">
+                <a:latin typeface="Calibri" panose="020F0502020204030204" pitchFamily="34" charset="0"/>
+              </a:rPr>
+              <a:t>Historical Data + Real-Time Data</a:t>
+            </a:r>
+          </a:p>
+          <a:p>
+            <a:pPr lvl="1">
+              <a:buFont typeface="Wingdings" panose="05000000000000000000" pitchFamily="2" charset="2"/>
+              <a:buChar char="ü"/>
+            </a:pPr>
+            <a:r>
+              <a:rPr lang="en-US" dirty="0" smtClean="0">
+                <a:latin typeface="Calibri" panose="020F0502020204030204" pitchFamily="34" charset="0"/>
+              </a:rPr>
+              <a:t>Using Yahoo APIs</a:t>
+            </a:r>
+          </a:p>
+          <a:p>
+            <a:pPr>
+              <a:buFont typeface="Wingdings" panose="05000000000000000000" pitchFamily="2" charset="2"/>
+              <a:buChar char="ü"/>
+            </a:pPr>
+            <a:r>
+              <a:rPr lang="en-US" dirty="0">
+                <a:solidFill>
+                  <a:srgbClr val="008000"/>
+                </a:solidFill>
+                <a:latin typeface="Calibri" panose="020F0502020204030204" pitchFamily="34" charset="0"/>
+              </a:rPr>
+              <a:t>Bayesian Curve Prediction</a:t>
+            </a:r>
+          </a:p>
+          <a:p>
+            <a:pPr lvl="1">
+              <a:buFont typeface="Wingdings" panose="05000000000000000000" pitchFamily="2" charset="2"/>
+              <a:buChar char="ü"/>
+            </a:pPr>
+            <a:r>
+              <a:rPr lang="en-US" dirty="0" smtClean="0">
+                <a:latin typeface="Calibri" panose="020F0502020204030204" pitchFamily="34" charset="0"/>
+              </a:rPr>
+              <a:t>Short Term Prediction Ready using Bayesian Curve Fitting</a:t>
+            </a:r>
+          </a:p>
+          <a:p>
+            <a:pPr>
+              <a:buFont typeface="Wingdings" panose="05000000000000000000" pitchFamily="2" charset="2"/>
+              <a:buChar char="ü"/>
+            </a:pPr>
+            <a:r>
+              <a:rPr lang="en-US" dirty="0">
+                <a:solidFill>
+                  <a:srgbClr val="008000"/>
+                </a:solidFill>
+                <a:latin typeface="Calibri" panose="020F0502020204030204" pitchFamily="34" charset="0"/>
+              </a:rPr>
+              <a:t>Database Design and Schema</a:t>
+            </a:r>
+          </a:p>
+          <a:p>
+            <a:pPr lvl="1">
+              <a:buFont typeface="Wingdings" panose="05000000000000000000" pitchFamily="2" charset="2"/>
+              <a:buChar char="ü"/>
+            </a:pPr>
+            <a:r>
+              <a:rPr lang="en-US" dirty="0" smtClean="0">
+                <a:latin typeface="Calibri" panose="020F0502020204030204" pitchFamily="34" charset="0"/>
+              </a:rPr>
+              <a:t>Stock Data related schema have been completed and ready.</a:t>
+            </a:r>
+          </a:p>
+          <a:p>
+            <a:pPr>
+              <a:buFont typeface="Wingdings" panose="05000000000000000000" pitchFamily="2" charset="2"/>
+              <a:buChar char="ü"/>
+            </a:pPr>
+            <a:r>
+              <a:rPr lang="en-US" dirty="0">
+                <a:solidFill>
+                  <a:srgbClr val="008000"/>
+                </a:solidFill>
+                <a:latin typeface="Calibri" panose="020F0502020204030204" pitchFamily="34" charset="0"/>
+              </a:rPr>
+              <a:t>High-level System Use Case Diagram is completed.</a:t>
+            </a:r>
+          </a:p>
+          <a:p>
+            <a:pPr>
+              <a:buFont typeface="Wingdings" panose="05000000000000000000" pitchFamily="2" charset="2"/>
+              <a:buChar char="ü"/>
+            </a:pPr>
+            <a:r>
+              <a:rPr lang="en-US" dirty="0">
+                <a:solidFill>
+                  <a:srgbClr val="008000"/>
+                </a:solidFill>
+                <a:latin typeface="Calibri" panose="020F0502020204030204" pitchFamily="34" charset="0"/>
+              </a:rPr>
+              <a:t>Algorithm for Neural Networks</a:t>
+            </a:r>
+          </a:p>
+          <a:p>
+            <a:pPr lvl="1">
+              <a:buFont typeface="Wingdings" panose="05000000000000000000" pitchFamily="2" charset="2"/>
+              <a:buChar char="ü"/>
+            </a:pPr>
+            <a:r>
+              <a:rPr lang="en-US" dirty="0" smtClean="0">
+                <a:latin typeface="Calibri" panose="020F0502020204030204" pitchFamily="34" charset="0"/>
+              </a:rPr>
+              <a:t>A basic prototype of  working code of the algorithm is written and tested on a set of stock data. </a:t>
+            </a:r>
+            <a:endParaRPr lang="en-US" dirty="0">
+              <a:latin typeface="Calibri" panose="020F0502020204030204" pitchFamily="34" charset="0"/>
+            </a:endParaRPr>
+          </a:p>
+          <a:p>
+            <a:pPr>
+              <a:buFont typeface="Wingdings" panose="05000000000000000000" pitchFamily="2" charset="2"/>
+              <a:buChar char="ü"/>
+            </a:pPr>
+            <a:endParaRPr lang="en-US" dirty="0" smtClean="0">
+              <a:latin typeface="Calibri" panose="020F0502020204030204" pitchFamily="34" charset="0"/>
+            </a:endParaRPr>
           </a:p>
         </p:txBody>
       </p:sp>
@@ -14226,13 +14448,13 @@
   <p:clrMapOvr>
     <a:masterClrMapping/>
   </p:clrMapOvr>
-  <mc:AlternateContent xmlns:mc="http://schemas.openxmlformats.org/markup-compatibility/2006">
-    <mc:Choice xmlns:p14="http://schemas.microsoft.com/office/powerpoint/2010/main" Requires="p14">
+  <mc:AlternateContent xmlns:mc="http://schemas.openxmlformats.org/markup-compatibility/2006" xmlns:p14="http://schemas.microsoft.com/office/powerpoint/2010/main">
+    <mc:Choice Requires="p14">
       <p:transition spd="med" p14:dur="700">
         <p:fade/>
       </p:transition>
     </mc:Choice>
-    <mc:Fallback>
+    <mc:Fallback xmlns="">
       <p:transition spd="med">
         <p:fade/>
       </p:transition>
@@ -14286,32 +14508,6149 @@
           <a:lstStyle/>
           <a:p>
             <a:r>
+              <a:rPr lang="en-US" sz="2400" dirty="0" smtClean="0"/>
+              <a:t>Our Anticipated </a:t>
+            </a:r>
+            <a:r>
               <a:rPr lang="en-US" dirty="0" smtClean="0"/>
-              <a:t>Work Plan</a:t>
+              <a:t>Plan of Work</a:t>
             </a:r>
             <a:endParaRPr lang="en-US" dirty="0"/>
           </a:p>
         </p:txBody>
       </p:sp>
-      <p:sp>
-        <p:nvSpPr>
-          <p:cNvPr id="3" name="Content Placeholder 2"/>
-          <p:cNvSpPr>
-            <a:spLocks noGrp="1"/>
-          </p:cNvSpPr>
+      <p:graphicFrame>
+        <p:nvGraphicFramePr>
+          <p:cNvPr id="4" name="Table 3"/>
+          <p:cNvGraphicFramePr>
+            <a:graphicFrameLocks noGrp="1"/>
+          </p:cNvGraphicFramePr>
           <p:nvPr>
-            <p:ph idx="1"/>
+            <p:extLst>
+              <p:ext uri="{D42A27DB-BD31-4B8C-83A1-F6EECF244321}">
+                <p14:modId xmlns:p14="http://schemas.microsoft.com/office/powerpoint/2010/main" val="97921175"/>
+              </p:ext>
+            </p:extLst>
           </p:nvPr>
-        </p:nvSpPr>
-        <p:spPr/>
-        <p:txBody>
-          <a:bodyPr/>
-          <a:lstStyle/>
-          <a:p>
-            <a:endParaRPr lang="en-US"/>
-          </a:p>
-        </p:txBody>
-      </p:sp>
+        </p:nvGraphicFramePr>
+        <p:xfrm>
+          <a:off x="353686" y="1760539"/>
+          <a:ext cx="9627075" cy="4295355"/>
+        </p:xfrm>
+        <a:graphic>
+          <a:graphicData uri="http://schemas.openxmlformats.org/drawingml/2006/table">
+            <a:tbl>
+              <a:tblPr/>
+              <a:tblGrid>
+                <a:gridCol w="3045686"/>
+                <a:gridCol w="668580"/>
+                <a:gridCol w="844687"/>
+                <a:gridCol w="844687"/>
+                <a:gridCol w="844687"/>
+                <a:gridCol w="844687"/>
+                <a:gridCol w="844687"/>
+                <a:gridCol w="844687"/>
+                <a:gridCol w="844687"/>
+              </a:tblGrid>
+              <a:tr h="378755">
+                <a:tc>
+                  <a:txBody>
+                    <a:bodyPr/>
+                    <a:lstStyle/>
+                    <a:p>
+                      <a:pPr rtl="0" fontAlgn="b"/>
+                      <a:r>
+                        <a:rPr lang="en-US" sz="1600" b="1" dirty="0">
+                          <a:solidFill>
+                            <a:schemeClr val="tx2"/>
+                          </a:solidFill>
+                          <a:effectLst/>
+                          <a:latin typeface="calibri" panose="020F0502020204030204" pitchFamily="34" charset="0"/>
+                        </a:rPr>
+                        <a:t>Tasks</a:t>
+                      </a:r>
+                    </a:p>
+                  </a:txBody>
+                  <a:tcPr marL="14478" marR="14478" marT="0" marB="0" anchor="b">
+                    <a:lnL w="7620" cap="flat" cmpd="sng" algn="ctr">
+                      <a:solidFill>
+                        <a:srgbClr val="000000"/>
+                      </a:solidFill>
+                      <a:prstDash val="solid"/>
+                      <a:round/>
+                      <a:headEnd type="none" w="med" len="med"/>
+                      <a:tailEnd type="none" w="med" len="med"/>
+                    </a:lnL>
+                    <a:lnR w="7620" cap="flat" cmpd="sng" algn="ctr">
+                      <a:solidFill>
+                        <a:srgbClr val="CCCCCC"/>
+                      </a:solidFill>
+                      <a:prstDash val="solid"/>
+                      <a:round/>
+                      <a:headEnd type="none" w="med" len="med"/>
+                      <a:tailEnd type="none" w="med" len="med"/>
+                    </a:lnR>
+                    <a:lnT w="7620" cap="flat" cmpd="sng" algn="ctr">
+                      <a:solidFill>
+                        <a:srgbClr val="000000"/>
+                      </a:solidFill>
+                      <a:prstDash val="solid"/>
+                      <a:round/>
+                      <a:headEnd type="none" w="med" len="med"/>
+                      <a:tailEnd type="none" w="med" len="med"/>
+                    </a:lnT>
+                    <a:lnB w="7620" cap="flat" cmpd="sng" algn="ctr">
+                      <a:solidFill>
+                        <a:srgbClr val="CCCCCC"/>
+                      </a:solidFill>
+                      <a:prstDash val="solid"/>
+                      <a:round/>
+                      <a:headEnd type="none" w="med" len="med"/>
+                      <a:tailEnd type="none" w="med" len="med"/>
+                    </a:lnB>
+                  </a:tcPr>
+                </a:tc>
+                <a:tc>
+                  <a:txBody>
+                    <a:bodyPr/>
+                    <a:lstStyle/>
+                    <a:p>
+                      <a:pPr algn="r" rtl="0" fontAlgn="b"/>
+                      <a:r>
+                        <a:rPr lang="en-US" sz="1600" b="1" dirty="0">
+                          <a:solidFill>
+                            <a:schemeClr val="tx2"/>
+                          </a:solidFill>
+                          <a:effectLst/>
+                          <a:latin typeface="calibri" panose="020F0502020204030204" pitchFamily="34" charset="0"/>
+                        </a:rPr>
+                        <a:t>Feb-20</a:t>
+                      </a:r>
+                    </a:p>
+                  </a:txBody>
+                  <a:tcPr marL="14478" marR="14478" marT="0" marB="0" anchor="b">
+                    <a:lnL w="7620" cap="flat" cmpd="sng" algn="ctr">
+                      <a:solidFill>
+                        <a:srgbClr val="CCCCCC"/>
+                      </a:solidFill>
+                      <a:prstDash val="solid"/>
+                      <a:round/>
+                      <a:headEnd type="none" w="med" len="med"/>
+                      <a:tailEnd type="none" w="med" len="med"/>
+                    </a:lnL>
+                    <a:lnR w="7620" cap="flat" cmpd="sng" algn="ctr">
+                      <a:solidFill>
+                        <a:srgbClr val="CCCCCC"/>
+                      </a:solidFill>
+                      <a:prstDash val="solid"/>
+                      <a:round/>
+                      <a:headEnd type="none" w="med" len="med"/>
+                      <a:tailEnd type="none" w="med" len="med"/>
+                    </a:lnR>
+                    <a:lnT w="7620" cap="flat" cmpd="sng" algn="ctr">
+                      <a:solidFill>
+                        <a:srgbClr val="000000"/>
+                      </a:solidFill>
+                      <a:prstDash val="solid"/>
+                      <a:round/>
+                      <a:headEnd type="none" w="med" len="med"/>
+                      <a:tailEnd type="none" w="med" len="med"/>
+                    </a:lnT>
+                    <a:lnB w="7620" cap="flat" cmpd="sng" algn="ctr">
+                      <a:solidFill>
+                        <a:srgbClr val="CCCCCC"/>
+                      </a:solidFill>
+                      <a:prstDash val="solid"/>
+                      <a:round/>
+                      <a:headEnd type="none" w="med" len="med"/>
+                      <a:tailEnd type="none" w="med" len="med"/>
+                    </a:lnB>
+                  </a:tcPr>
+                </a:tc>
+                <a:tc>
+                  <a:txBody>
+                    <a:bodyPr/>
+                    <a:lstStyle/>
+                    <a:p>
+                      <a:pPr algn="r" rtl="0" fontAlgn="b"/>
+                      <a:r>
+                        <a:rPr lang="en-US" sz="1600" b="1" dirty="0">
+                          <a:solidFill>
+                            <a:schemeClr val="tx2"/>
+                          </a:solidFill>
+                          <a:effectLst/>
+                          <a:latin typeface="calibri" panose="020F0502020204030204" pitchFamily="34" charset="0"/>
+                        </a:rPr>
+                        <a:t>Mar-06</a:t>
+                      </a:r>
+                    </a:p>
+                  </a:txBody>
+                  <a:tcPr marL="14478" marR="14478" marT="0" marB="0" anchor="b">
+                    <a:lnL w="7620" cap="flat" cmpd="sng" algn="ctr">
+                      <a:solidFill>
+                        <a:srgbClr val="CCCCCC"/>
+                      </a:solidFill>
+                      <a:prstDash val="solid"/>
+                      <a:round/>
+                      <a:headEnd type="none" w="med" len="med"/>
+                      <a:tailEnd type="none" w="med" len="med"/>
+                    </a:lnL>
+                    <a:lnR w="7620" cap="flat" cmpd="sng" algn="ctr">
+                      <a:solidFill>
+                        <a:srgbClr val="CCCCCC"/>
+                      </a:solidFill>
+                      <a:prstDash val="solid"/>
+                      <a:round/>
+                      <a:headEnd type="none" w="med" len="med"/>
+                      <a:tailEnd type="none" w="med" len="med"/>
+                    </a:lnR>
+                    <a:lnT w="7620" cap="flat" cmpd="sng" algn="ctr">
+                      <a:solidFill>
+                        <a:srgbClr val="000000"/>
+                      </a:solidFill>
+                      <a:prstDash val="solid"/>
+                      <a:round/>
+                      <a:headEnd type="none" w="med" len="med"/>
+                      <a:tailEnd type="none" w="med" len="med"/>
+                    </a:lnT>
+                    <a:lnB w="7620" cap="flat" cmpd="sng" algn="ctr">
+                      <a:solidFill>
+                        <a:srgbClr val="CCCCCC"/>
+                      </a:solidFill>
+                      <a:prstDash val="solid"/>
+                      <a:round/>
+                      <a:headEnd type="none" w="med" len="med"/>
+                      <a:tailEnd type="none" w="med" len="med"/>
+                    </a:lnB>
+                  </a:tcPr>
+                </a:tc>
+                <a:tc>
+                  <a:txBody>
+                    <a:bodyPr/>
+                    <a:lstStyle/>
+                    <a:p>
+                      <a:pPr algn="r" rtl="0" fontAlgn="b"/>
+                      <a:r>
+                        <a:rPr lang="en-US" sz="1600" b="1" dirty="0">
+                          <a:solidFill>
+                            <a:schemeClr val="tx2"/>
+                          </a:solidFill>
+                          <a:effectLst/>
+                          <a:latin typeface="calibri" panose="020F0502020204030204" pitchFamily="34" charset="0"/>
+                        </a:rPr>
+                        <a:t>Mar-15</a:t>
+                      </a:r>
+                    </a:p>
+                  </a:txBody>
+                  <a:tcPr marL="14478" marR="14478" marT="0" marB="0" anchor="b">
+                    <a:lnL w="7620" cap="flat" cmpd="sng" algn="ctr">
+                      <a:solidFill>
+                        <a:srgbClr val="CCCCCC"/>
+                      </a:solidFill>
+                      <a:prstDash val="solid"/>
+                      <a:round/>
+                      <a:headEnd type="none" w="med" len="med"/>
+                      <a:tailEnd type="none" w="med" len="med"/>
+                    </a:lnL>
+                    <a:lnR w="7620" cap="flat" cmpd="sng" algn="ctr">
+                      <a:solidFill>
+                        <a:srgbClr val="CCCCCC"/>
+                      </a:solidFill>
+                      <a:prstDash val="solid"/>
+                      <a:round/>
+                      <a:headEnd type="none" w="med" len="med"/>
+                      <a:tailEnd type="none" w="med" len="med"/>
+                    </a:lnR>
+                    <a:lnT w="7620" cap="flat" cmpd="sng" algn="ctr">
+                      <a:solidFill>
+                        <a:srgbClr val="000000"/>
+                      </a:solidFill>
+                      <a:prstDash val="solid"/>
+                      <a:round/>
+                      <a:headEnd type="none" w="med" len="med"/>
+                      <a:tailEnd type="none" w="med" len="med"/>
+                    </a:lnT>
+                    <a:lnB w="7620" cap="flat" cmpd="sng" algn="ctr">
+                      <a:solidFill>
+                        <a:srgbClr val="CCCCCC"/>
+                      </a:solidFill>
+                      <a:prstDash val="solid"/>
+                      <a:round/>
+                      <a:headEnd type="none" w="med" len="med"/>
+                      <a:tailEnd type="none" w="med" len="med"/>
+                    </a:lnB>
+                  </a:tcPr>
+                </a:tc>
+                <a:tc>
+                  <a:txBody>
+                    <a:bodyPr/>
+                    <a:lstStyle/>
+                    <a:p>
+                      <a:pPr algn="r" rtl="0" fontAlgn="b"/>
+                      <a:r>
+                        <a:rPr lang="en-US" sz="1600" b="1" dirty="0">
+                          <a:solidFill>
+                            <a:schemeClr val="tx2"/>
+                          </a:solidFill>
+                          <a:effectLst/>
+                          <a:latin typeface="calibri" panose="020F0502020204030204" pitchFamily="34" charset="0"/>
+                        </a:rPr>
+                        <a:t>Mar-27</a:t>
+                      </a:r>
+                    </a:p>
+                  </a:txBody>
+                  <a:tcPr marL="14478" marR="14478" marT="0" marB="0" anchor="b">
+                    <a:lnL w="7620" cap="flat" cmpd="sng" algn="ctr">
+                      <a:solidFill>
+                        <a:srgbClr val="CCCCCC"/>
+                      </a:solidFill>
+                      <a:prstDash val="solid"/>
+                      <a:round/>
+                      <a:headEnd type="none" w="med" len="med"/>
+                      <a:tailEnd type="none" w="med" len="med"/>
+                    </a:lnL>
+                    <a:lnR w="7620" cap="flat" cmpd="sng" algn="ctr">
+                      <a:solidFill>
+                        <a:srgbClr val="CCCCCC"/>
+                      </a:solidFill>
+                      <a:prstDash val="solid"/>
+                      <a:round/>
+                      <a:headEnd type="none" w="med" len="med"/>
+                      <a:tailEnd type="none" w="med" len="med"/>
+                    </a:lnR>
+                    <a:lnT w="7620" cap="flat" cmpd="sng" algn="ctr">
+                      <a:solidFill>
+                        <a:srgbClr val="000000"/>
+                      </a:solidFill>
+                      <a:prstDash val="solid"/>
+                      <a:round/>
+                      <a:headEnd type="none" w="med" len="med"/>
+                      <a:tailEnd type="none" w="med" len="med"/>
+                    </a:lnT>
+                    <a:lnB w="7620" cap="flat" cmpd="sng" algn="ctr">
+                      <a:solidFill>
+                        <a:srgbClr val="CCCCCC"/>
+                      </a:solidFill>
+                      <a:prstDash val="solid"/>
+                      <a:round/>
+                      <a:headEnd type="none" w="med" len="med"/>
+                      <a:tailEnd type="none" w="med" len="med"/>
+                    </a:lnB>
+                  </a:tcPr>
+                </a:tc>
+                <a:tc>
+                  <a:txBody>
+                    <a:bodyPr/>
+                    <a:lstStyle/>
+                    <a:p>
+                      <a:pPr algn="r" rtl="0" fontAlgn="b"/>
+                      <a:r>
+                        <a:rPr lang="en-US" sz="1600" b="1" dirty="0">
+                          <a:solidFill>
+                            <a:schemeClr val="tx2"/>
+                          </a:solidFill>
+                          <a:effectLst/>
+                          <a:latin typeface="calibri" panose="020F0502020204030204" pitchFamily="34" charset="0"/>
+                        </a:rPr>
+                        <a:t>Apr-06</a:t>
+                      </a:r>
+                    </a:p>
+                  </a:txBody>
+                  <a:tcPr marL="14478" marR="14478" marT="0" marB="0" anchor="b">
+                    <a:lnL w="7620" cap="flat" cmpd="sng" algn="ctr">
+                      <a:solidFill>
+                        <a:srgbClr val="CCCCCC"/>
+                      </a:solidFill>
+                      <a:prstDash val="solid"/>
+                      <a:round/>
+                      <a:headEnd type="none" w="med" len="med"/>
+                      <a:tailEnd type="none" w="med" len="med"/>
+                    </a:lnL>
+                    <a:lnR w="7620" cap="flat" cmpd="sng" algn="ctr">
+                      <a:solidFill>
+                        <a:srgbClr val="CCCCCC"/>
+                      </a:solidFill>
+                      <a:prstDash val="solid"/>
+                      <a:round/>
+                      <a:headEnd type="none" w="med" len="med"/>
+                      <a:tailEnd type="none" w="med" len="med"/>
+                    </a:lnR>
+                    <a:lnT w="7620" cap="flat" cmpd="sng" algn="ctr">
+                      <a:solidFill>
+                        <a:srgbClr val="000000"/>
+                      </a:solidFill>
+                      <a:prstDash val="solid"/>
+                      <a:round/>
+                      <a:headEnd type="none" w="med" len="med"/>
+                      <a:tailEnd type="none" w="med" len="med"/>
+                    </a:lnT>
+                    <a:lnB w="7620" cap="flat" cmpd="sng" algn="ctr">
+                      <a:solidFill>
+                        <a:srgbClr val="CCCCCC"/>
+                      </a:solidFill>
+                      <a:prstDash val="solid"/>
+                      <a:round/>
+                      <a:headEnd type="none" w="med" len="med"/>
+                      <a:tailEnd type="none" w="med" len="med"/>
+                    </a:lnB>
+                  </a:tcPr>
+                </a:tc>
+                <a:tc>
+                  <a:txBody>
+                    <a:bodyPr/>
+                    <a:lstStyle/>
+                    <a:p>
+                      <a:pPr algn="r" rtl="0" fontAlgn="b"/>
+                      <a:r>
+                        <a:rPr lang="en-US" sz="1600" b="1" dirty="0">
+                          <a:solidFill>
+                            <a:schemeClr val="tx2"/>
+                          </a:solidFill>
+                          <a:effectLst/>
+                          <a:latin typeface="calibri" panose="020F0502020204030204" pitchFamily="34" charset="0"/>
+                        </a:rPr>
+                        <a:t>Apr-15</a:t>
+                      </a:r>
+                    </a:p>
+                  </a:txBody>
+                  <a:tcPr marL="14478" marR="14478" marT="0" marB="0" anchor="b">
+                    <a:lnL w="7620" cap="flat" cmpd="sng" algn="ctr">
+                      <a:solidFill>
+                        <a:srgbClr val="CCCCCC"/>
+                      </a:solidFill>
+                      <a:prstDash val="solid"/>
+                      <a:round/>
+                      <a:headEnd type="none" w="med" len="med"/>
+                      <a:tailEnd type="none" w="med" len="med"/>
+                    </a:lnL>
+                    <a:lnR w="7620" cap="flat" cmpd="sng" algn="ctr">
+                      <a:solidFill>
+                        <a:srgbClr val="CCCCCC"/>
+                      </a:solidFill>
+                      <a:prstDash val="solid"/>
+                      <a:round/>
+                      <a:headEnd type="none" w="med" len="med"/>
+                      <a:tailEnd type="none" w="med" len="med"/>
+                    </a:lnR>
+                    <a:lnT w="7620" cap="flat" cmpd="sng" algn="ctr">
+                      <a:solidFill>
+                        <a:srgbClr val="000000"/>
+                      </a:solidFill>
+                      <a:prstDash val="solid"/>
+                      <a:round/>
+                      <a:headEnd type="none" w="med" len="med"/>
+                      <a:tailEnd type="none" w="med" len="med"/>
+                    </a:lnT>
+                    <a:lnB w="7620" cap="flat" cmpd="sng" algn="ctr">
+                      <a:solidFill>
+                        <a:srgbClr val="CCCCCC"/>
+                      </a:solidFill>
+                      <a:prstDash val="solid"/>
+                      <a:round/>
+                      <a:headEnd type="none" w="med" len="med"/>
+                      <a:tailEnd type="none" w="med" len="med"/>
+                    </a:lnB>
+                  </a:tcPr>
+                </a:tc>
+                <a:tc>
+                  <a:txBody>
+                    <a:bodyPr/>
+                    <a:lstStyle/>
+                    <a:p>
+                      <a:pPr algn="r" rtl="0" fontAlgn="b"/>
+                      <a:r>
+                        <a:rPr lang="en-US" sz="1600" b="1" dirty="0">
+                          <a:solidFill>
+                            <a:schemeClr val="tx2"/>
+                          </a:solidFill>
+                          <a:effectLst/>
+                          <a:latin typeface="calibri" panose="020F0502020204030204" pitchFamily="34" charset="0"/>
+                        </a:rPr>
+                        <a:t>Apr-20</a:t>
+                      </a:r>
+                    </a:p>
+                  </a:txBody>
+                  <a:tcPr marL="14478" marR="14478" marT="0" marB="0" anchor="b">
+                    <a:lnL w="7620" cap="flat" cmpd="sng" algn="ctr">
+                      <a:solidFill>
+                        <a:srgbClr val="CCCCCC"/>
+                      </a:solidFill>
+                      <a:prstDash val="solid"/>
+                      <a:round/>
+                      <a:headEnd type="none" w="med" len="med"/>
+                      <a:tailEnd type="none" w="med" len="med"/>
+                    </a:lnL>
+                    <a:lnR w="7620" cap="flat" cmpd="sng" algn="ctr">
+                      <a:solidFill>
+                        <a:srgbClr val="CCCCCC"/>
+                      </a:solidFill>
+                      <a:prstDash val="solid"/>
+                      <a:round/>
+                      <a:headEnd type="none" w="med" len="med"/>
+                      <a:tailEnd type="none" w="med" len="med"/>
+                    </a:lnR>
+                    <a:lnT w="7620" cap="flat" cmpd="sng" algn="ctr">
+                      <a:solidFill>
+                        <a:srgbClr val="000000"/>
+                      </a:solidFill>
+                      <a:prstDash val="solid"/>
+                      <a:round/>
+                      <a:headEnd type="none" w="med" len="med"/>
+                      <a:tailEnd type="none" w="med" len="med"/>
+                    </a:lnT>
+                    <a:lnB w="7620" cap="flat" cmpd="sng" algn="ctr">
+                      <a:solidFill>
+                        <a:srgbClr val="CCCCCC"/>
+                      </a:solidFill>
+                      <a:prstDash val="solid"/>
+                      <a:round/>
+                      <a:headEnd type="none" w="med" len="med"/>
+                      <a:tailEnd type="none" w="med" len="med"/>
+                    </a:lnB>
+                  </a:tcPr>
+                </a:tc>
+                <a:tc>
+                  <a:txBody>
+                    <a:bodyPr/>
+                    <a:lstStyle/>
+                    <a:p>
+                      <a:pPr algn="r" rtl="0" fontAlgn="b"/>
+                      <a:r>
+                        <a:rPr lang="en-US" sz="1600" b="1" dirty="0">
+                          <a:solidFill>
+                            <a:schemeClr val="tx2"/>
+                          </a:solidFill>
+                          <a:effectLst/>
+                          <a:latin typeface="calibri" panose="020F0502020204030204" pitchFamily="34" charset="0"/>
+                        </a:rPr>
+                        <a:t>Apr-27</a:t>
+                      </a:r>
+                    </a:p>
+                  </a:txBody>
+                  <a:tcPr marL="14478" marR="14478" marT="0" marB="0" anchor="b">
+                    <a:lnL w="7620" cap="flat" cmpd="sng" algn="ctr">
+                      <a:solidFill>
+                        <a:srgbClr val="CCCCCC"/>
+                      </a:solidFill>
+                      <a:prstDash val="solid"/>
+                      <a:round/>
+                      <a:headEnd type="none" w="med" len="med"/>
+                      <a:tailEnd type="none" w="med" len="med"/>
+                    </a:lnL>
+                    <a:lnR w="7620" cap="flat" cmpd="sng" algn="ctr">
+                      <a:solidFill>
+                        <a:srgbClr val="000000"/>
+                      </a:solidFill>
+                      <a:prstDash val="solid"/>
+                      <a:round/>
+                      <a:headEnd type="none" w="med" len="med"/>
+                      <a:tailEnd type="none" w="med" len="med"/>
+                    </a:lnR>
+                    <a:lnT w="7620" cap="flat" cmpd="sng" algn="ctr">
+                      <a:solidFill>
+                        <a:srgbClr val="000000"/>
+                      </a:solidFill>
+                      <a:prstDash val="solid"/>
+                      <a:round/>
+                      <a:headEnd type="none" w="med" len="med"/>
+                      <a:tailEnd type="none" w="med" len="med"/>
+                    </a:lnT>
+                    <a:lnB w="7620" cap="flat" cmpd="sng" algn="ctr">
+                      <a:solidFill>
+                        <a:srgbClr val="CCCCCC"/>
+                      </a:solidFill>
+                      <a:prstDash val="solid"/>
+                      <a:round/>
+                      <a:headEnd type="none" w="med" len="med"/>
+                      <a:tailEnd type="none" w="med" len="med"/>
+                    </a:lnB>
+                  </a:tcPr>
+                </a:tc>
+              </a:tr>
+              <a:tr h="198717">
+                <a:tc>
+                  <a:txBody>
+                    <a:bodyPr/>
+                    <a:lstStyle/>
+                    <a:p>
+                      <a:pPr rtl="0" fontAlgn="b"/>
+                      <a:r>
+                        <a:rPr lang="en-US" sz="1100" dirty="0">
+                          <a:solidFill>
+                            <a:srgbClr val="000000"/>
+                          </a:solidFill>
+                          <a:effectLst/>
+                          <a:latin typeface="calibri" panose="020F0502020204030204" pitchFamily="34" charset="0"/>
+                        </a:rPr>
+                        <a:t>Database Design</a:t>
+                      </a:r>
+                    </a:p>
+                  </a:txBody>
+                  <a:tcPr marL="14478" marR="14478" marT="0" marB="0" anchor="b">
+                    <a:lnL w="7620" cap="flat" cmpd="sng" algn="ctr">
+                      <a:solidFill>
+                        <a:srgbClr val="000000"/>
+                      </a:solidFill>
+                      <a:prstDash val="solid"/>
+                      <a:round/>
+                      <a:headEnd type="none" w="med" len="med"/>
+                      <a:tailEnd type="none" w="med" len="med"/>
+                    </a:lnL>
+                    <a:lnR w="7620" cap="flat" cmpd="sng" algn="ctr">
+                      <a:solidFill>
+                        <a:srgbClr val="CCCCCC"/>
+                      </a:solidFill>
+                      <a:prstDash val="solid"/>
+                      <a:round/>
+                      <a:headEnd type="none" w="med" len="med"/>
+                      <a:tailEnd type="none" w="med" len="med"/>
+                    </a:lnR>
+                    <a:lnT w="7620" cap="flat" cmpd="sng" algn="ctr">
+                      <a:solidFill>
+                        <a:srgbClr val="CCCCCC"/>
+                      </a:solidFill>
+                      <a:prstDash val="solid"/>
+                      <a:round/>
+                      <a:headEnd type="none" w="med" len="med"/>
+                      <a:tailEnd type="none" w="med" len="med"/>
+                    </a:lnT>
+                    <a:lnB w="7620" cap="flat" cmpd="sng" algn="ctr">
+                      <a:solidFill>
+                        <a:srgbClr val="CCCCCC"/>
+                      </a:solidFill>
+                      <a:prstDash val="solid"/>
+                      <a:round/>
+                      <a:headEnd type="none" w="med" len="med"/>
+                      <a:tailEnd type="none" w="med" len="med"/>
+                    </a:lnB>
+                  </a:tcPr>
+                </a:tc>
+                <a:tc>
+                  <a:txBody>
+                    <a:bodyPr/>
+                    <a:lstStyle/>
+                    <a:p>
+                      <a:pPr rtl="0" fontAlgn="b"/>
+                      <a:endParaRPr lang="en-US" sz="1100">
+                        <a:effectLst/>
+                      </a:endParaRPr>
+                    </a:p>
+                  </a:txBody>
+                  <a:tcPr marL="14478" marR="14478" marT="0" marB="0" anchor="b">
+                    <a:lnL w="7620" cap="flat" cmpd="sng" algn="ctr">
+                      <a:solidFill>
+                        <a:srgbClr val="CCCCCC"/>
+                      </a:solidFill>
+                      <a:prstDash val="solid"/>
+                      <a:round/>
+                      <a:headEnd type="none" w="med" len="med"/>
+                      <a:tailEnd type="none" w="med" len="med"/>
+                    </a:lnL>
+                    <a:lnR w="7620" cap="flat" cmpd="sng" algn="ctr">
+                      <a:solidFill>
+                        <a:srgbClr val="CCCCCC"/>
+                      </a:solidFill>
+                      <a:prstDash val="solid"/>
+                      <a:round/>
+                      <a:headEnd type="none" w="med" len="med"/>
+                      <a:tailEnd type="none" w="med" len="med"/>
+                    </a:lnR>
+                    <a:lnT w="7620" cap="flat" cmpd="sng" algn="ctr">
+                      <a:solidFill>
+                        <a:srgbClr val="CCCCCC"/>
+                      </a:solidFill>
+                      <a:prstDash val="solid"/>
+                      <a:round/>
+                      <a:headEnd type="none" w="med" len="med"/>
+                      <a:tailEnd type="none" w="med" len="med"/>
+                    </a:lnT>
+                    <a:lnB w="7620" cap="flat" cmpd="sng" algn="ctr">
+                      <a:solidFill>
+                        <a:srgbClr val="CCCCCC"/>
+                      </a:solidFill>
+                      <a:prstDash val="solid"/>
+                      <a:round/>
+                      <a:headEnd type="none" w="med" len="med"/>
+                      <a:tailEnd type="none" w="med" len="med"/>
+                    </a:lnB>
+                    <a:solidFill>
+                      <a:srgbClr val="4F81BD"/>
+                    </a:solidFill>
+                  </a:tcPr>
+                </a:tc>
+                <a:tc>
+                  <a:txBody>
+                    <a:bodyPr/>
+                    <a:lstStyle/>
+                    <a:p>
+                      <a:pPr rtl="0" fontAlgn="b"/>
+                      <a:endParaRPr lang="en-US" sz="1100">
+                        <a:effectLst/>
+                      </a:endParaRPr>
+                    </a:p>
+                  </a:txBody>
+                  <a:tcPr marL="14478" marR="14478" marT="0" marB="0" anchor="b">
+                    <a:lnL w="7620" cap="flat" cmpd="sng" algn="ctr">
+                      <a:solidFill>
+                        <a:srgbClr val="CCCCCC"/>
+                      </a:solidFill>
+                      <a:prstDash val="solid"/>
+                      <a:round/>
+                      <a:headEnd type="none" w="med" len="med"/>
+                      <a:tailEnd type="none" w="med" len="med"/>
+                    </a:lnL>
+                    <a:lnR w="7620" cap="flat" cmpd="sng" algn="ctr">
+                      <a:solidFill>
+                        <a:srgbClr val="CCCCCC"/>
+                      </a:solidFill>
+                      <a:prstDash val="solid"/>
+                      <a:round/>
+                      <a:headEnd type="none" w="med" len="med"/>
+                      <a:tailEnd type="none" w="med" len="med"/>
+                    </a:lnR>
+                    <a:lnT w="7620" cap="flat" cmpd="sng" algn="ctr">
+                      <a:solidFill>
+                        <a:srgbClr val="CCCCCC"/>
+                      </a:solidFill>
+                      <a:prstDash val="solid"/>
+                      <a:round/>
+                      <a:headEnd type="none" w="med" len="med"/>
+                      <a:tailEnd type="none" w="med" len="med"/>
+                    </a:lnT>
+                    <a:lnB w="7620" cap="flat" cmpd="sng" algn="ctr">
+                      <a:solidFill>
+                        <a:srgbClr val="CCCCCC"/>
+                      </a:solidFill>
+                      <a:prstDash val="solid"/>
+                      <a:round/>
+                      <a:headEnd type="none" w="med" len="med"/>
+                      <a:tailEnd type="none" w="med" len="med"/>
+                    </a:lnB>
+                    <a:solidFill>
+                      <a:srgbClr val="4F81BD"/>
+                    </a:solidFill>
+                  </a:tcPr>
+                </a:tc>
+                <a:tc>
+                  <a:txBody>
+                    <a:bodyPr/>
+                    <a:lstStyle/>
+                    <a:p>
+                      <a:pPr rtl="0" fontAlgn="b"/>
+                      <a:endParaRPr lang="en-US" sz="1100">
+                        <a:effectLst/>
+                      </a:endParaRPr>
+                    </a:p>
+                  </a:txBody>
+                  <a:tcPr marL="14478" marR="14478" marT="0" marB="0" anchor="b">
+                    <a:lnL w="7620" cap="flat" cmpd="sng" algn="ctr">
+                      <a:solidFill>
+                        <a:srgbClr val="CCCCCC"/>
+                      </a:solidFill>
+                      <a:prstDash val="solid"/>
+                      <a:round/>
+                      <a:headEnd type="none" w="med" len="med"/>
+                      <a:tailEnd type="none" w="med" len="med"/>
+                    </a:lnL>
+                    <a:lnR w="7620" cap="flat" cmpd="sng" algn="ctr">
+                      <a:solidFill>
+                        <a:srgbClr val="CCCCCC"/>
+                      </a:solidFill>
+                      <a:prstDash val="solid"/>
+                      <a:round/>
+                      <a:headEnd type="none" w="med" len="med"/>
+                      <a:tailEnd type="none" w="med" len="med"/>
+                    </a:lnR>
+                    <a:lnT w="7620" cap="flat" cmpd="sng" algn="ctr">
+                      <a:solidFill>
+                        <a:srgbClr val="CCCCCC"/>
+                      </a:solidFill>
+                      <a:prstDash val="solid"/>
+                      <a:round/>
+                      <a:headEnd type="none" w="med" len="med"/>
+                      <a:tailEnd type="none" w="med" len="med"/>
+                    </a:lnT>
+                    <a:lnB w="7620" cap="flat" cmpd="sng" algn="ctr">
+                      <a:solidFill>
+                        <a:srgbClr val="CCCCCC"/>
+                      </a:solidFill>
+                      <a:prstDash val="solid"/>
+                      <a:round/>
+                      <a:headEnd type="none" w="med" len="med"/>
+                      <a:tailEnd type="none" w="med" len="med"/>
+                    </a:lnB>
+                  </a:tcPr>
+                </a:tc>
+                <a:tc>
+                  <a:txBody>
+                    <a:bodyPr/>
+                    <a:lstStyle/>
+                    <a:p>
+                      <a:pPr rtl="0" fontAlgn="b"/>
+                      <a:endParaRPr lang="en-US" sz="1100">
+                        <a:effectLst/>
+                      </a:endParaRPr>
+                    </a:p>
+                  </a:txBody>
+                  <a:tcPr marL="14478" marR="14478" marT="0" marB="0" anchor="b">
+                    <a:lnL w="7620" cap="flat" cmpd="sng" algn="ctr">
+                      <a:solidFill>
+                        <a:srgbClr val="CCCCCC"/>
+                      </a:solidFill>
+                      <a:prstDash val="solid"/>
+                      <a:round/>
+                      <a:headEnd type="none" w="med" len="med"/>
+                      <a:tailEnd type="none" w="med" len="med"/>
+                    </a:lnL>
+                    <a:lnR w="7620" cap="flat" cmpd="sng" algn="ctr">
+                      <a:solidFill>
+                        <a:srgbClr val="CCCCCC"/>
+                      </a:solidFill>
+                      <a:prstDash val="solid"/>
+                      <a:round/>
+                      <a:headEnd type="none" w="med" len="med"/>
+                      <a:tailEnd type="none" w="med" len="med"/>
+                    </a:lnR>
+                    <a:lnT w="7620" cap="flat" cmpd="sng" algn="ctr">
+                      <a:solidFill>
+                        <a:srgbClr val="CCCCCC"/>
+                      </a:solidFill>
+                      <a:prstDash val="solid"/>
+                      <a:round/>
+                      <a:headEnd type="none" w="med" len="med"/>
+                      <a:tailEnd type="none" w="med" len="med"/>
+                    </a:lnT>
+                    <a:lnB w="7620" cap="flat" cmpd="sng" algn="ctr">
+                      <a:solidFill>
+                        <a:srgbClr val="CCCCCC"/>
+                      </a:solidFill>
+                      <a:prstDash val="solid"/>
+                      <a:round/>
+                      <a:headEnd type="none" w="med" len="med"/>
+                      <a:tailEnd type="none" w="med" len="med"/>
+                    </a:lnB>
+                  </a:tcPr>
+                </a:tc>
+                <a:tc>
+                  <a:txBody>
+                    <a:bodyPr/>
+                    <a:lstStyle/>
+                    <a:p>
+                      <a:pPr rtl="0" fontAlgn="b"/>
+                      <a:endParaRPr lang="en-US" sz="1100">
+                        <a:effectLst/>
+                      </a:endParaRPr>
+                    </a:p>
+                  </a:txBody>
+                  <a:tcPr marL="14478" marR="14478" marT="0" marB="0" anchor="b">
+                    <a:lnL w="7620" cap="flat" cmpd="sng" algn="ctr">
+                      <a:solidFill>
+                        <a:srgbClr val="CCCCCC"/>
+                      </a:solidFill>
+                      <a:prstDash val="solid"/>
+                      <a:round/>
+                      <a:headEnd type="none" w="med" len="med"/>
+                      <a:tailEnd type="none" w="med" len="med"/>
+                    </a:lnL>
+                    <a:lnR w="7620" cap="flat" cmpd="sng" algn="ctr">
+                      <a:solidFill>
+                        <a:srgbClr val="CCCCCC"/>
+                      </a:solidFill>
+                      <a:prstDash val="solid"/>
+                      <a:round/>
+                      <a:headEnd type="none" w="med" len="med"/>
+                      <a:tailEnd type="none" w="med" len="med"/>
+                    </a:lnR>
+                    <a:lnT w="7620" cap="flat" cmpd="sng" algn="ctr">
+                      <a:solidFill>
+                        <a:srgbClr val="CCCCCC"/>
+                      </a:solidFill>
+                      <a:prstDash val="solid"/>
+                      <a:round/>
+                      <a:headEnd type="none" w="med" len="med"/>
+                      <a:tailEnd type="none" w="med" len="med"/>
+                    </a:lnT>
+                    <a:lnB w="7620" cap="flat" cmpd="sng" algn="ctr">
+                      <a:solidFill>
+                        <a:srgbClr val="CCCCCC"/>
+                      </a:solidFill>
+                      <a:prstDash val="solid"/>
+                      <a:round/>
+                      <a:headEnd type="none" w="med" len="med"/>
+                      <a:tailEnd type="none" w="med" len="med"/>
+                    </a:lnB>
+                    <a:solidFill>
+                      <a:srgbClr val="008000"/>
+                    </a:solidFill>
+                  </a:tcPr>
+                </a:tc>
+                <a:tc>
+                  <a:txBody>
+                    <a:bodyPr/>
+                    <a:lstStyle/>
+                    <a:p>
+                      <a:pPr rtl="0" fontAlgn="b"/>
+                      <a:endParaRPr lang="en-US" sz="1100">
+                        <a:effectLst/>
+                      </a:endParaRPr>
+                    </a:p>
+                  </a:txBody>
+                  <a:tcPr marL="14478" marR="14478" marT="0" marB="0" anchor="b">
+                    <a:lnL w="7620" cap="flat" cmpd="sng" algn="ctr">
+                      <a:solidFill>
+                        <a:srgbClr val="CCCCCC"/>
+                      </a:solidFill>
+                      <a:prstDash val="solid"/>
+                      <a:round/>
+                      <a:headEnd type="none" w="med" len="med"/>
+                      <a:tailEnd type="none" w="med" len="med"/>
+                    </a:lnL>
+                    <a:lnR w="7620" cap="flat" cmpd="sng" algn="ctr">
+                      <a:solidFill>
+                        <a:srgbClr val="CCCCCC"/>
+                      </a:solidFill>
+                      <a:prstDash val="solid"/>
+                      <a:round/>
+                      <a:headEnd type="none" w="med" len="med"/>
+                      <a:tailEnd type="none" w="med" len="med"/>
+                    </a:lnR>
+                    <a:lnT w="7620" cap="flat" cmpd="sng" algn="ctr">
+                      <a:solidFill>
+                        <a:srgbClr val="CCCCCC"/>
+                      </a:solidFill>
+                      <a:prstDash val="solid"/>
+                      <a:round/>
+                      <a:headEnd type="none" w="med" len="med"/>
+                      <a:tailEnd type="none" w="med" len="med"/>
+                    </a:lnT>
+                    <a:lnB w="7620" cap="flat" cmpd="sng" algn="ctr">
+                      <a:solidFill>
+                        <a:srgbClr val="CCCCCC"/>
+                      </a:solidFill>
+                      <a:prstDash val="solid"/>
+                      <a:round/>
+                      <a:headEnd type="none" w="med" len="med"/>
+                      <a:tailEnd type="none" w="med" len="med"/>
+                    </a:lnB>
+                    <a:solidFill>
+                      <a:srgbClr val="FFFF00"/>
+                    </a:solidFill>
+                  </a:tcPr>
+                </a:tc>
+                <a:tc>
+                  <a:txBody>
+                    <a:bodyPr/>
+                    <a:lstStyle/>
+                    <a:p>
+                      <a:pPr rtl="0" fontAlgn="b"/>
+                      <a:endParaRPr lang="en-US" sz="1100">
+                        <a:effectLst/>
+                      </a:endParaRPr>
+                    </a:p>
+                  </a:txBody>
+                  <a:tcPr marL="14478" marR="14478" marT="0" marB="0" anchor="b">
+                    <a:lnL w="7620" cap="flat" cmpd="sng" algn="ctr">
+                      <a:solidFill>
+                        <a:srgbClr val="CCCCCC"/>
+                      </a:solidFill>
+                      <a:prstDash val="solid"/>
+                      <a:round/>
+                      <a:headEnd type="none" w="med" len="med"/>
+                      <a:tailEnd type="none" w="med" len="med"/>
+                    </a:lnL>
+                    <a:lnR w="7620" cap="flat" cmpd="sng" algn="ctr">
+                      <a:solidFill>
+                        <a:srgbClr val="CCCCCC"/>
+                      </a:solidFill>
+                      <a:prstDash val="solid"/>
+                      <a:round/>
+                      <a:headEnd type="none" w="med" len="med"/>
+                      <a:tailEnd type="none" w="med" len="med"/>
+                    </a:lnR>
+                    <a:lnT w="7620" cap="flat" cmpd="sng" algn="ctr">
+                      <a:solidFill>
+                        <a:srgbClr val="CCCCCC"/>
+                      </a:solidFill>
+                      <a:prstDash val="solid"/>
+                      <a:round/>
+                      <a:headEnd type="none" w="med" len="med"/>
+                      <a:tailEnd type="none" w="med" len="med"/>
+                    </a:lnT>
+                    <a:lnB w="7620" cap="flat" cmpd="sng" algn="ctr">
+                      <a:solidFill>
+                        <a:srgbClr val="CCCCCC"/>
+                      </a:solidFill>
+                      <a:prstDash val="solid"/>
+                      <a:round/>
+                      <a:headEnd type="none" w="med" len="med"/>
+                      <a:tailEnd type="none" w="med" len="med"/>
+                    </a:lnB>
+                  </a:tcPr>
+                </a:tc>
+                <a:tc>
+                  <a:txBody>
+                    <a:bodyPr/>
+                    <a:lstStyle/>
+                    <a:p>
+                      <a:pPr rtl="0" fontAlgn="b"/>
+                      <a:endParaRPr lang="en-US" sz="1100" dirty="0">
+                        <a:effectLst/>
+                      </a:endParaRPr>
+                    </a:p>
+                  </a:txBody>
+                  <a:tcPr marL="14478" marR="14478" marT="0" marB="0" anchor="b">
+                    <a:lnL w="7620" cap="flat" cmpd="sng" algn="ctr">
+                      <a:solidFill>
+                        <a:srgbClr val="CCCCCC"/>
+                      </a:solidFill>
+                      <a:prstDash val="solid"/>
+                      <a:round/>
+                      <a:headEnd type="none" w="med" len="med"/>
+                      <a:tailEnd type="none" w="med" len="med"/>
+                    </a:lnL>
+                    <a:lnR w="7620" cap="flat" cmpd="sng" algn="ctr">
+                      <a:solidFill>
+                        <a:srgbClr val="000000"/>
+                      </a:solidFill>
+                      <a:prstDash val="solid"/>
+                      <a:round/>
+                      <a:headEnd type="none" w="med" len="med"/>
+                      <a:tailEnd type="none" w="med" len="med"/>
+                    </a:lnR>
+                    <a:lnT w="7620" cap="flat" cmpd="sng" algn="ctr">
+                      <a:solidFill>
+                        <a:srgbClr val="CCCCCC"/>
+                      </a:solidFill>
+                      <a:prstDash val="solid"/>
+                      <a:round/>
+                      <a:headEnd type="none" w="med" len="med"/>
+                      <a:tailEnd type="none" w="med" len="med"/>
+                    </a:lnT>
+                    <a:lnB w="7620" cap="flat" cmpd="sng" algn="ctr">
+                      <a:solidFill>
+                        <a:srgbClr val="CCCCCC"/>
+                      </a:solidFill>
+                      <a:prstDash val="solid"/>
+                      <a:round/>
+                      <a:headEnd type="none" w="med" len="med"/>
+                      <a:tailEnd type="none" w="med" len="med"/>
+                    </a:lnB>
+                  </a:tcPr>
+                </a:tc>
+              </a:tr>
+              <a:tr h="378755">
+                <a:tc>
+                  <a:txBody>
+                    <a:bodyPr/>
+                    <a:lstStyle/>
+                    <a:p>
+                      <a:pPr rtl="0" fontAlgn="b"/>
+                      <a:r>
+                        <a:rPr lang="en-US" sz="1100">
+                          <a:solidFill>
+                            <a:srgbClr val="000000"/>
+                          </a:solidFill>
+                          <a:effectLst/>
+                          <a:latin typeface="calibri" panose="020F0502020204030204" pitchFamily="34" charset="0"/>
+                        </a:rPr>
+                        <a:t>User Interface ( UI ) Design</a:t>
+                      </a:r>
+                    </a:p>
+                  </a:txBody>
+                  <a:tcPr marL="14478" marR="14478" marT="0" marB="0" anchor="b">
+                    <a:lnL w="7620" cap="flat" cmpd="sng" algn="ctr">
+                      <a:solidFill>
+                        <a:srgbClr val="000000"/>
+                      </a:solidFill>
+                      <a:prstDash val="solid"/>
+                      <a:round/>
+                      <a:headEnd type="none" w="med" len="med"/>
+                      <a:tailEnd type="none" w="med" len="med"/>
+                    </a:lnL>
+                    <a:lnR w="7620" cap="flat" cmpd="sng" algn="ctr">
+                      <a:solidFill>
+                        <a:srgbClr val="CCCCCC"/>
+                      </a:solidFill>
+                      <a:prstDash val="solid"/>
+                      <a:round/>
+                      <a:headEnd type="none" w="med" len="med"/>
+                      <a:tailEnd type="none" w="med" len="med"/>
+                    </a:lnR>
+                    <a:lnT w="7620" cap="flat" cmpd="sng" algn="ctr">
+                      <a:solidFill>
+                        <a:srgbClr val="CCCCCC"/>
+                      </a:solidFill>
+                      <a:prstDash val="solid"/>
+                      <a:round/>
+                      <a:headEnd type="none" w="med" len="med"/>
+                      <a:tailEnd type="none" w="med" len="med"/>
+                    </a:lnT>
+                    <a:lnB w="7620" cap="flat" cmpd="sng" algn="ctr">
+                      <a:solidFill>
+                        <a:srgbClr val="CCCCCC"/>
+                      </a:solidFill>
+                      <a:prstDash val="solid"/>
+                      <a:round/>
+                      <a:headEnd type="none" w="med" len="med"/>
+                      <a:tailEnd type="none" w="med" len="med"/>
+                    </a:lnB>
+                  </a:tcPr>
+                </a:tc>
+                <a:tc>
+                  <a:txBody>
+                    <a:bodyPr/>
+                    <a:lstStyle/>
+                    <a:p>
+                      <a:pPr rtl="0" fontAlgn="b"/>
+                      <a:endParaRPr lang="en-US" sz="1100" dirty="0">
+                        <a:effectLst/>
+                      </a:endParaRPr>
+                    </a:p>
+                  </a:txBody>
+                  <a:tcPr marL="14478" marR="14478" marT="0" marB="0" anchor="b">
+                    <a:lnL w="7620" cap="flat" cmpd="sng" algn="ctr">
+                      <a:solidFill>
+                        <a:srgbClr val="CCCCCC"/>
+                      </a:solidFill>
+                      <a:prstDash val="solid"/>
+                      <a:round/>
+                      <a:headEnd type="none" w="med" len="med"/>
+                      <a:tailEnd type="none" w="med" len="med"/>
+                    </a:lnL>
+                    <a:lnR w="7620" cap="flat" cmpd="sng" algn="ctr">
+                      <a:solidFill>
+                        <a:srgbClr val="CCCCCC"/>
+                      </a:solidFill>
+                      <a:prstDash val="solid"/>
+                      <a:round/>
+                      <a:headEnd type="none" w="med" len="med"/>
+                      <a:tailEnd type="none" w="med" len="med"/>
+                    </a:lnR>
+                    <a:lnT w="7620" cap="flat" cmpd="sng" algn="ctr">
+                      <a:solidFill>
+                        <a:srgbClr val="CCCCCC"/>
+                      </a:solidFill>
+                      <a:prstDash val="solid"/>
+                      <a:round/>
+                      <a:headEnd type="none" w="med" len="med"/>
+                      <a:tailEnd type="none" w="med" len="med"/>
+                    </a:lnT>
+                    <a:lnB w="7620" cap="flat" cmpd="sng" algn="ctr">
+                      <a:solidFill>
+                        <a:srgbClr val="CCCCCC"/>
+                      </a:solidFill>
+                      <a:prstDash val="solid"/>
+                      <a:round/>
+                      <a:headEnd type="none" w="med" len="med"/>
+                      <a:tailEnd type="none" w="med" len="med"/>
+                    </a:lnB>
+                  </a:tcPr>
+                </a:tc>
+                <a:tc>
+                  <a:txBody>
+                    <a:bodyPr/>
+                    <a:lstStyle/>
+                    <a:p>
+                      <a:pPr rtl="0" fontAlgn="b"/>
+                      <a:endParaRPr lang="en-US" sz="1100" dirty="0">
+                        <a:effectLst/>
+                      </a:endParaRPr>
+                    </a:p>
+                  </a:txBody>
+                  <a:tcPr marL="14478" marR="14478" marT="0" marB="0" anchor="b">
+                    <a:lnL w="7620" cap="flat" cmpd="sng" algn="ctr">
+                      <a:solidFill>
+                        <a:srgbClr val="CCCCCC"/>
+                      </a:solidFill>
+                      <a:prstDash val="solid"/>
+                      <a:round/>
+                      <a:headEnd type="none" w="med" len="med"/>
+                      <a:tailEnd type="none" w="med" len="med"/>
+                    </a:lnL>
+                    <a:lnR w="7620" cap="flat" cmpd="sng" algn="ctr">
+                      <a:solidFill>
+                        <a:srgbClr val="CCCCCC"/>
+                      </a:solidFill>
+                      <a:prstDash val="solid"/>
+                      <a:round/>
+                      <a:headEnd type="none" w="med" len="med"/>
+                      <a:tailEnd type="none" w="med" len="med"/>
+                    </a:lnR>
+                    <a:lnT w="7620" cap="flat" cmpd="sng" algn="ctr">
+                      <a:solidFill>
+                        <a:srgbClr val="CCCCCC"/>
+                      </a:solidFill>
+                      <a:prstDash val="solid"/>
+                      <a:round/>
+                      <a:headEnd type="none" w="med" len="med"/>
+                      <a:tailEnd type="none" w="med" len="med"/>
+                    </a:lnT>
+                    <a:lnB w="7620" cap="flat" cmpd="sng" algn="ctr">
+                      <a:solidFill>
+                        <a:srgbClr val="CCCCCC"/>
+                      </a:solidFill>
+                      <a:prstDash val="solid"/>
+                      <a:round/>
+                      <a:headEnd type="none" w="med" len="med"/>
+                      <a:tailEnd type="none" w="med" len="med"/>
+                    </a:lnB>
+                  </a:tcPr>
+                </a:tc>
+                <a:tc>
+                  <a:txBody>
+                    <a:bodyPr/>
+                    <a:lstStyle/>
+                    <a:p>
+                      <a:pPr rtl="0" fontAlgn="b"/>
+                      <a:endParaRPr lang="en-US" sz="1100">
+                        <a:effectLst/>
+                      </a:endParaRPr>
+                    </a:p>
+                  </a:txBody>
+                  <a:tcPr marL="14478" marR="14478" marT="0" marB="0" anchor="b">
+                    <a:lnL w="7620" cap="flat" cmpd="sng" algn="ctr">
+                      <a:solidFill>
+                        <a:srgbClr val="CCCCCC"/>
+                      </a:solidFill>
+                      <a:prstDash val="solid"/>
+                      <a:round/>
+                      <a:headEnd type="none" w="med" len="med"/>
+                      <a:tailEnd type="none" w="med" len="med"/>
+                    </a:lnL>
+                    <a:lnR w="7620" cap="flat" cmpd="sng" algn="ctr">
+                      <a:solidFill>
+                        <a:srgbClr val="CCCCCC"/>
+                      </a:solidFill>
+                      <a:prstDash val="solid"/>
+                      <a:round/>
+                      <a:headEnd type="none" w="med" len="med"/>
+                      <a:tailEnd type="none" w="med" len="med"/>
+                    </a:lnR>
+                    <a:lnT w="7620" cap="flat" cmpd="sng" algn="ctr">
+                      <a:solidFill>
+                        <a:srgbClr val="CCCCCC"/>
+                      </a:solidFill>
+                      <a:prstDash val="solid"/>
+                      <a:round/>
+                      <a:headEnd type="none" w="med" len="med"/>
+                      <a:tailEnd type="none" w="med" len="med"/>
+                    </a:lnT>
+                    <a:lnB w="7620" cap="flat" cmpd="sng" algn="ctr">
+                      <a:solidFill>
+                        <a:srgbClr val="CCCCCC"/>
+                      </a:solidFill>
+                      <a:prstDash val="solid"/>
+                      <a:round/>
+                      <a:headEnd type="none" w="med" len="med"/>
+                      <a:tailEnd type="none" w="med" len="med"/>
+                    </a:lnB>
+                  </a:tcPr>
+                </a:tc>
+                <a:tc>
+                  <a:txBody>
+                    <a:bodyPr/>
+                    <a:lstStyle/>
+                    <a:p>
+                      <a:pPr rtl="0" fontAlgn="b"/>
+                      <a:endParaRPr lang="en-US" sz="1100">
+                        <a:effectLst/>
+                      </a:endParaRPr>
+                    </a:p>
+                  </a:txBody>
+                  <a:tcPr marL="14478" marR="14478" marT="0" marB="0" anchor="b">
+                    <a:lnL w="7620" cap="flat" cmpd="sng" algn="ctr">
+                      <a:solidFill>
+                        <a:srgbClr val="CCCCCC"/>
+                      </a:solidFill>
+                      <a:prstDash val="solid"/>
+                      <a:round/>
+                      <a:headEnd type="none" w="med" len="med"/>
+                      <a:tailEnd type="none" w="med" len="med"/>
+                    </a:lnL>
+                    <a:lnR w="7620" cap="flat" cmpd="sng" algn="ctr">
+                      <a:solidFill>
+                        <a:srgbClr val="CCCCCC"/>
+                      </a:solidFill>
+                      <a:prstDash val="solid"/>
+                      <a:round/>
+                      <a:headEnd type="none" w="med" len="med"/>
+                      <a:tailEnd type="none" w="med" len="med"/>
+                    </a:lnR>
+                    <a:lnT w="7620" cap="flat" cmpd="sng" algn="ctr">
+                      <a:solidFill>
+                        <a:srgbClr val="CCCCCC"/>
+                      </a:solidFill>
+                      <a:prstDash val="solid"/>
+                      <a:round/>
+                      <a:headEnd type="none" w="med" len="med"/>
+                      <a:tailEnd type="none" w="med" len="med"/>
+                    </a:lnT>
+                    <a:lnB w="7620" cap="flat" cmpd="sng" algn="ctr">
+                      <a:solidFill>
+                        <a:srgbClr val="CCCCCC"/>
+                      </a:solidFill>
+                      <a:prstDash val="solid"/>
+                      <a:round/>
+                      <a:headEnd type="none" w="med" len="med"/>
+                      <a:tailEnd type="none" w="med" len="med"/>
+                    </a:lnB>
+                  </a:tcPr>
+                </a:tc>
+                <a:tc>
+                  <a:txBody>
+                    <a:bodyPr/>
+                    <a:lstStyle/>
+                    <a:p>
+                      <a:pPr rtl="0" fontAlgn="b"/>
+                      <a:endParaRPr lang="en-US" sz="1100">
+                        <a:effectLst/>
+                      </a:endParaRPr>
+                    </a:p>
+                  </a:txBody>
+                  <a:tcPr marL="14478" marR="14478" marT="0" marB="0" anchor="b">
+                    <a:lnL w="7620" cap="flat" cmpd="sng" algn="ctr">
+                      <a:solidFill>
+                        <a:srgbClr val="CCCCCC"/>
+                      </a:solidFill>
+                      <a:prstDash val="solid"/>
+                      <a:round/>
+                      <a:headEnd type="none" w="med" len="med"/>
+                      <a:tailEnd type="none" w="med" len="med"/>
+                    </a:lnL>
+                    <a:lnR w="7620" cap="flat" cmpd="sng" algn="ctr">
+                      <a:solidFill>
+                        <a:srgbClr val="CCCCCC"/>
+                      </a:solidFill>
+                      <a:prstDash val="solid"/>
+                      <a:round/>
+                      <a:headEnd type="none" w="med" len="med"/>
+                      <a:tailEnd type="none" w="med" len="med"/>
+                    </a:lnR>
+                    <a:lnT w="7620" cap="flat" cmpd="sng" algn="ctr">
+                      <a:solidFill>
+                        <a:srgbClr val="CCCCCC"/>
+                      </a:solidFill>
+                      <a:prstDash val="solid"/>
+                      <a:round/>
+                      <a:headEnd type="none" w="med" len="med"/>
+                      <a:tailEnd type="none" w="med" len="med"/>
+                    </a:lnT>
+                    <a:lnB w="7620" cap="flat" cmpd="sng" algn="ctr">
+                      <a:solidFill>
+                        <a:srgbClr val="CCCCCC"/>
+                      </a:solidFill>
+                      <a:prstDash val="solid"/>
+                      <a:round/>
+                      <a:headEnd type="none" w="med" len="med"/>
+                      <a:tailEnd type="none" w="med" len="med"/>
+                    </a:lnB>
+                  </a:tcPr>
+                </a:tc>
+                <a:tc>
+                  <a:txBody>
+                    <a:bodyPr/>
+                    <a:lstStyle/>
+                    <a:p>
+                      <a:pPr rtl="0" fontAlgn="b"/>
+                      <a:endParaRPr lang="en-US" sz="1100">
+                        <a:effectLst/>
+                      </a:endParaRPr>
+                    </a:p>
+                  </a:txBody>
+                  <a:tcPr marL="14478" marR="14478" marT="0" marB="0" anchor="b">
+                    <a:lnL w="7620" cap="flat" cmpd="sng" algn="ctr">
+                      <a:solidFill>
+                        <a:srgbClr val="CCCCCC"/>
+                      </a:solidFill>
+                      <a:prstDash val="solid"/>
+                      <a:round/>
+                      <a:headEnd type="none" w="med" len="med"/>
+                      <a:tailEnd type="none" w="med" len="med"/>
+                    </a:lnL>
+                    <a:lnR w="7620" cap="flat" cmpd="sng" algn="ctr">
+                      <a:solidFill>
+                        <a:srgbClr val="CCCCCC"/>
+                      </a:solidFill>
+                      <a:prstDash val="solid"/>
+                      <a:round/>
+                      <a:headEnd type="none" w="med" len="med"/>
+                      <a:tailEnd type="none" w="med" len="med"/>
+                    </a:lnR>
+                    <a:lnT w="7620" cap="flat" cmpd="sng" algn="ctr">
+                      <a:solidFill>
+                        <a:srgbClr val="CCCCCC"/>
+                      </a:solidFill>
+                      <a:prstDash val="solid"/>
+                      <a:round/>
+                      <a:headEnd type="none" w="med" len="med"/>
+                      <a:tailEnd type="none" w="med" len="med"/>
+                    </a:lnT>
+                    <a:lnB w="7620" cap="flat" cmpd="sng" algn="ctr">
+                      <a:solidFill>
+                        <a:srgbClr val="CCCCCC"/>
+                      </a:solidFill>
+                      <a:prstDash val="solid"/>
+                      <a:round/>
+                      <a:headEnd type="none" w="med" len="med"/>
+                      <a:tailEnd type="none" w="med" len="med"/>
+                    </a:lnB>
+                    <a:solidFill>
+                      <a:srgbClr val="FFFF00"/>
+                    </a:solidFill>
+                  </a:tcPr>
+                </a:tc>
+                <a:tc>
+                  <a:txBody>
+                    <a:bodyPr/>
+                    <a:lstStyle/>
+                    <a:p>
+                      <a:pPr rtl="0" fontAlgn="b"/>
+                      <a:endParaRPr lang="en-US" sz="1100">
+                        <a:effectLst/>
+                      </a:endParaRPr>
+                    </a:p>
+                  </a:txBody>
+                  <a:tcPr marL="14478" marR="14478" marT="0" marB="0" anchor="b">
+                    <a:lnL w="7620" cap="flat" cmpd="sng" algn="ctr">
+                      <a:solidFill>
+                        <a:srgbClr val="CCCCCC"/>
+                      </a:solidFill>
+                      <a:prstDash val="solid"/>
+                      <a:round/>
+                      <a:headEnd type="none" w="med" len="med"/>
+                      <a:tailEnd type="none" w="med" len="med"/>
+                    </a:lnL>
+                    <a:lnR w="7620" cap="flat" cmpd="sng" algn="ctr">
+                      <a:solidFill>
+                        <a:srgbClr val="CCCCCC"/>
+                      </a:solidFill>
+                      <a:prstDash val="solid"/>
+                      <a:round/>
+                      <a:headEnd type="none" w="med" len="med"/>
+                      <a:tailEnd type="none" w="med" len="med"/>
+                    </a:lnR>
+                    <a:lnT w="7620" cap="flat" cmpd="sng" algn="ctr">
+                      <a:solidFill>
+                        <a:srgbClr val="CCCCCC"/>
+                      </a:solidFill>
+                      <a:prstDash val="solid"/>
+                      <a:round/>
+                      <a:headEnd type="none" w="med" len="med"/>
+                      <a:tailEnd type="none" w="med" len="med"/>
+                    </a:lnT>
+                    <a:lnB w="7620" cap="flat" cmpd="sng" algn="ctr">
+                      <a:solidFill>
+                        <a:srgbClr val="CCCCCC"/>
+                      </a:solidFill>
+                      <a:prstDash val="solid"/>
+                      <a:round/>
+                      <a:headEnd type="none" w="med" len="med"/>
+                      <a:tailEnd type="none" w="med" len="med"/>
+                    </a:lnB>
+                    <a:solidFill>
+                      <a:srgbClr val="FFFF00"/>
+                    </a:solidFill>
+                  </a:tcPr>
+                </a:tc>
+                <a:tc>
+                  <a:txBody>
+                    <a:bodyPr/>
+                    <a:lstStyle/>
+                    <a:p>
+                      <a:pPr rtl="0" fontAlgn="b"/>
+                      <a:endParaRPr lang="en-US" sz="1100" dirty="0">
+                        <a:effectLst/>
+                      </a:endParaRPr>
+                    </a:p>
+                  </a:txBody>
+                  <a:tcPr marL="14478" marR="14478" marT="0" marB="0" anchor="b">
+                    <a:lnL w="7620" cap="flat" cmpd="sng" algn="ctr">
+                      <a:solidFill>
+                        <a:srgbClr val="CCCCCC"/>
+                      </a:solidFill>
+                      <a:prstDash val="solid"/>
+                      <a:round/>
+                      <a:headEnd type="none" w="med" len="med"/>
+                      <a:tailEnd type="none" w="med" len="med"/>
+                    </a:lnL>
+                    <a:lnR w="7620" cap="flat" cmpd="sng" algn="ctr">
+                      <a:solidFill>
+                        <a:srgbClr val="000000"/>
+                      </a:solidFill>
+                      <a:prstDash val="solid"/>
+                      <a:round/>
+                      <a:headEnd type="none" w="med" len="med"/>
+                      <a:tailEnd type="none" w="med" len="med"/>
+                    </a:lnR>
+                    <a:lnT w="7620" cap="flat" cmpd="sng" algn="ctr">
+                      <a:solidFill>
+                        <a:srgbClr val="CCCCCC"/>
+                      </a:solidFill>
+                      <a:prstDash val="solid"/>
+                      <a:round/>
+                      <a:headEnd type="none" w="med" len="med"/>
+                      <a:tailEnd type="none" w="med" len="med"/>
+                    </a:lnT>
+                    <a:lnB w="7620" cap="flat" cmpd="sng" algn="ctr">
+                      <a:solidFill>
+                        <a:srgbClr val="CCCCCC"/>
+                      </a:solidFill>
+                      <a:prstDash val="solid"/>
+                      <a:round/>
+                      <a:headEnd type="none" w="med" len="med"/>
+                      <a:tailEnd type="none" w="med" len="med"/>
+                    </a:lnB>
+                  </a:tcPr>
+                </a:tc>
+              </a:tr>
+              <a:tr h="378755">
+                <a:tc>
+                  <a:txBody>
+                    <a:bodyPr/>
+                    <a:lstStyle/>
+                    <a:p>
+                      <a:pPr algn="l" rtl="0" fontAlgn="b"/>
+                      <a:r>
+                        <a:rPr lang="en-US" sz="1100">
+                          <a:effectLst/>
+                        </a:rPr>
+                        <a:t>Developing Database Interface Webservices</a:t>
+                      </a:r>
+                    </a:p>
+                  </a:txBody>
+                  <a:tcPr marL="14478" marR="14478" marT="0" marB="0" anchor="b">
+                    <a:lnL w="7620" cap="flat" cmpd="sng" algn="ctr">
+                      <a:solidFill>
+                        <a:srgbClr val="000000"/>
+                      </a:solidFill>
+                      <a:prstDash val="solid"/>
+                      <a:round/>
+                      <a:headEnd type="none" w="med" len="med"/>
+                      <a:tailEnd type="none" w="med" len="med"/>
+                    </a:lnL>
+                    <a:lnR w="7620" cap="flat" cmpd="sng" algn="ctr">
+                      <a:solidFill>
+                        <a:srgbClr val="CCCCCC"/>
+                      </a:solidFill>
+                      <a:prstDash val="solid"/>
+                      <a:round/>
+                      <a:headEnd type="none" w="med" len="med"/>
+                      <a:tailEnd type="none" w="med" len="med"/>
+                    </a:lnR>
+                    <a:lnT w="7620" cap="flat" cmpd="sng" algn="ctr">
+                      <a:solidFill>
+                        <a:srgbClr val="CCCCCC"/>
+                      </a:solidFill>
+                      <a:prstDash val="solid"/>
+                      <a:round/>
+                      <a:headEnd type="none" w="med" len="med"/>
+                      <a:tailEnd type="none" w="med" len="med"/>
+                    </a:lnT>
+                    <a:lnB w="7620" cap="flat" cmpd="sng" algn="ctr">
+                      <a:solidFill>
+                        <a:srgbClr val="CCCCCC"/>
+                      </a:solidFill>
+                      <a:prstDash val="solid"/>
+                      <a:round/>
+                      <a:headEnd type="none" w="med" len="med"/>
+                      <a:tailEnd type="none" w="med" len="med"/>
+                    </a:lnB>
+                    <a:solidFill>
+                      <a:srgbClr val="FFFFFF"/>
+                    </a:solidFill>
+                  </a:tcPr>
+                </a:tc>
+                <a:tc>
+                  <a:txBody>
+                    <a:bodyPr/>
+                    <a:lstStyle/>
+                    <a:p>
+                      <a:pPr rtl="0" fontAlgn="b"/>
+                      <a:endParaRPr lang="en-US" sz="1100">
+                        <a:effectLst/>
+                      </a:endParaRPr>
+                    </a:p>
+                  </a:txBody>
+                  <a:tcPr marL="14478" marR="14478" marT="0" marB="0" anchor="b">
+                    <a:lnL w="7620" cap="flat" cmpd="sng" algn="ctr">
+                      <a:solidFill>
+                        <a:srgbClr val="CCCCCC"/>
+                      </a:solidFill>
+                      <a:prstDash val="solid"/>
+                      <a:round/>
+                      <a:headEnd type="none" w="med" len="med"/>
+                      <a:tailEnd type="none" w="med" len="med"/>
+                    </a:lnL>
+                    <a:lnR w="7620" cap="flat" cmpd="sng" algn="ctr">
+                      <a:solidFill>
+                        <a:srgbClr val="CCCCCC"/>
+                      </a:solidFill>
+                      <a:prstDash val="solid"/>
+                      <a:round/>
+                      <a:headEnd type="none" w="med" len="med"/>
+                      <a:tailEnd type="none" w="med" len="med"/>
+                    </a:lnR>
+                    <a:lnT w="7620" cap="flat" cmpd="sng" algn="ctr">
+                      <a:solidFill>
+                        <a:srgbClr val="CCCCCC"/>
+                      </a:solidFill>
+                      <a:prstDash val="solid"/>
+                      <a:round/>
+                      <a:headEnd type="none" w="med" len="med"/>
+                      <a:tailEnd type="none" w="med" len="med"/>
+                    </a:lnT>
+                    <a:lnB w="7620" cap="flat" cmpd="sng" algn="ctr">
+                      <a:solidFill>
+                        <a:srgbClr val="CCCCCC"/>
+                      </a:solidFill>
+                      <a:prstDash val="solid"/>
+                      <a:round/>
+                      <a:headEnd type="none" w="med" len="med"/>
+                      <a:tailEnd type="none" w="med" len="med"/>
+                    </a:lnB>
+                  </a:tcPr>
+                </a:tc>
+                <a:tc>
+                  <a:txBody>
+                    <a:bodyPr/>
+                    <a:lstStyle/>
+                    <a:p>
+                      <a:pPr rtl="0" fontAlgn="b"/>
+                      <a:endParaRPr lang="en-US" sz="1100">
+                        <a:effectLst/>
+                      </a:endParaRPr>
+                    </a:p>
+                  </a:txBody>
+                  <a:tcPr marL="14478" marR="14478" marT="0" marB="0" anchor="b">
+                    <a:lnL w="7620" cap="flat" cmpd="sng" algn="ctr">
+                      <a:solidFill>
+                        <a:srgbClr val="CCCCCC"/>
+                      </a:solidFill>
+                      <a:prstDash val="solid"/>
+                      <a:round/>
+                      <a:headEnd type="none" w="med" len="med"/>
+                      <a:tailEnd type="none" w="med" len="med"/>
+                    </a:lnL>
+                    <a:lnR w="7620" cap="flat" cmpd="sng" algn="ctr">
+                      <a:solidFill>
+                        <a:srgbClr val="CCCCCC"/>
+                      </a:solidFill>
+                      <a:prstDash val="solid"/>
+                      <a:round/>
+                      <a:headEnd type="none" w="med" len="med"/>
+                      <a:tailEnd type="none" w="med" len="med"/>
+                    </a:lnR>
+                    <a:lnT w="7620" cap="flat" cmpd="sng" algn="ctr">
+                      <a:solidFill>
+                        <a:srgbClr val="CCCCCC"/>
+                      </a:solidFill>
+                      <a:prstDash val="solid"/>
+                      <a:round/>
+                      <a:headEnd type="none" w="med" len="med"/>
+                      <a:tailEnd type="none" w="med" len="med"/>
+                    </a:lnT>
+                    <a:lnB w="7620" cap="flat" cmpd="sng" algn="ctr">
+                      <a:solidFill>
+                        <a:srgbClr val="CCCCCC"/>
+                      </a:solidFill>
+                      <a:prstDash val="solid"/>
+                      <a:round/>
+                      <a:headEnd type="none" w="med" len="med"/>
+                      <a:tailEnd type="none" w="med" len="med"/>
+                    </a:lnB>
+                    <a:solidFill>
+                      <a:srgbClr val="4F81BD"/>
+                    </a:solidFill>
+                  </a:tcPr>
+                </a:tc>
+                <a:tc>
+                  <a:txBody>
+                    <a:bodyPr/>
+                    <a:lstStyle/>
+                    <a:p>
+                      <a:pPr rtl="0" fontAlgn="b"/>
+                      <a:endParaRPr lang="en-US" sz="1100">
+                        <a:effectLst/>
+                      </a:endParaRPr>
+                    </a:p>
+                  </a:txBody>
+                  <a:tcPr marL="14478" marR="14478" marT="0" marB="0" anchor="b">
+                    <a:lnL w="7620" cap="flat" cmpd="sng" algn="ctr">
+                      <a:solidFill>
+                        <a:srgbClr val="CCCCCC"/>
+                      </a:solidFill>
+                      <a:prstDash val="solid"/>
+                      <a:round/>
+                      <a:headEnd type="none" w="med" len="med"/>
+                      <a:tailEnd type="none" w="med" len="med"/>
+                    </a:lnL>
+                    <a:lnR w="7620" cap="flat" cmpd="sng" algn="ctr">
+                      <a:solidFill>
+                        <a:srgbClr val="CCCCCC"/>
+                      </a:solidFill>
+                      <a:prstDash val="solid"/>
+                      <a:round/>
+                      <a:headEnd type="none" w="med" len="med"/>
+                      <a:tailEnd type="none" w="med" len="med"/>
+                    </a:lnR>
+                    <a:lnT w="7620" cap="flat" cmpd="sng" algn="ctr">
+                      <a:solidFill>
+                        <a:srgbClr val="CCCCCC"/>
+                      </a:solidFill>
+                      <a:prstDash val="solid"/>
+                      <a:round/>
+                      <a:headEnd type="none" w="med" len="med"/>
+                      <a:tailEnd type="none" w="med" len="med"/>
+                    </a:lnT>
+                    <a:lnB w="7620" cap="flat" cmpd="sng" algn="ctr">
+                      <a:solidFill>
+                        <a:srgbClr val="CCCCCC"/>
+                      </a:solidFill>
+                      <a:prstDash val="solid"/>
+                      <a:round/>
+                      <a:headEnd type="none" w="med" len="med"/>
+                      <a:tailEnd type="none" w="med" len="med"/>
+                    </a:lnB>
+                    <a:solidFill>
+                      <a:srgbClr val="4F81BD"/>
+                    </a:solidFill>
+                  </a:tcPr>
+                </a:tc>
+                <a:tc>
+                  <a:txBody>
+                    <a:bodyPr/>
+                    <a:lstStyle/>
+                    <a:p>
+                      <a:pPr rtl="0" fontAlgn="b"/>
+                      <a:endParaRPr lang="en-US" sz="1100">
+                        <a:effectLst/>
+                      </a:endParaRPr>
+                    </a:p>
+                  </a:txBody>
+                  <a:tcPr marL="14478" marR="14478" marT="0" marB="0" anchor="b">
+                    <a:lnL w="7620" cap="flat" cmpd="sng" algn="ctr">
+                      <a:solidFill>
+                        <a:srgbClr val="CCCCCC"/>
+                      </a:solidFill>
+                      <a:prstDash val="solid"/>
+                      <a:round/>
+                      <a:headEnd type="none" w="med" len="med"/>
+                      <a:tailEnd type="none" w="med" len="med"/>
+                    </a:lnL>
+                    <a:lnR w="7620" cap="flat" cmpd="sng" algn="ctr">
+                      <a:solidFill>
+                        <a:srgbClr val="CCCCCC"/>
+                      </a:solidFill>
+                      <a:prstDash val="solid"/>
+                      <a:round/>
+                      <a:headEnd type="none" w="med" len="med"/>
+                      <a:tailEnd type="none" w="med" len="med"/>
+                    </a:lnR>
+                    <a:lnT w="7620" cap="flat" cmpd="sng" algn="ctr">
+                      <a:solidFill>
+                        <a:srgbClr val="CCCCCC"/>
+                      </a:solidFill>
+                      <a:prstDash val="solid"/>
+                      <a:round/>
+                      <a:headEnd type="none" w="med" len="med"/>
+                      <a:tailEnd type="none" w="med" len="med"/>
+                    </a:lnT>
+                    <a:lnB w="7620" cap="flat" cmpd="sng" algn="ctr">
+                      <a:solidFill>
+                        <a:srgbClr val="CCCCCC"/>
+                      </a:solidFill>
+                      <a:prstDash val="solid"/>
+                      <a:round/>
+                      <a:headEnd type="none" w="med" len="med"/>
+                      <a:tailEnd type="none" w="med" len="med"/>
+                    </a:lnB>
+                    <a:solidFill>
+                      <a:srgbClr val="FFFFFF"/>
+                    </a:solidFill>
+                  </a:tcPr>
+                </a:tc>
+                <a:tc>
+                  <a:txBody>
+                    <a:bodyPr/>
+                    <a:lstStyle/>
+                    <a:p>
+                      <a:pPr rtl="0" fontAlgn="b"/>
+                      <a:endParaRPr lang="en-US" sz="1100">
+                        <a:effectLst/>
+                      </a:endParaRPr>
+                    </a:p>
+                  </a:txBody>
+                  <a:tcPr marL="14478" marR="14478" marT="0" marB="0" anchor="b">
+                    <a:lnL w="7620" cap="flat" cmpd="sng" algn="ctr">
+                      <a:solidFill>
+                        <a:srgbClr val="CCCCCC"/>
+                      </a:solidFill>
+                      <a:prstDash val="solid"/>
+                      <a:round/>
+                      <a:headEnd type="none" w="med" len="med"/>
+                      <a:tailEnd type="none" w="med" len="med"/>
+                    </a:lnL>
+                    <a:lnR w="7620" cap="flat" cmpd="sng" algn="ctr">
+                      <a:solidFill>
+                        <a:srgbClr val="CCCCCC"/>
+                      </a:solidFill>
+                      <a:prstDash val="solid"/>
+                      <a:round/>
+                      <a:headEnd type="none" w="med" len="med"/>
+                      <a:tailEnd type="none" w="med" len="med"/>
+                    </a:lnR>
+                    <a:lnT w="7620" cap="flat" cmpd="sng" algn="ctr">
+                      <a:solidFill>
+                        <a:srgbClr val="CCCCCC"/>
+                      </a:solidFill>
+                      <a:prstDash val="solid"/>
+                      <a:round/>
+                      <a:headEnd type="none" w="med" len="med"/>
+                      <a:tailEnd type="none" w="med" len="med"/>
+                    </a:lnT>
+                    <a:lnB w="7620" cap="flat" cmpd="sng" algn="ctr">
+                      <a:solidFill>
+                        <a:srgbClr val="CCCCCC"/>
+                      </a:solidFill>
+                      <a:prstDash val="solid"/>
+                      <a:round/>
+                      <a:headEnd type="none" w="med" len="med"/>
+                      <a:tailEnd type="none" w="med" len="med"/>
+                    </a:lnB>
+                    <a:solidFill>
+                      <a:srgbClr val="008000"/>
+                    </a:solidFill>
+                  </a:tcPr>
+                </a:tc>
+                <a:tc>
+                  <a:txBody>
+                    <a:bodyPr/>
+                    <a:lstStyle/>
+                    <a:p>
+                      <a:pPr rtl="0" fontAlgn="b"/>
+                      <a:endParaRPr lang="en-US" sz="1100" dirty="0">
+                        <a:effectLst/>
+                      </a:endParaRPr>
+                    </a:p>
+                  </a:txBody>
+                  <a:tcPr marL="14478" marR="14478" marT="0" marB="0" anchor="b">
+                    <a:lnL w="7620" cap="flat" cmpd="sng" algn="ctr">
+                      <a:solidFill>
+                        <a:srgbClr val="CCCCCC"/>
+                      </a:solidFill>
+                      <a:prstDash val="solid"/>
+                      <a:round/>
+                      <a:headEnd type="none" w="med" len="med"/>
+                      <a:tailEnd type="none" w="med" len="med"/>
+                    </a:lnL>
+                    <a:lnR w="7620" cap="flat" cmpd="sng" algn="ctr">
+                      <a:solidFill>
+                        <a:srgbClr val="CCCCCC"/>
+                      </a:solidFill>
+                      <a:prstDash val="solid"/>
+                      <a:round/>
+                      <a:headEnd type="none" w="med" len="med"/>
+                      <a:tailEnd type="none" w="med" len="med"/>
+                    </a:lnR>
+                    <a:lnT w="7620" cap="flat" cmpd="sng" algn="ctr">
+                      <a:solidFill>
+                        <a:srgbClr val="CCCCCC"/>
+                      </a:solidFill>
+                      <a:prstDash val="solid"/>
+                      <a:round/>
+                      <a:headEnd type="none" w="med" len="med"/>
+                      <a:tailEnd type="none" w="med" len="med"/>
+                    </a:lnT>
+                    <a:lnB w="7620" cap="flat" cmpd="sng" algn="ctr">
+                      <a:solidFill>
+                        <a:srgbClr val="CCCCCC"/>
+                      </a:solidFill>
+                      <a:prstDash val="solid"/>
+                      <a:round/>
+                      <a:headEnd type="none" w="med" len="med"/>
+                      <a:tailEnd type="none" w="med" len="med"/>
+                    </a:lnB>
+                    <a:solidFill>
+                      <a:srgbClr val="FFFF00"/>
+                    </a:solidFill>
+                  </a:tcPr>
+                </a:tc>
+                <a:tc>
+                  <a:txBody>
+                    <a:bodyPr/>
+                    <a:lstStyle/>
+                    <a:p>
+                      <a:pPr rtl="0" fontAlgn="b"/>
+                      <a:endParaRPr lang="en-US" sz="1100" dirty="0">
+                        <a:effectLst/>
+                      </a:endParaRPr>
+                    </a:p>
+                  </a:txBody>
+                  <a:tcPr marL="14478" marR="14478" marT="0" marB="0" anchor="b">
+                    <a:lnL w="7620" cap="flat" cmpd="sng" algn="ctr">
+                      <a:solidFill>
+                        <a:srgbClr val="CCCCCC"/>
+                      </a:solidFill>
+                      <a:prstDash val="solid"/>
+                      <a:round/>
+                      <a:headEnd type="none" w="med" len="med"/>
+                      <a:tailEnd type="none" w="med" len="med"/>
+                    </a:lnL>
+                    <a:lnR w="7620" cap="flat" cmpd="sng" algn="ctr">
+                      <a:solidFill>
+                        <a:srgbClr val="CCCCCC"/>
+                      </a:solidFill>
+                      <a:prstDash val="solid"/>
+                      <a:round/>
+                      <a:headEnd type="none" w="med" len="med"/>
+                      <a:tailEnd type="none" w="med" len="med"/>
+                    </a:lnR>
+                    <a:lnT w="7620" cap="flat" cmpd="sng" algn="ctr">
+                      <a:solidFill>
+                        <a:srgbClr val="CCCCCC"/>
+                      </a:solidFill>
+                      <a:prstDash val="solid"/>
+                      <a:round/>
+                      <a:headEnd type="none" w="med" len="med"/>
+                      <a:tailEnd type="none" w="med" len="med"/>
+                    </a:lnT>
+                    <a:lnB w="7620" cap="flat" cmpd="sng" algn="ctr">
+                      <a:solidFill>
+                        <a:srgbClr val="CCCCCC"/>
+                      </a:solidFill>
+                      <a:prstDash val="solid"/>
+                      <a:round/>
+                      <a:headEnd type="none" w="med" len="med"/>
+                      <a:tailEnd type="none" w="med" len="med"/>
+                    </a:lnB>
+                  </a:tcPr>
+                </a:tc>
+                <a:tc>
+                  <a:txBody>
+                    <a:bodyPr/>
+                    <a:lstStyle/>
+                    <a:p>
+                      <a:pPr rtl="0" fontAlgn="b"/>
+                      <a:endParaRPr lang="en-US" sz="1100" dirty="0">
+                        <a:effectLst/>
+                      </a:endParaRPr>
+                    </a:p>
+                  </a:txBody>
+                  <a:tcPr marL="14478" marR="14478" marT="0" marB="0" anchor="b">
+                    <a:lnL w="7620" cap="flat" cmpd="sng" algn="ctr">
+                      <a:solidFill>
+                        <a:srgbClr val="CCCCCC"/>
+                      </a:solidFill>
+                      <a:prstDash val="solid"/>
+                      <a:round/>
+                      <a:headEnd type="none" w="med" len="med"/>
+                      <a:tailEnd type="none" w="med" len="med"/>
+                    </a:lnL>
+                    <a:lnR w="7620" cap="flat" cmpd="sng" algn="ctr">
+                      <a:solidFill>
+                        <a:srgbClr val="000000"/>
+                      </a:solidFill>
+                      <a:prstDash val="solid"/>
+                      <a:round/>
+                      <a:headEnd type="none" w="med" len="med"/>
+                      <a:tailEnd type="none" w="med" len="med"/>
+                    </a:lnR>
+                    <a:lnT w="7620" cap="flat" cmpd="sng" algn="ctr">
+                      <a:solidFill>
+                        <a:srgbClr val="CCCCCC"/>
+                      </a:solidFill>
+                      <a:prstDash val="solid"/>
+                      <a:round/>
+                      <a:headEnd type="none" w="med" len="med"/>
+                      <a:tailEnd type="none" w="med" len="med"/>
+                    </a:lnT>
+                    <a:lnB w="7620" cap="flat" cmpd="sng" algn="ctr">
+                      <a:solidFill>
+                        <a:srgbClr val="CCCCCC"/>
+                      </a:solidFill>
+                      <a:prstDash val="solid"/>
+                      <a:round/>
+                      <a:headEnd type="none" w="med" len="med"/>
+                      <a:tailEnd type="none" w="med" len="med"/>
+                    </a:lnB>
+                  </a:tcPr>
+                </a:tc>
+              </a:tr>
+              <a:tr h="378755">
+                <a:tc>
+                  <a:txBody>
+                    <a:bodyPr/>
+                    <a:lstStyle/>
+                    <a:p>
+                      <a:pPr algn="l" rtl="0" fontAlgn="b"/>
+                      <a:r>
+                        <a:rPr lang="en-US" sz="1100">
+                          <a:effectLst/>
+                        </a:rPr>
+                        <a:t>Developing User Interface Webservices</a:t>
+                      </a:r>
+                    </a:p>
+                  </a:txBody>
+                  <a:tcPr marL="14478" marR="14478" marT="0" marB="0" anchor="b">
+                    <a:lnL w="7620" cap="flat" cmpd="sng" algn="ctr">
+                      <a:solidFill>
+                        <a:srgbClr val="000000"/>
+                      </a:solidFill>
+                      <a:prstDash val="solid"/>
+                      <a:round/>
+                      <a:headEnd type="none" w="med" len="med"/>
+                      <a:tailEnd type="none" w="med" len="med"/>
+                    </a:lnL>
+                    <a:lnR w="7620" cap="flat" cmpd="sng" algn="ctr">
+                      <a:solidFill>
+                        <a:srgbClr val="CCCCCC"/>
+                      </a:solidFill>
+                      <a:prstDash val="solid"/>
+                      <a:round/>
+                      <a:headEnd type="none" w="med" len="med"/>
+                      <a:tailEnd type="none" w="med" len="med"/>
+                    </a:lnR>
+                    <a:lnT w="7620" cap="flat" cmpd="sng" algn="ctr">
+                      <a:solidFill>
+                        <a:srgbClr val="CCCCCC"/>
+                      </a:solidFill>
+                      <a:prstDash val="solid"/>
+                      <a:round/>
+                      <a:headEnd type="none" w="med" len="med"/>
+                      <a:tailEnd type="none" w="med" len="med"/>
+                    </a:lnT>
+                    <a:lnB w="7620" cap="flat" cmpd="sng" algn="ctr">
+                      <a:solidFill>
+                        <a:srgbClr val="CCCCCC"/>
+                      </a:solidFill>
+                      <a:prstDash val="solid"/>
+                      <a:round/>
+                      <a:headEnd type="none" w="med" len="med"/>
+                      <a:tailEnd type="none" w="med" len="med"/>
+                    </a:lnB>
+                    <a:solidFill>
+                      <a:srgbClr val="FFFFFF"/>
+                    </a:solidFill>
+                  </a:tcPr>
+                </a:tc>
+                <a:tc>
+                  <a:txBody>
+                    <a:bodyPr/>
+                    <a:lstStyle/>
+                    <a:p>
+                      <a:pPr rtl="0" fontAlgn="b"/>
+                      <a:endParaRPr lang="en-US" sz="1100">
+                        <a:effectLst/>
+                      </a:endParaRPr>
+                    </a:p>
+                  </a:txBody>
+                  <a:tcPr marL="14478" marR="14478" marT="0" marB="0" anchor="b">
+                    <a:lnL w="7620" cap="flat" cmpd="sng" algn="ctr">
+                      <a:solidFill>
+                        <a:srgbClr val="CCCCCC"/>
+                      </a:solidFill>
+                      <a:prstDash val="solid"/>
+                      <a:round/>
+                      <a:headEnd type="none" w="med" len="med"/>
+                      <a:tailEnd type="none" w="med" len="med"/>
+                    </a:lnL>
+                    <a:lnR w="7620" cap="flat" cmpd="sng" algn="ctr">
+                      <a:solidFill>
+                        <a:srgbClr val="CCCCCC"/>
+                      </a:solidFill>
+                      <a:prstDash val="solid"/>
+                      <a:round/>
+                      <a:headEnd type="none" w="med" len="med"/>
+                      <a:tailEnd type="none" w="med" len="med"/>
+                    </a:lnR>
+                    <a:lnT w="7620" cap="flat" cmpd="sng" algn="ctr">
+                      <a:solidFill>
+                        <a:srgbClr val="CCCCCC"/>
+                      </a:solidFill>
+                      <a:prstDash val="solid"/>
+                      <a:round/>
+                      <a:headEnd type="none" w="med" len="med"/>
+                      <a:tailEnd type="none" w="med" len="med"/>
+                    </a:lnT>
+                    <a:lnB w="7620" cap="flat" cmpd="sng" algn="ctr">
+                      <a:solidFill>
+                        <a:srgbClr val="CCCCCC"/>
+                      </a:solidFill>
+                      <a:prstDash val="solid"/>
+                      <a:round/>
+                      <a:headEnd type="none" w="med" len="med"/>
+                      <a:tailEnd type="none" w="med" len="med"/>
+                    </a:lnB>
+                  </a:tcPr>
+                </a:tc>
+                <a:tc>
+                  <a:txBody>
+                    <a:bodyPr/>
+                    <a:lstStyle/>
+                    <a:p>
+                      <a:pPr rtl="0" fontAlgn="b"/>
+                      <a:endParaRPr lang="en-US" sz="1100">
+                        <a:effectLst/>
+                      </a:endParaRPr>
+                    </a:p>
+                  </a:txBody>
+                  <a:tcPr marL="14478" marR="14478" marT="0" marB="0" anchor="b">
+                    <a:lnL w="7620" cap="flat" cmpd="sng" algn="ctr">
+                      <a:solidFill>
+                        <a:srgbClr val="CCCCCC"/>
+                      </a:solidFill>
+                      <a:prstDash val="solid"/>
+                      <a:round/>
+                      <a:headEnd type="none" w="med" len="med"/>
+                      <a:tailEnd type="none" w="med" len="med"/>
+                    </a:lnL>
+                    <a:lnR w="7620" cap="flat" cmpd="sng" algn="ctr">
+                      <a:solidFill>
+                        <a:srgbClr val="CCCCCC"/>
+                      </a:solidFill>
+                      <a:prstDash val="solid"/>
+                      <a:round/>
+                      <a:headEnd type="none" w="med" len="med"/>
+                      <a:tailEnd type="none" w="med" len="med"/>
+                    </a:lnR>
+                    <a:lnT w="7620" cap="flat" cmpd="sng" algn="ctr">
+                      <a:solidFill>
+                        <a:srgbClr val="CCCCCC"/>
+                      </a:solidFill>
+                      <a:prstDash val="solid"/>
+                      <a:round/>
+                      <a:headEnd type="none" w="med" len="med"/>
+                      <a:tailEnd type="none" w="med" len="med"/>
+                    </a:lnT>
+                    <a:lnB w="7620" cap="flat" cmpd="sng" algn="ctr">
+                      <a:solidFill>
+                        <a:srgbClr val="CCCCCC"/>
+                      </a:solidFill>
+                      <a:prstDash val="solid"/>
+                      <a:round/>
+                      <a:headEnd type="none" w="med" len="med"/>
+                      <a:tailEnd type="none" w="med" len="med"/>
+                    </a:lnB>
+                  </a:tcPr>
+                </a:tc>
+                <a:tc>
+                  <a:txBody>
+                    <a:bodyPr/>
+                    <a:lstStyle/>
+                    <a:p>
+                      <a:pPr rtl="0" fontAlgn="b"/>
+                      <a:endParaRPr lang="en-US" sz="1100">
+                        <a:effectLst/>
+                      </a:endParaRPr>
+                    </a:p>
+                  </a:txBody>
+                  <a:tcPr marL="14478" marR="14478" marT="0" marB="0" anchor="b">
+                    <a:lnL w="7620" cap="flat" cmpd="sng" algn="ctr">
+                      <a:solidFill>
+                        <a:srgbClr val="CCCCCC"/>
+                      </a:solidFill>
+                      <a:prstDash val="solid"/>
+                      <a:round/>
+                      <a:headEnd type="none" w="med" len="med"/>
+                      <a:tailEnd type="none" w="med" len="med"/>
+                    </a:lnL>
+                    <a:lnR w="7620" cap="flat" cmpd="sng" algn="ctr">
+                      <a:solidFill>
+                        <a:srgbClr val="CCCCCC"/>
+                      </a:solidFill>
+                      <a:prstDash val="solid"/>
+                      <a:round/>
+                      <a:headEnd type="none" w="med" len="med"/>
+                      <a:tailEnd type="none" w="med" len="med"/>
+                    </a:lnR>
+                    <a:lnT w="7620" cap="flat" cmpd="sng" algn="ctr">
+                      <a:solidFill>
+                        <a:srgbClr val="CCCCCC"/>
+                      </a:solidFill>
+                      <a:prstDash val="solid"/>
+                      <a:round/>
+                      <a:headEnd type="none" w="med" len="med"/>
+                      <a:tailEnd type="none" w="med" len="med"/>
+                    </a:lnT>
+                    <a:lnB w="7620" cap="flat" cmpd="sng" algn="ctr">
+                      <a:solidFill>
+                        <a:srgbClr val="CCCCCC"/>
+                      </a:solidFill>
+                      <a:prstDash val="solid"/>
+                      <a:round/>
+                      <a:headEnd type="none" w="med" len="med"/>
+                      <a:tailEnd type="none" w="med" len="med"/>
+                    </a:lnB>
+                  </a:tcPr>
+                </a:tc>
+                <a:tc>
+                  <a:txBody>
+                    <a:bodyPr/>
+                    <a:lstStyle/>
+                    <a:p>
+                      <a:pPr rtl="0" fontAlgn="b"/>
+                      <a:endParaRPr lang="en-US" sz="1100">
+                        <a:effectLst/>
+                      </a:endParaRPr>
+                    </a:p>
+                  </a:txBody>
+                  <a:tcPr marL="14478" marR="14478" marT="0" marB="0" anchor="b">
+                    <a:lnL w="7620" cap="flat" cmpd="sng" algn="ctr">
+                      <a:solidFill>
+                        <a:srgbClr val="CCCCCC"/>
+                      </a:solidFill>
+                      <a:prstDash val="solid"/>
+                      <a:round/>
+                      <a:headEnd type="none" w="med" len="med"/>
+                      <a:tailEnd type="none" w="med" len="med"/>
+                    </a:lnL>
+                    <a:lnR w="7620" cap="flat" cmpd="sng" algn="ctr">
+                      <a:solidFill>
+                        <a:srgbClr val="CCCCCC"/>
+                      </a:solidFill>
+                      <a:prstDash val="solid"/>
+                      <a:round/>
+                      <a:headEnd type="none" w="med" len="med"/>
+                      <a:tailEnd type="none" w="med" len="med"/>
+                    </a:lnR>
+                    <a:lnT w="7620" cap="flat" cmpd="sng" algn="ctr">
+                      <a:solidFill>
+                        <a:srgbClr val="CCCCCC"/>
+                      </a:solidFill>
+                      <a:prstDash val="solid"/>
+                      <a:round/>
+                      <a:headEnd type="none" w="med" len="med"/>
+                      <a:tailEnd type="none" w="med" len="med"/>
+                    </a:lnT>
+                    <a:lnB w="7620" cap="flat" cmpd="sng" algn="ctr">
+                      <a:solidFill>
+                        <a:srgbClr val="CCCCCC"/>
+                      </a:solidFill>
+                      <a:prstDash val="solid"/>
+                      <a:round/>
+                      <a:headEnd type="none" w="med" len="med"/>
+                      <a:tailEnd type="none" w="med" len="med"/>
+                    </a:lnB>
+                    <a:solidFill>
+                      <a:srgbClr val="008000"/>
+                    </a:solidFill>
+                  </a:tcPr>
+                </a:tc>
+                <a:tc>
+                  <a:txBody>
+                    <a:bodyPr/>
+                    <a:lstStyle/>
+                    <a:p>
+                      <a:pPr rtl="0" fontAlgn="b"/>
+                      <a:endParaRPr lang="en-US" sz="1100">
+                        <a:effectLst/>
+                      </a:endParaRPr>
+                    </a:p>
+                  </a:txBody>
+                  <a:tcPr marL="14478" marR="14478" marT="0" marB="0" anchor="b">
+                    <a:lnL w="7620" cap="flat" cmpd="sng" algn="ctr">
+                      <a:solidFill>
+                        <a:srgbClr val="CCCCCC"/>
+                      </a:solidFill>
+                      <a:prstDash val="solid"/>
+                      <a:round/>
+                      <a:headEnd type="none" w="med" len="med"/>
+                      <a:tailEnd type="none" w="med" len="med"/>
+                    </a:lnL>
+                    <a:lnR w="7620" cap="flat" cmpd="sng" algn="ctr">
+                      <a:solidFill>
+                        <a:srgbClr val="CCCCCC"/>
+                      </a:solidFill>
+                      <a:prstDash val="solid"/>
+                      <a:round/>
+                      <a:headEnd type="none" w="med" len="med"/>
+                      <a:tailEnd type="none" w="med" len="med"/>
+                    </a:lnR>
+                    <a:lnT w="7620" cap="flat" cmpd="sng" algn="ctr">
+                      <a:solidFill>
+                        <a:srgbClr val="CCCCCC"/>
+                      </a:solidFill>
+                      <a:prstDash val="solid"/>
+                      <a:round/>
+                      <a:headEnd type="none" w="med" len="med"/>
+                      <a:tailEnd type="none" w="med" len="med"/>
+                    </a:lnT>
+                    <a:lnB w="7620" cap="flat" cmpd="sng" algn="ctr">
+                      <a:solidFill>
+                        <a:srgbClr val="CCCCCC"/>
+                      </a:solidFill>
+                      <a:prstDash val="solid"/>
+                      <a:round/>
+                      <a:headEnd type="none" w="med" len="med"/>
+                      <a:tailEnd type="none" w="med" len="med"/>
+                    </a:lnB>
+                    <a:solidFill>
+                      <a:srgbClr val="008000"/>
+                    </a:solidFill>
+                  </a:tcPr>
+                </a:tc>
+                <a:tc>
+                  <a:txBody>
+                    <a:bodyPr/>
+                    <a:lstStyle/>
+                    <a:p>
+                      <a:pPr rtl="0" fontAlgn="b"/>
+                      <a:endParaRPr lang="en-US" sz="1100" dirty="0">
+                        <a:effectLst/>
+                      </a:endParaRPr>
+                    </a:p>
+                  </a:txBody>
+                  <a:tcPr marL="14478" marR="14478" marT="0" marB="0" anchor="b">
+                    <a:lnL w="7620" cap="flat" cmpd="sng" algn="ctr">
+                      <a:solidFill>
+                        <a:srgbClr val="CCCCCC"/>
+                      </a:solidFill>
+                      <a:prstDash val="solid"/>
+                      <a:round/>
+                      <a:headEnd type="none" w="med" len="med"/>
+                      <a:tailEnd type="none" w="med" len="med"/>
+                    </a:lnL>
+                    <a:lnR w="7620" cap="flat" cmpd="sng" algn="ctr">
+                      <a:solidFill>
+                        <a:srgbClr val="CCCCCC"/>
+                      </a:solidFill>
+                      <a:prstDash val="solid"/>
+                      <a:round/>
+                      <a:headEnd type="none" w="med" len="med"/>
+                      <a:tailEnd type="none" w="med" len="med"/>
+                    </a:lnR>
+                    <a:lnT w="7620" cap="flat" cmpd="sng" algn="ctr">
+                      <a:solidFill>
+                        <a:srgbClr val="CCCCCC"/>
+                      </a:solidFill>
+                      <a:prstDash val="solid"/>
+                      <a:round/>
+                      <a:headEnd type="none" w="med" len="med"/>
+                      <a:tailEnd type="none" w="med" len="med"/>
+                    </a:lnT>
+                    <a:lnB w="7620" cap="flat" cmpd="sng" algn="ctr">
+                      <a:solidFill>
+                        <a:srgbClr val="CCCCCC"/>
+                      </a:solidFill>
+                      <a:prstDash val="solid"/>
+                      <a:round/>
+                      <a:headEnd type="none" w="med" len="med"/>
+                      <a:tailEnd type="none" w="med" len="med"/>
+                    </a:lnB>
+                    <a:solidFill>
+                      <a:srgbClr val="FFFF00"/>
+                    </a:solidFill>
+                  </a:tcPr>
+                </a:tc>
+                <a:tc>
+                  <a:txBody>
+                    <a:bodyPr/>
+                    <a:lstStyle/>
+                    <a:p>
+                      <a:pPr rtl="0" fontAlgn="b"/>
+                      <a:endParaRPr lang="en-US" sz="1100" dirty="0">
+                        <a:effectLst/>
+                      </a:endParaRPr>
+                    </a:p>
+                  </a:txBody>
+                  <a:tcPr marL="14478" marR="14478" marT="0" marB="0" anchor="b">
+                    <a:lnL w="7620" cap="flat" cmpd="sng" algn="ctr">
+                      <a:solidFill>
+                        <a:srgbClr val="CCCCCC"/>
+                      </a:solidFill>
+                      <a:prstDash val="solid"/>
+                      <a:round/>
+                      <a:headEnd type="none" w="med" len="med"/>
+                      <a:tailEnd type="none" w="med" len="med"/>
+                    </a:lnL>
+                    <a:lnR w="7620" cap="flat" cmpd="sng" algn="ctr">
+                      <a:solidFill>
+                        <a:srgbClr val="CCCCCC"/>
+                      </a:solidFill>
+                      <a:prstDash val="solid"/>
+                      <a:round/>
+                      <a:headEnd type="none" w="med" len="med"/>
+                      <a:tailEnd type="none" w="med" len="med"/>
+                    </a:lnR>
+                    <a:lnT w="7620" cap="flat" cmpd="sng" algn="ctr">
+                      <a:solidFill>
+                        <a:srgbClr val="CCCCCC"/>
+                      </a:solidFill>
+                      <a:prstDash val="solid"/>
+                      <a:round/>
+                      <a:headEnd type="none" w="med" len="med"/>
+                      <a:tailEnd type="none" w="med" len="med"/>
+                    </a:lnT>
+                    <a:lnB w="7620" cap="flat" cmpd="sng" algn="ctr">
+                      <a:solidFill>
+                        <a:srgbClr val="CCCCCC"/>
+                      </a:solidFill>
+                      <a:prstDash val="solid"/>
+                      <a:round/>
+                      <a:headEnd type="none" w="med" len="med"/>
+                      <a:tailEnd type="none" w="med" len="med"/>
+                    </a:lnB>
+                  </a:tcPr>
+                </a:tc>
+                <a:tc>
+                  <a:txBody>
+                    <a:bodyPr/>
+                    <a:lstStyle/>
+                    <a:p>
+                      <a:pPr rtl="0" fontAlgn="b"/>
+                      <a:endParaRPr lang="en-US" sz="1100" dirty="0">
+                        <a:effectLst/>
+                      </a:endParaRPr>
+                    </a:p>
+                  </a:txBody>
+                  <a:tcPr marL="14478" marR="14478" marT="0" marB="0" anchor="b">
+                    <a:lnL w="7620" cap="flat" cmpd="sng" algn="ctr">
+                      <a:solidFill>
+                        <a:srgbClr val="CCCCCC"/>
+                      </a:solidFill>
+                      <a:prstDash val="solid"/>
+                      <a:round/>
+                      <a:headEnd type="none" w="med" len="med"/>
+                      <a:tailEnd type="none" w="med" len="med"/>
+                    </a:lnL>
+                    <a:lnR w="7620" cap="flat" cmpd="sng" algn="ctr">
+                      <a:solidFill>
+                        <a:srgbClr val="000000"/>
+                      </a:solidFill>
+                      <a:prstDash val="solid"/>
+                      <a:round/>
+                      <a:headEnd type="none" w="med" len="med"/>
+                      <a:tailEnd type="none" w="med" len="med"/>
+                    </a:lnR>
+                    <a:lnT w="7620" cap="flat" cmpd="sng" algn="ctr">
+                      <a:solidFill>
+                        <a:srgbClr val="CCCCCC"/>
+                      </a:solidFill>
+                      <a:prstDash val="solid"/>
+                      <a:round/>
+                      <a:headEnd type="none" w="med" len="med"/>
+                      <a:tailEnd type="none" w="med" len="med"/>
+                    </a:lnT>
+                    <a:lnB w="7620" cap="flat" cmpd="sng" algn="ctr">
+                      <a:solidFill>
+                        <a:srgbClr val="CCCCCC"/>
+                      </a:solidFill>
+                      <a:prstDash val="solid"/>
+                      <a:round/>
+                      <a:headEnd type="none" w="med" len="med"/>
+                      <a:tailEnd type="none" w="med" len="med"/>
+                    </a:lnB>
+                  </a:tcPr>
+                </a:tc>
+              </a:tr>
+              <a:tr h="347226">
+                <a:tc>
+                  <a:txBody>
+                    <a:bodyPr/>
+                    <a:lstStyle/>
+                    <a:p>
+                      <a:pPr algn="l" rtl="0" fontAlgn="b"/>
+                      <a:r>
+                        <a:rPr lang="en-US" sz="1100" dirty="0">
+                          <a:effectLst/>
+                        </a:rPr>
+                        <a:t>Developing Application Interface </a:t>
+                      </a:r>
+                      <a:r>
+                        <a:rPr lang="en-US" sz="1100" dirty="0" err="1" smtClean="0">
+                          <a:effectLst/>
+                        </a:rPr>
+                        <a:t>Webservices</a:t>
+                      </a:r>
+                      <a:endParaRPr lang="en-US" sz="1100" dirty="0">
+                        <a:effectLst/>
+                      </a:endParaRPr>
+                    </a:p>
+                  </a:txBody>
+                  <a:tcPr marL="14478" marR="14478" marT="0" marB="0" anchor="b">
+                    <a:lnL w="7620" cap="flat" cmpd="sng" algn="ctr">
+                      <a:solidFill>
+                        <a:srgbClr val="000000"/>
+                      </a:solidFill>
+                      <a:prstDash val="solid"/>
+                      <a:round/>
+                      <a:headEnd type="none" w="med" len="med"/>
+                      <a:tailEnd type="none" w="med" len="med"/>
+                    </a:lnL>
+                    <a:lnR w="7620" cap="flat" cmpd="sng" algn="ctr">
+                      <a:solidFill>
+                        <a:srgbClr val="CCCCCC"/>
+                      </a:solidFill>
+                      <a:prstDash val="solid"/>
+                      <a:round/>
+                      <a:headEnd type="none" w="med" len="med"/>
+                      <a:tailEnd type="none" w="med" len="med"/>
+                    </a:lnR>
+                    <a:lnT w="7620" cap="flat" cmpd="sng" algn="ctr">
+                      <a:solidFill>
+                        <a:srgbClr val="CCCCCC"/>
+                      </a:solidFill>
+                      <a:prstDash val="solid"/>
+                      <a:round/>
+                      <a:headEnd type="none" w="med" len="med"/>
+                      <a:tailEnd type="none" w="med" len="med"/>
+                    </a:lnT>
+                    <a:lnB w="7620" cap="flat" cmpd="sng" algn="ctr">
+                      <a:solidFill>
+                        <a:srgbClr val="CCCCCC"/>
+                      </a:solidFill>
+                      <a:prstDash val="solid"/>
+                      <a:round/>
+                      <a:headEnd type="none" w="med" len="med"/>
+                      <a:tailEnd type="none" w="med" len="med"/>
+                    </a:lnB>
+                    <a:solidFill>
+                      <a:srgbClr val="FFFFFF"/>
+                    </a:solidFill>
+                  </a:tcPr>
+                </a:tc>
+                <a:tc>
+                  <a:txBody>
+                    <a:bodyPr/>
+                    <a:lstStyle/>
+                    <a:p>
+                      <a:pPr rtl="0" fontAlgn="b"/>
+                      <a:endParaRPr lang="en-US" sz="1100">
+                        <a:effectLst/>
+                      </a:endParaRPr>
+                    </a:p>
+                  </a:txBody>
+                  <a:tcPr marL="14478" marR="14478" marT="0" marB="0" anchor="b">
+                    <a:lnL w="7620" cap="flat" cmpd="sng" algn="ctr">
+                      <a:solidFill>
+                        <a:srgbClr val="CCCCCC"/>
+                      </a:solidFill>
+                      <a:prstDash val="solid"/>
+                      <a:round/>
+                      <a:headEnd type="none" w="med" len="med"/>
+                      <a:tailEnd type="none" w="med" len="med"/>
+                    </a:lnL>
+                    <a:lnR w="7620" cap="flat" cmpd="sng" algn="ctr">
+                      <a:solidFill>
+                        <a:srgbClr val="CCCCCC"/>
+                      </a:solidFill>
+                      <a:prstDash val="solid"/>
+                      <a:round/>
+                      <a:headEnd type="none" w="med" len="med"/>
+                      <a:tailEnd type="none" w="med" len="med"/>
+                    </a:lnR>
+                    <a:lnT w="7620" cap="flat" cmpd="sng" algn="ctr">
+                      <a:solidFill>
+                        <a:srgbClr val="CCCCCC"/>
+                      </a:solidFill>
+                      <a:prstDash val="solid"/>
+                      <a:round/>
+                      <a:headEnd type="none" w="med" len="med"/>
+                      <a:tailEnd type="none" w="med" len="med"/>
+                    </a:lnT>
+                    <a:lnB w="7620" cap="flat" cmpd="sng" algn="ctr">
+                      <a:solidFill>
+                        <a:srgbClr val="CCCCCC"/>
+                      </a:solidFill>
+                      <a:prstDash val="solid"/>
+                      <a:round/>
+                      <a:headEnd type="none" w="med" len="med"/>
+                      <a:tailEnd type="none" w="med" len="med"/>
+                    </a:lnB>
+                  </a:tcPr>
+                </a:tc>
+                <a:tc>
+                  <a:txBody>
+                    <a:bodyPr/>
+                    <a:lstStyle/>
+                    <a:p>
+                      <a:pPr rtl="0" fontAlgn="b"/>
+                      <a:endParaRPr lang="en-US" sz="1100">
+                        <a:effectLst/>
+                      </a:endParaRPr>
+                    </a:p>
+                  </a:txBody>
+                  <a:tcPr marL="14478" marR="14478" marT="0" marB="0" anchor="b">
+                    <a:lnL w="7620" cap="flat" cmpd="sng" algn="ctr">
+                      <a:solidFill>
+                        <a:srgbClr val="CCCCCC"/>
+                      </a:solidFill>
+                      <a:prstDash val="solid"/>
+                      <a:round/>
+                      <a:headEnd type="none" w="med" len="med"/>
+                      <a:tailEnd type="none" w="med" len="med"/>
+                    </a:lnL>
+                    <a:lnR w="7620" cap="flat" cmpd="sng" algn="ctr">
+                      <a:solidFill>
+                        <a:srgbClr val="CCCCCC"/>
+                      </a:solidFill>
+                      <a:prstDash val="solid"/>
+                      <a:round/>
+                      <a:headEnd type="none" w="med" len="med"/>
+                      <a:tailEnd type="none" w="med" len="med"/>
+                    </a:lnR>
+                    <a:lnT w="7620" cap="flat" cmpd="sng" algn="ctr">
+                      <a:solidFill>
+                        <a:srgbClr val="CCCCCC"/>
+                      </a:solidFill>
+                      <a:prstDash val="solid"/>
+                      <a:round/>
+                      <a:headEnd type="none" w="med" len="med"/>
+                      <a:tailEnd type="none" w="med" len="med"/>
+                    </a:lnT>
+                    <a:lnB w="7620" cap="flat" cmpd="sng" algn="ctr">
+                      <a:solidFill>
+                        <a:srgbClr val="CCCCCC"/>
+                      </a:solidFill>
+                      <a:prstDash val="solid"/>
+                      <a:round/>
+                      <a:headEnd type="none" w="med" len="med"/>
+                      <a:tailEnd type="none" w="med" len="med"/>
+                    </a:lnB>
+                  </a:tcPr>
+                </a:tc>
+                <a:tc>
+                  <a:txBody>
+                    <a:bodyPr/>
+                    <a:lstStyle/>
+                    <a:p>
+                      <a:pPr rtl="0" fontAlgn="b"/>
+                      <a:endParaRPr lang="en-US" sz="1100">
+                        <a:effectLst/>
+                      </a:endParaRPr>
+                    </a:p>
+                  </a:txBody>
+                  <a:tcPr marL="14478" marR="14478" marT="0" marB="0" anchor="b">
+                    <a:lnL w="7620" cap="flat" cmpd="sng" algn="ctr">
+                      <a:solidFill>
+                        <a:srgbClr val="CCCCCC"/>
+                      </a:solidFill>
+                      <a:prstDash val="solid"/>
+                      <a:round/>
+                      <a:headEnd type="none" w="med" len="med"/>
+                      <a:tailEnd type="none" w="med" len="med"/>
+                    </a:lnL>
+                    <a:lnR w="7620" cap="flat" cmpd="sng" algn="ctr">
+                      <a:solidFill>
+                        <a:srgbClr val="CCCCCC"/>
+                      </a:solidFill>
+                      <a:prstDash val="solid"/>
+                      <a:round/>
+                      <a:headEnd type="none" w="med" len="med"/>
+                      <a:tailEnd type="none" w="med" len="med"/>
+                    </a:lnR>
+                    <a:lnT w="7620" cap="flat" cmpd="sng" algn="ctr">
+                      <a:solidFill>
+                        <a:srgbClr val="CCCCCC"/>
+                      </a:solidFill>
+                      <a:prstDash val="solid"/>
+                      <a:round/>
+                      <a:headEnd type="none" w="med" len="med"/>
+                      <a:tailEnd type="none" w="med" len="med"/>
+                    </a:lnT>
+                    <a:lnB w="7620" cap="flat" cmpd="sng" algn="ctr">
+                      <a:solidFill>
+                        <a:srgbClr val="CCCCCC"/>
+                      </a:solidFill>
+                      <a:prstDash val="solid"/>
+                      <a:round/>
+                      <a:headEnd type="none" w="med" len="med"/>
+                      <a:tailEnd type="none" w="med" len="med"/>
+                    </a:lnB>
+                  </a:tcPr>
+                </a:tc>
+                <a:tc>
+                  <a:txBody>
+                    <a:bodyPr/>
+                    <a:lstStyle/>
+                    <a:p>
+                      <a:pPr rtl="0" fontAlgn="b"/>
+                      <a:endParaRPr lang="en-US" sz="1100">
+                        <a:effectLst/>
+                      </a:endParaRPr>
+                    </a:p>
+                  </a:txBody>
+                  <a:tcPr marL="14478" marR="14478" marT="0" marB="0" anchor="b">
+                    <a:lnL w="7620" cap="flat" cmpd="sng" algn="ctr">
+                      <a:solidFill>
+                        <a:srgbClr val="CCCCCC"/>
+                      </a:solidFill>
+                      <a:prstDash val="solid"/>
+                      <a:round/>
+                      <a:headEnd type="none" w="med" len="med"/>
+                      <a:tailEnd type="none" w="med" len="med"/>
+                    </a:lnL>
+                    <a:lnR w="7620" cap="flat" cmpd="sng" algn="ctr">
+                      <a:solidFill>
+                        <a:srgbClr val="CCCCCC"/>
+                      </a:solidFill>
+                      <a:prstDash val="solid"/>
+                      <a:round/>
+                      <a:headEnd type="none" w="med" len="med"/>
+                      <a:tailEnd type="none" w="med" len="med"/>
+                    </a:lnR>
+                    <a:lnT w="7620" cap="flat" cmpd="sng" algn="ctr">
+                      <a:solidFill>
+                        <a:srgbClr val="CCCCCC"/>
+                      </a:solidFill>
+                      <a:prstDash val="solid"/>
+                      <a:round/>
+                      <a:headEnd type="none" w="med" len="med"/>
+                      <a:tailEnd type="none" w="med" len="med"/>
+                    </a:lnT>
+                    <a:lnB w="7620" cap="flat" cmpd="sng" algn="ctr">
+                      <a:solidFill>
+                        <a:srgbClr val="CCCCCC"/>
+                      </a:solidFill>
+                      <a:prstDash val="solid"/>
+                      <a:round/>
+                      <a:headEnd type="none" w="med" len="med"/>
+                      <a:tailEnd type="none" w="med" len="med"/>
+                    </a:lnB>
+                    <a:solidFill>
+                      <a:srgbClr val="008000"/>
+                    </a:solidFill>
+                  </a:tcPr>
+                </a:tc>
+                <a:tc>
+                  <a:txBody>
+                    <a:bodyPr/>
+                    <a:lstStyle/>
+                    <a:p>
+                      <a:pPr rtl="0" fontAlgn="b"/>
+                      <a:endParaRPr lang="en-US" sz="1100">
+                        <a:effectLst/>
+                      </a:endParaRPr>
+                    </a:p>
+                  </a:txBody>
+                  <a:tcPr marL="14478" marR="14478" marT="0" marB="0" anchor="b">
+                    <a:lnL w="7620" cap="flat" cmpd="sng" algn="ctr">
+                      <a:solidFill>
+                        <a:srgbClr val="CCCCCC"/>
+                      </a:solidFill>
+                      <a:prstDash val="solid"/>
+                      <a:round/>
+                      <a:headEnd type="none" w="med" len="med"/>
+                      <a:tailEnd type="none" w="med" len="med"/>
+                    </a:lnL>
+                    <a:lnR w="7620" cap="flat" cmpd="sng" algn="ctr">
+                      <a:solidFill>
+                        <a:srgbClr val="CCCCCC"/>
+                      </a:solidFill>
+                      <a:prstDash val="solid"/>
+                      <a:round/>
+                      <a:headEnd type="none" w="med" len="med"/>
+                      <a:tailEnd type="none" w="med" len="med"/>
+                    </a:lnR>
+                    <a:lnT w="7620" cap="flat" cmpd="sng" algn="ctr">
+                      <a:solidFill>
+                        <a:srgbClr val="CCCCCC"/>
+                      </a:solidFill>
+                      <a:prstDash val="solid"/>
+                      <a:round/>
+                      <a:headEnd type="none" w="med" len="med"/>
+                      <a:tailEnd type="none" w="med" len="med"/>
+                    </a:lnT>
+                    <a:lnB w="7620" cap="flat" cmpd="sng" algn="ctr">
+                      <a:solidFill>
+                        <a:srgbClr val="CCCCCC"/>
+                      </a:solidFill>
+                      <a:prstDash val="solid"/>
+                      <a:round/>
+                      <a:headEnd type="none" w="med" len="med"/>
+                      <a:tailEnd type="none" w="med" len="med"/>
+                    </a:lnB>
+                    <a:solidFill>
+                      <a:srgbClr val="008000"/>
+                    </a:solidFill>
+                  </a:tcPr>
+                </a:tc>
+                <a:tc>
+                  <a:txBody>
+                    <a:bodyPr/>
+                    <a:lstStyle/>
+                    <a:p>
+                      <a:pPr rtl="0" fontAlgn="b"/>
+                      <a:endParaRPr lang="en-US" sz="1100">
+                        <a:effectLst/>
+                      </a:endParaRPr>
+                    </a:p>
+                  </a:txBody>
+                  <a:tcPr marL="14478" marR="14478" marT="0" marB="0" anchor="b">
+                    <a:lnL w="7620" cap="flat" cmpd="sng" algn="ctr">
+                      <a:solidFill>
+                        <a:srgbClr val="CCCCCC"/>
+                      </a:solidFill>
+                      <a:prstDash val="solid"/>
+                      <a:round/>
+                      <a:headEnd type="none" w="med" len="med"/>
+                      <a:tailEnd type="none" w="med" len="med"/>
+                    </a:lnL>
+                    <a:lnR w="7620" cap="flat" cmpd="sng" algn="ctr">
+                      <a:solidFill>
+                        <a:srgbClr val="CCCCCC"/>
+                      </a:solidFill>
+                      <a:prstDash val="solid"/>
+                      <a:round/>
+                      <a:headEnd type="none" w="med" len="med"/>
+                      <a:tailEnd type="none" w="med" len="med"/>
+                    </a:lnR>
+                    <a:lnT w="7620" cap="flat" cmpd="sng" algn="ctr">
+                      <a:solidFill>
+                        <a:srgbClr val="CCCCCC"/>
+                      </a:solidFill>
+                      <a:prstDash val="solid"/>
+                      <a:round/>
+                      <a:headEnd type="none" w="med" len="med"/>
+                      <a:tailEnd type="none" w="med" len="med"/>
+                    </a:lnT>
+                    <a:lnB w="7620" cap="flat" cmpd="sng" algn="ctr">
+                      <a:solidFill>
+                        <a:srgbClr val="CCCCCC"/>
+                      </a:solidFill>
+                      <a:prstDash val="solid"/>
+                      <a:round/>
+                      <a:headEnd type="none" w="med" len="med"/>
+                      <a:tailEnd type="none" w="med" len="med"/>
+                    </a:lnB>
+                    <a:solidFill>
+                      <a:srgbClr val="FFFF00"/>
+                    </a:solidFill>
+                  </a:tcPr>
+                </a:tc>
+                <a:tc>
+                  <a:txBody>
+                    <a:bodyPr/>
+                    <a:lstStyle/>
+                    <a:p>
+                      <a:pPr rtl="0" fontAlgn="b"/>
+                      <a:endParaRPr lang="en-US" sz="1100">
+                        <a:effectLst/>
+                      </a:endParaRPr>
+                    </a:p>
+                  </a:txBody>
+                  <a:tcPr marL="14478" marR="14478" marT="0" marB="0" anchor="b">
+                    <a:lnL w="7620" cap="flat" cmpd="sng" algn="ctr">
+                      <a:solidFill>
+                        <a:srgbClr val="CCCCCC"/>
+                      </a:solidFill>
+                      <a:prstDash val="solid"/>
+                      <a:round/>
+                      <a:headEnd type="none" w="med" len="med"/>
+                      <a:tailEnd type="none" w="med" len="med"/>
+                    </a:lnL>
+                    <a:lnR w="7620" cap="flat" cmpd="sng" algn="ctr">
+                      <a:solidFill>
+                        <a:srgbClr val="CCCCCC"/>
+                      </a:solidFill>
+                      <a:prstDash val="solid"/>
+                      <a:round/>
+                      <a:headEnd type="none" w="med" len="med"/>
+                      <a:tailEnd type="none" w="med" len="med"/>
+                    </a:lnR>
+                    <a:lnT w="7620" cap="flat" cmpd="sng" algn="ctr">
+                      <a:solidFill>
+                        <a:srgbClr val="CCCCCC"/>
+                      </a:solidFill>
+                      <a:prstDash val="solid"/>
+                      <a:round/>
+                      <a:headEnd type="none" w="med" len="med"/>
+                      <a:tailEnd type="none" w="med" len="med"/>
+                    </a:lnT>
+                    <a:lnB w="7620" cap="flat" cmpd="sng" algn="ctr">
+                      <a:solidFill>
+                        <a:srgbClr val="CCCCCC"/>
+                      </a:solidFill>
+                      <a:prstDash val="solid"/>
+                      <a:round/>
+                      <a:headEnd type="none" w="med" len="med"/>
+                      <a:tailEnd type="none" w="med" len="med"/>
+                    </a:lnB>
+                  </a:tcPr>
+                </a:tc>
+                <a:tc>
+                  <a:txBody>
+                    <a:bodyPr/>
+                    <a:lstStyle/>
+                    <a:p>
+                      <a:pPr rtl="0" fontAlgn="b"/>
+                      <a:endParaRPr lang="en-US" sz="1100" dirty="0">
+                        <a:effectLst/>
+                      </a:endParaRPr>
+                    </a:p>
+                  </a:txBody>
+                  <a:tcPr marL="14478" marR="14478" marT="0" marB="0" anchor="b">
+                    <a:lnL w="7620" cap="flat" cmpd="sng" algn="ctr">
+                      <a:solidFill>
+                        <a:srgbClr val="CCCCCC"/>
+                      </a:solidFill>
+                      <a:prstDash val="solid"/>
+                      <a:round/>
+                      <a:headEnd type="none" w="med" len="med"/>
+                      <a:tailEnd type="none" w="med" len="med"/>
+                    </a:lnL>
+                    <a:lnR w="7620" cap="flat" cmpd="sng" algn="ctr">
+                      <a:solidFill>
+                        <a:srgbClr val="000000"/>
+                      </a:solidFill>
+                      <a:prstDash val="solid"/>
+                      <a:round/>
+                      <a:headEnd type="none" w="med" len="med"/>
+                      <a:tailEnd type="none" w="med" len="med"/>
+                    </a:lnR>
+                    <a:lnT w="7620" cap="flat" cmpd="sng" algn="ctr">
+                      <a:solidFill>
+                        <a:srgbClr val="CCCCCC"/>
+                      </a:solidFill>
+                      <a:prstDash val="solid"/>
+                      <a:round/>
+                      <a:headEnd type="none" w="med" len="med"/>
+                      <a:tailEnd type="none" w="med" len="med"/>
+                    </a:lnT>
+                    <a:lnB w="7620" cap="flat" cmpd="sng" algn="ctr">
+                      <a:solidFill>
+                        <a:srgbClr val="CCCCCC"/>
+                      </a:solidFill>
+                      <a:prstDash val="solid"/>
+                      <a:round/>
+                      <a:headEnd type="none" w="med" len="med"/>
+                      <a:tailEnd type="none" w="med" len="med"/>
+                    </a:lnB>
+                  </a:tcPr>
+                </a:tc>
+              </a:tr>
+              <a:tr h="378755">
+                <a:tc>
+                  <a:txBody>
+                    <a:bodyPr/>
+                    <a:lstStyle/>
+                    <a:p>
+                      <a:pPr algn="l" rtl="0" fontAlgn="b"/>
+                      <a:r>
+                        <a:rPr lang="en-US" sz="1100">
+                          <a:effectLst/>
+                        </a:rPr>
+                        <a:t>Implementing Short-term Prediction Algo</a:t>
+                      </a:r>
+                    </a:p>
+                  </a:txBody>
+                  <a:tcPr marL="14478" marR="14478" marT="0" marB="0" anchor="b">
+                    <a:lnL w="7620" cap="flat" cmpd="sng" algn="ctr">
+                      <a:solidFill>
+                        <a:srgbClr val="000000"/>
+                      </a:solidFill>
+                      <a:prstDash val="solid"/>
+                      <a:round/>
+                      <a:headEnd type="none" w="med" len="med"/>
+                      <a:tailEnd type="none" w="med" len="med"/>
+                    </a:lnL>
+                    <a:lnR w="7620" cap="flat" cmpd="sng" algn="ctr">
+                      <a:solidFill>
+                        <a:srgbClr val="CCCCCC"/>
+                      </a:solidFill>
+                      <a:prstDash val="solid"/>
+                      <a:round/>
+                      <a:headEnd type="none" w="med" len="med"/>
+                      <a:tailEnd type="none" w="med" len="med"/>
+                    </a:lnR>
+                    <a:lnT w="7620" cap="flat" cmpd="sng" algn="ctr">
+                      <a:solidFill>
+                        <a:srgbClr val="CCCCCC"/>
+                      </a:solidFill>
+                      <a:prstDash val="solid"/>
+                      <a:round/>
+                      <a:headEnd type="none" w="med" len="med"/>
+                      <a:tailEnd type="none" w="med" len="med"/>
+                    </a:lnT>
+                    <a:lnB w="7620" cap="flat" cmpd="sng" algn="ctr">
+                      <a:solidFill>
+                        <a:srgbClr val="CCCCCC"/>
+                      </a:solidFill>
+                      <a:prstDash val="solid"/>
+                      <a:round/>
+                      <a:headEnd type="none" w="med" len="med"/>
+                      <a:tailEnd type="none" w="med" len="med"/>
+                    </a:lnB>
+                    <a:solidFill>
+                      <a:srgbClr val="FFFFFF"/>
+                    </a:solidFill>
+                  </a:tcPr>
+                </a:tc>
+                <a:tc>
+                  <a:txBody>
+                    <a:bodyPr/>
+                    <a:lstStyle/>
+                    <a:p>
+                      <a:pPr rtl="0" fontAlgn="b"/>
+                      <a:endParaRPr lang="en-US" sz="1100">
+                        <a:effectLst/>
+                      </a:endParaRPr>
+                    </a:p>
+                  </a:txBody>
+                  <a:tcPr marL="14478" marR="14478" marT="0" marB="0" anchor="b">
+                    <a:lnL w="7620" cap="flat" cmpd="sng" algn="ctr">
+                      <a:solidFill>
+                        <a:srgbClr val="CCCCCC"/>
+                      </a:solidFill>
+                      <a:prstDash val="solid"/>
+                      <a:round/>
+                      <a:headEnd type="none" w="med" len="med"/>
+                      <a:tailEnd type="none" w="med" len="med"/>
+                    </a:lnL>
+                    <a:lnR w="7620" cap="flat" cmpd="sng" algn="ctr">
+                      <a:solidFill>
+                        <a:srgbClr val="CCCCCC"/>
+                      </a:solidFill>
+                      <a:prstDash val="solid"/>
+                      <a:round/>
+                      <a:headEnd type="none" w="med" len="med"/>
+                      <a:tailEnd type="none" w="med" len="med"/>
+                    </a:lnR>
+                    <a:lnT w="7620" cap="flat" cmpd="sng" algn="ctr">
+                      <a:solidFill>
+                        <a:srgbClr val="CCCCCC"/>
+                      </a:solidFill>
+                      <a:prstDash val="solid"/>
+                      <a:round/>
+                      <a:headEnd type="none" w="med" len="med"/>
+                      <a:tailEnd type="none" w="med" len="med"/>
+                    </a:lnT>
+                    <a:lnB w="7620" cap="flat" cmpd="sng" algn="ctr">
+                      <a:solidFill>
+                        <a:srgbClr val="CCCCCC"/>
+                      </a:solidFill>
+                      <a:prstDash val="solid"/>
+                      <a:round/>
+                      <a:headEnd type="none" w="med" len="med"/>
+                      <a:tailEnd type="none" w="med" len="med"/>
+                    </a:lnB>
+                  </a:tcPr>
+                </a:tc>
+                <a:tc>
+                  <a:txBody>
+                    <a:bodyPr/>
+                    <a:lstStyle/>
+                    <a:p>
+                      <a:pPr rtl="0" fontAlgn="b"/>
+                      <a:endParaRPr lang="en-US" sz="1100">
+                        <a:effectLst/>
+                      </a:endParaRPr>
+                    </a:p>
+                  </a:txBody>
+                  <a:tcPr marL="14478" marR="14478" marT="0" marB="0" anchor="b">
+                    <a:lnL w="7620" cap="flat" cmpd="sng" algn="ctr">
+                      <a:solidFill>
+                        <a:srgbClr val="CCCCCC"/>
+                      </a:solidFill>
+                      <a:prstDash val="solid"/>
+                      <a:round/>
+                      <a:headEnd type="none" w="med" len="med"/>
+                      <a:tailEnd type="none" w="med" len="med"/>
+                    </a:lnL>
+                    <a:lnR w="7620" cap="flat" cmpd="sng" algn="ctr">
+                      <a:solidFill>
+                        <a:srgbClr val="CCCCCC"/>
+                      </a:solidFill>
+                      <a:prstDash val="solid"/>
+                      <a:round/>
+                      <a:headEnd type="none" w="med" len="med"/>
+                      <a:tailEnd type="none" w="med" len="med"/>
+                    </a:lnR>
+                    <a:lnT w="7620" cap="flat" cmpd="sng" algn="ctr">
+                      <a:solidFill>
+                        <a:srgbClr val="CCCCCC"/>
+                      </a:solidFill>
+                      <a:prstDash val="solid"/>
+                      <a:round/>
+                      <a:headEnd type="none" w="med" len="med"/>
+                      <a:tailEnd type="none" w="med" len="med"/>
+                    </a:lnT>
+                    <a:lnB w="7620" cap="flat" cmpd="sng" algn="ctr">
+                      <a:solidFill>
+                        <a:srgbClr val="CCCCCC"/>
+                      </a:solidFill>
+                      <a:prstDash val="solid"/>
+                      <a:round/>
+                      <a:headEnd type="none" w="med" len="med"/>
+                      <a:tailEnd type="none" w="med" len="med"/>
+                    </a:lnB>
+                    <a:solidFill>
+                      <a:srgbClr val="4F81BD"/>
+                    </a:solidFill>
+                  </a:tcPr>
+                </a:tc>
+                <a:tc>
+                  <a:txBody>
+                    <a:bodyPr/>
+                    <a:lstStyle/>
+                    <a:p>
+                      <a:pPr rtl="0" fontAlgn="b"/>
+                      <a:endParaRPr lang="en-US" sz="1100">
+                        <a:effectLst/>
+                      </a:endParaRPr>
+                    </a:p>
+                  </a:txBody>
+                  <a:tcPr marL="14478" marR="14478" marT="0" marB="0" anchor="b">
+                    <a:lnL w="7620" cap="flat" cmpd="sng" algn="ctr">
+                      <a:solidFill>
+                        <a:srgbClr val="CCCCCC"/>
+                      </a:solidFill>
+                      <a:prstDash val="solid"/>
+                      <a:round/>
+                      <a:headEnd type="none" w="med" len="med"/>
+                      <a:tailEnd type="none" w="med" len="med"/>
+                    </a:lnL>
+                    <a:lnR w="7620" cap="flat" cmpd="sng" algn="ctr">
+                      <a:solidFill>
+                        <a:srgbClr val="CCCCCC"/>
+                      </a:solidFill>
+                      <a:prstDash val="solid"/>
+                      <a:round/>
+                      <a:headEnd type="none" w="med" len="med"/>
+                      <a:tailEnd type="none" w="med" len="med"/>
+                    </a:lnR>
+                    <a:lnT w="7620" cap="flat" cmpd="sng" algn="ctr">
+                      <a:solidFill>
+                        <a:srgbClr val="CCCCCC"/>
+                      </a:solidFill>
+                      <a:prstDash val="solid"/>
+                      <a:round/>
+                      <a:headEnd type="none" w="med" len="med"/>
+                      <a:tailEnd type="none" w="med" len="med"/>
+                    </a:lnT>
+                    <a:lnB w="7620" cap="flat" cmpd="sng" algn="ctr">
+                      <a:solidFill>
+                        <a:srgbClr val="CCCCCC"/>
+                      </a:solidFill>
+                      <a:prstDash val="solid"/>
+                      <a:round/>
+                      <a:headEnd type="none" w="med" len="med"/>
+                      <a:tailEnd type="none" w="med" len="med"/>
+                    </a:lnB>
+                    <a:solidFill>
+                      <a:srgbClr val="4F81BD"/>
+                    </a:solidFill>
+                  </a:tcPr>
+                </a:tc>
+                <a:tc>
+                  <a:txBody>
+                    <a:bodyPr/>
+                    <a:lstStyle/>
+                    <a:p>
+                      <a:pPr rtl="0" fontAlgn="b"/>
+                      <a:endParaRPr lang="en-US" sz="1100">
+                        <a:effectLst/>
+                      </a:endParaRPr>
+                    </a:p>
+                  </a:txBody>
+                  <a:tcPr marL="14478" marR="14478" marT="0" marB="0" anchor="b">
+                    <a:lnL w="7620" cap="flat" cmpd="sng" algn="ctr">
+                      <a:solidFill>
+                        <a:srgbClr val="CCCCCC"/>
+                      </a:solidFill>
+                      <a:prstDash val="solid"/>
+                      <a:round/>
+                      <a:headEnd type="none" w="med" len="med"/>
+                      <a:tailEnd type="none" w="med" len="med"/>
+                    </a:lnL>
+                    <a:lnR w="7620" cap="flat" cmpd="sng" algn="ctr">
+                      <a:solidFill>
+                        <a:srgbClr val="CCCCCC"/>
+                      </a:solidFill>
+                      <a:prstDash val="solid"/>
+                      <a:round/>
+                      <a:headEnd type="none" w="med" len="med"/>
+                      <a:tailEnd type="none" w="med" len="med"/>
+                    </a:lnR>
+                    <a:lnT w="7620" cap="flat" cmpd="sng" algn="ctr">
+                      <a:solidFill>
+                        <a:srgbClr val="CCCCCC"/>
+                      </a:solidFill>
+                      <a:prstDash val="solid"/>
+                      <a:round/>
+                      <a:headEnd type="none" w="med" len="med"/>
+                      <a:tailEnd type="none" w="med" len="med"/>
+                    </a:lnT>
+                    <a:lnB w="7620" cap="flat" cmpd="sng" algn="ctr">
+                      <a:solidFill>
+                        <a:srgbClr val="CCCCCC"/>
+                      </a:solidFill>
+                      <a:prstDash val="solid"/>
+                      <a:round/>
+                      <a:headEnd type="none" w="med" len="med"/>
+                      <a:tailEnd type="none" w="med" len="med"/>
+                    </a:lnB>
+                    <a:solidFill>
+                      <a:srgbClr val="FFFFFF"/>
+                    </a:solidFill>
+                  </a:tcPr>
+                </a:tc>
+                <a:tc>
+                  <a:txBody>
+                    <a:bodyPr/>
+                    <a:lstStyle/>
+                    <a:p>
+                      <a:pPr rtl="0" fontAlgn="b"/>
+                      <a:endParaRPr lang="en-US" sz="1100">
+                        <a:effectLst/>
+                      </a:endParaRPr>
+                    </a:p>
+                  </a:txBody>
+                  <a:tcPr marL="14478" marR="14478" marT="0" marB="0" anchor="b">
+                    <a:lnL w="7620" cap="flat" cmpd="sng" algn="ctr">
+                      <a:solidFill>
+                        <a:srgbClr val="CCCCCC"/>
+                      </a:solidFill>
+                      <a:prstDash val="solid"/>
+                      <a:round/>
+                      <a:headEnd type="none" w="med" len="med"/>
+                      <a:tailEnd type="none" w="med" len="med"/>
+                    </a:lnL>
+                    <a:lnR w="7620" cap="flat" cmpd="sng" algn="ctr">
+                      <a:solidFill>
+                        <a:srgbClr val="CCCCCC"/>
+                      </a:solidFill>
+                      <a:prstDash val="solid"/>
+                      <a:round/>
+                      <a:headEnd type="none" w="med" len="med"/>
+                      <a:tailEnd type="none" w="med" len="med"/>
+                    </a:lnR>
+                    <a:lnT w="7620" cap="flat" cmpd="sng" algn="ctr">
+                      <a:solidFill>
+                        <a:srgbClr val="CCCCCC"/>
+                      </a:solidFill>
+                      <a:prstDash val="solid"/>
+                      <a:round/>
+                      <a:headEnd type="none" w="med" len="med"/>
+                      <a:tailEnd type="none" w="med" len="med"/>
+                    </a:lnT>
+                    <a:lnB w="7620" cap="flat" cmpd="sng" algn="ctr">
+                      <a:solidFill>
+                        <a:srgbClr val="CCCCCC"/>
+                      </a:solidFill>
+                      <a:prstDash val="solid"/>
+                      <a:round/>
+                      <a:headEnd type="none" w="med" len="med"/>
+                      <a:tailEnd type="none" w="med" len="med"/>
+                    </a:lnB>
+                    <a:solidFill>
+                      <a:srgbClr val="FFFFFF"/>
+                    </a:solidFill>
+                  </a:tcPr>
+                </a:tc>
+                <a:tc>
+                  <a:txBody>
+                    <a:bodyPr/>
+                    <a:lstStyle/>
+                    <a:p>
+                      <a:pPr rtl="0" fontAlgn="b"/>
+                      <a:endParaRPr lang="en-US" sz="1100">
+                        <a:effectLst/>
+                      </a:endParaRPr>
+                    </a:p>
+                  </a:txBody>
+                  <a:tcPr marL="14478" marR="14478" marT="0" marB="0" anchor="b">
+                    <a:lnL w="7620" cap="flat" cmpd="sng" algn="ctr">
+                      <a:solidFill>
+                        <a:srgbClr val="CCCCCC"/>
+                      </a:solidFill>
+                      <a:prstDash val="solid"/>
+                      <a:round/>
+                      <a:headEnd type="none" w="med" len="med"/>
+                      <a:tailEnd type="none" w="med" len="med"/>
+                    </a:lnL>
+                    <a:lnR w="7620" cap="flat" cmpd="sng" algn="ctr">
+                      <a:solidFill>
+                        <a:srgbClr val="CCCCCC"/>
+                      </a:solidFill>
+                      <a:prstDash val="solid"/>
+                      <a:round/>
+                      <a:headEnd type="none" w="med" len="med"/>
+                      <a:tailEnd type="none" w="med" len="med"/>
+                    </a:lnR>
+                    <a:lnT w="7620" cap="flat" cmpd="sng" algn="ctr">
+                      <a:solidFill>
+                        <a:srgbClr val="CCCCCC"/>
+                      </a:solidFill>
+                      <a:prstDash val="solid"/>
+                      <a:round/>
+                      <a:headEnd type="none" w="med" len="med"/>
+                      <a:tailEnd type="none" w="med" len="med"/>
+                    </a:lnT>
+                    <a:lnB w="7620" cap="flat" cmpd="sng" algn="ctr">
+                      <a:solidFill>
+                        <a:srgbClr val="CCCCCC"/>
+                      </a:solidFill>
+                      <a:prstDash val="solid"/>
+                      <a:round/>
+                      <a:headEnd type="none" w="med" len="med"/>
+                      <a:tailEnd type="none" w="med" len="med"/>
+                    </a:lnB>
+                    <a:solidFill>
+                      <a:srgbClr val="FFFFFF"/>
+                    </a:solidFill>
+                  </a:tcPr>
+                </a:tc>
+                <a:tc>
+                  <a:txBody>
+                    <a:bodyPr/>
+                    <a:lstStyle/>
+                    <a:p>
+                      <a:pPr rtl="0" fontAlgn="b"/>
+                      <a:endParaRPr lang="en-US" sz="1100">
+                        <a:effectLst/>
+                      </a:endParaRPr>
+                    </a:p>
+                  </a:txBody>
+                  <a:tcPr marL="14478" marR="14478" marT="0" marB="0" anchor="b">
+                    <a:lnL w="7620" cap="flat" cmpd="sng" algn="ctr">
+                      <a:solidFill>
+                        <a:srgbClr val="CCCCCC"/>
+                      </a:solidFill>
+                      <a:prstDash val="solid"/>
+                      <a:round/>
+                      <a:headEnd type="none" w="med" len="med"/>
+                      <a:tailEnd type="none" w="med" len="med"/>
+                    </a:lnL>
+                    <a:lnR w="7620" cap="flat" cmpd="sng" algn="ctr">
+                      <a:solidFill>
+                        <a:srgbClr val="CCCCCC"/>
+                      </a:solidFill>
+                      <a:prstDash val="solid"/>
+                      <a:round/>
+                      <a:headEnd type="none" w="med" len="med"/>
+                      <a:tailEnd type="none" w="med" len="med"/>
+                    </a:lnR>
+                    <a:lnT w="7620" cap="flat" cmpd="sng" algn="ctr">
+                      <a:solidFill>
+                        <a:srgbClr val="CCCCCC"/>
+                      </a:solidFill>
+                      <a:prstDash val="solid"/>
+                      <a:round/>
+                      <a:headEnd type="none" w="med" len="med"/>
+                      <a:tailEnd type="none" w="med" len="med"/>
+                    </a:lnT>
+                    <a:lnB w="7620" cap="flat" cmpd="sng" algn="ctr">
+                      <a:solidFill>
+                        <a:srgbClr val="CCCCCC"/>
+                      </a:solidFill>
+                      <a:prstDash val="solid"/>
+                      <a:round/>
+                      <a:headEnd type="none" w="med" len="med"/>
+                      <a:tailEnd type="none" w="med" len="med"/>
+                    </a:lnB>
+                  </a:tcPr>
+                </a:tc>
+                <a:tc>
+                  <a:txBody>
+                    <a:bodyPr/>
+                    <a:lstStyle/>
+                    <a:p>
+                      <a:pPr rtl="0" fontAlgn="b"/>
+                      <a:endParaRPr lang="en-US" sz="1100">
+                        <a:effectLst/>
+                      </a:endParaRPr>
+                    </a:p>
+                  </a:txBody>
+                  <a:tcPr marL="14478" marR="14478" marT="0" marB="0" anchor="b">
+                    <a:lnL w="7620" cap="flat" cmpd="sng" algn="ctr">
+                      <a:solidFill>
+                        <a:srgbClr val="CCCCCC"/>
+                      </a:solidFill>
+                      <a:prstDash val="solid"/>
+                      <a:round/>
+                      <a:headEnd type="none" w="med" len="med"/>
+                      <a:tailEnd type="none" w="med" len="med"/>
+                    </a:lnL>
+                    <a:lnR w="7620" cap="flat" cmpd="sng" algn="ctr">
+                      <a:solidFill>
+                        <a:srgbClr val="000000"/>
+                      </a:solidFill>
+                      <a:prstDash val="solid"/>
+                      <a:round/>
+                      <a:headEnd type="none" w="med" len="med"/>
+                      <a:tailEnd type="none" w="med" len="med"/>
+                    </a:lnR>
+                    <a:lnT w="7620" cap="flat" cmpd="sng" algn="ctr">
+                      <a:solidFill>
+                        <a:srgbClr val="CCCCCC"/>
+                      </a:solidFill>
+                      <a:prstDash val="solid"/>
+                      <a:round/>
+                      <a:headEnd type="none" w="med" len="med"/>
+                      <a:tailEnd type="none" w="med" len="med"/>
+                    </a:lnT>
+                    <a:lnB w="7620" cap="flat" cmpd="sng" algn="ctr">
+                      <a:solidFill>
+                        <a:srgbClr val="CCCCCC"/>
+                      </a:solidFill>
+                      <a:prstDash val="solid"/>
+                      <a:round/>
+                      <a:headEnd type="none" w="med" len="med"/>
+                      <a:tailEnd type="none" w="med" len="med"/>
+                    </a:lnB>
+                  </a:tcPr>
+                </a:tc>
+              </a:tr>
+              <a:tr h="340617">
+                <a:tc>
+                  <a:txBody>
+                    <a:bodyPr/>
+                    <a:lstStyle/>
+                    <a:p>
+                      <a:pPr algn="l" rtl="0" fontAlgn="b"/>
+                      <a:r>
+                        <a:rPr lang="en-US" sz="1100">
+                          <a:effectLst/>
+                        </a:rPr>
+                        <a:t>Implementing Long Term Prediction - SVM</a:t>
+                      </a:r>
+                    </a:p>
+                  </a:txBody>
+                  <a:tcPr marL="14478" marR="14478" marT="0" marB="0" anchor="b">
+                    <a:lnL w="7620" cap="flat" cmpd="sng" algn="ctr">
+                      <a:solidFill>
+                        <a:srgbClr val="000000"/>
+                      </a:solidFill>
+                      <a:prstDash val="solid"/>
+                      <a:round/>
+                      <a:headEnd type="none" w="med" len="med"/>
+                      <a:tailEnd type="none" w="med" len="med"/>
+                    </a:lnL>
+                    <a:lnR w="7620" cap="flat" cmpd="sng" algn="ctr">
+                      <a:solidFill>
+                        <a:srgbClr val="CCCCCC"/>
+                      </a:solidFill>
+                      <a:prstDash val="solid"/>
+                      <a:round/>
+                      <a:headEnd type="none" w="med" len="med"/>
+                      <a:tailEnd type="none" w="med" len="med"/>
+                    </a:lnR>
+                    <a:lnT w="7620" cap="flat" cmpd="sng" algn="ctr">
+                      <a:solidFill>
+                        <a:srgbClr val="CCCCCC"/>
+                      </a:solidFill>
+                      <a:prstDash val="solid"/>
+                      <a:round/>
+                      <a:headEnd type="none" w="med" len="med"/>
+                      <a:tailEnd type="none" w="med" len="med"/>
+                    </a:lnT>
+                    <a:lnB w="7620" cap="flat" cmpd="sng" algn="ctr">
+                      <a:solidFill>
+                        <a:srgbClr val="CCCCCC"/>
+                      </a:solidFill>
+                      <a:prstDash val="solid"/>
+                      <a:round/>
+                      <a:headEnd type="none" w="med" len="med"/>
+                      <a:tailEnd type="none" w="med" len="med"/>
+                    </a:lnB>
+                    <a:solidFill>
+                      <a:srgbClr val="FFFFFF"/>
+                    </a:solidFill>
+                  </a:tcPr>
+                </a:tc>
+                <a:tc>
+                  <a:txBody>
+                    <a:bodyPr/>
+                    <a:lstStyle/>
+                    <a:p>
+                      <a:pPr rtl="0" fontAlgn="b"/>
+                      <a:endParaRPr lang="en-US" sz="1100">
+                        <a:effectLst/>
+                      </a:endParaRPr>
+                    </a:p>
+                  </a:txBody>
+                  <a:tcPr marL="14478" marR="14478" marT="0" marB="0" anchor="b">
+                    <a:lnL w="7620" cap="flat" cmpd="sng" algn="ctr">
+                      <a:solidFill>
+                        <a:srgbClr val="CCCCCC"/>
+                      </a:solidFill>
+                      <a:prstDash val="solid"/>
+                      <a:round/>
+                      <a:headEnd type="none" w="med" len="med"/>
+                      <a:tailEnd type="none" w="med" len="med"/>
+                    </a:lnL>
+                    <a:lnR w="7620" cap="flat" cmpd="sng" algn="ctr">
+                      <a:solidFill>
+                        <a:srgbClr val="CCCCCC"/>
+                      </a:solidFill>
+                      <a:prstDash val="solid"/>
+                      <a:round/>
+                      <a:headEnd type="none" w="med" len="med"/>
+                      <a:tailEnd type="none" w="med" len="med"/>
+                    </a:lnR>
+                    <a:lnT w="7620" cap="flat" cmpd="sng" algn="ctr">
+                      <a:solidFill>
+                        <a:srgbClr val="CCCCCC"/>
+                      </a:solidFill>
+                      <a:prstDash val="solid"/>
+                      <a:round/>
+                      <a:headEnd type="none" w="med" len="med"/>
+                      <a:tailEnd type="none" w="med" len="med"/>
+                    </a:lnT>
+                    <a:lnB w="7620" cap="flat" cmpd="sng" algn="ctr">
+                      <a:solidFill>
+                        <a:srgbClr val="CCCCCC"/>
+                      </a:solidFill>
+                      <a:prstDash val="solid"/>
+                      <a:round/>
+                      <a:headEnd type="none" w="med" len="med"/>
+                      <a:tailEnd type="none" w="med" len="med"/>
+                    </a:lnB>
+                  </a:tcPr>
+                </a:tc>
+                <a:tc>
+                  <a:txBody>
+                    <a:bodyPr/>
+                    <a:lstStyle/>
+                    <a:p>
+                      <a:pPr rtl="0" fontAlgn="b"/>
+                      <a:endParaRPr lang="en-US" sz="1100">
+                        <a:effectLst/>
+                      </a:endParaRPr>
+                    </a:p>
+                  </a:txBody>
+                  <a:tcPr marL="14478" marR="14478" marT="0" marB="0" anchor="b">
+                    <a:lnL w="7620" cap="flat" cmpd="sng" algn="ctr">
+                      <a:solidFill>
+                        <a:srgbClr val="CCCCCC"/>
+                      </a:solidFill>
+                      <a:prstDash val="solid"/>
+                      <a:round/>
+                      <a:headEnd type="none" w="med" len="med"/>
+                      <a:tailEnd type="none" w="med" len="med"/>
+                    </a:lnL>
+                    <a:lnR w="7620" cap="flat" cmpd="sng" algn="ctr">
+                      <a:solidFill>
+                        <a:srgbClr val="CCCCCC"/>
+                      </a:solidFill>
+                      <a:prstDash val="solid"/>
+                      <a:round/>
+                      <a:headEnd type="none" w="med" len="med"/>
+                      <a:tailEnd type="none" w="med" len="med"/>
+                    </a:lnR>
+                    <a:lnT w="7620" cap="flat" cmpd="sng" algn="ctr">
+                      <a:solidFill>
+                        <a:srgbClr val="CCCCCC"/>
+                      </a:solidFill>
+                      <a:prstDash val="solid"/>
+                      <a:round/>
+                      <a:headEnd type="none" w="med" len="med"/>
+                      <a:tailEnd type="none" w="med" len="med"/>
+                    </a:lnT>
+                    <a:lnB w="7620" cap="flat" cmpd="sng" algn="ctr">
+                      <a:solidFill>
+                        <a:srgbClr val="CCCCCC"/>
+                      </a:solidFill>
+                      <a:prstDash val="solid"/>
+                      <a:round/>
+                      <a:headEnd type="none" w="med" len="med"/>
+                      <a:tailEnd type="none" w="med" len="med"/>
+                    </a:lnB>
+                    <a:solidFill>
+                      <a:srgbClr val="FFFFFF"/>
+                    </a:solidFill>
+                  </a:tcPr>
+                </a:tc>
+                <a:tc>
+                  <a:txBody>
+                    <a:bodyPr/>
+                    <a:lstStyle/>
+                    <a:p>
+                      <a:pPr rtl="0" fontAlgn="b"/>
+                      <a:endParaRPr lang="en-US" sz="1100">
+                        <a:effectLst/>
+                      </a:endParaRPr>
+                    </a:p>
+                  </a:txBody>
+                  <a:tcPr marL="14478" marR="14478" marT="0" marB="0" anchor="b">
+                    <a:lnL w="7620" cap="flat" cmpd="sng" algn="ctr">
+                      <a:solidFill>
+                        <a:srgbClr val="CCCCCC"/>
+                      </a:solidFill>
+                      <a:prstDash val="solid"/>
+                      <a:round/>
+                      <a:headEnd type="none" w="med" len="med"/>
+                      <a:tailEnd type="none" w="med" len="med"/>
+                    </a:lnL>
+                    <a:lnR w="7620" cap="flat" cmpd="sng" algn="ctr">
+                      <a:solidFill>
+                        <a:srgbClr val="CCCCCC"/>
+                      </a:solidFill>
+                      <a:prstDash val="solid"/>
+                      <a:round/>
+                      <a:headEnd type="none" w="med" len="med"/>
+                      <a:tailEnd type="none" w="med" len="med"/>
+                    </a:lnR>
+                    <a:lnT w="7620" cap="flat" cmpd="sng" algn="ctr">
+                      <a:solidFill>
+                        <a:srgbClr val="CCCCCC"/>
+                      </a:solidFill>
+                      <a:prstDash val="solid"/>
+                      <a:round/>
+                      <a:headEnd type="none" w="med" len="med"/>
+                      <a:tailEnd type="none" w="med" len="med"/>
+                    </a:lnT>
+                    <a:lnB w="7620" cap="flat" cmpd="sng" algn="ctr">
+                      <a:solidFill>
+                        <a:srgbClr val="CCCCCC"/>
+                      </a:solidFill>
+                      <a:prstDash val="solid"/>
+                      <a:round/>
+                      <a:headEnd type="none" w="med" len="med"/>
+                      <a:tailEnd type="none" w="med" len="med"/>
+                    </a:lnB>
+                    <a:solidFill>
+                      <a:srgbClr val="FFFFFF"/>
+                    </a:solidFill>
+                  </a:tcPr>
+                </a:tc>
+                <a:tc>
+                  <a:txBody>
+                    <a:bodyPr/>
+                    <a:lstStyle/>
+                    <a:p>
+                      <a:pPr rtl="0" fontAlgn="b"/>
+                      <a:endParaRPr lang="en-US" sz="1100">
+                        <a:effectLst/>
+                      </a:endParaRPr>
+                    </a:p>
+                  </a:txBody>
+                  <a:tcPr marL="14478" marR="14478" marT="0" marB="0" anchor="b">
+                    <a:lnL w="7620" cap="flat" cmpd="sng" algn="ctr">
+                      <a:solidFill>
+                        <a:srgbClr val="CCCCCC"/>
+                      </a:solidFill>
+                      <a:prstDash val="solid"/>
+                      <a:round/>
+                      <a:headEnd type="none" w="med" len="med"/>
+                      <a:tailEnd type="none" w="med" len="med"/>
+                    </a:lnL>
+                    <a:lnR w="7620" cap="flat" cmpd="sng" algn="ctr">
+                      <a:solidFill>
+                        <a:srgbClr val="CCCCCC"/>
+                      </a:solidFill>
+                      <a:prstDash val="solid"/>
+                      <a:round/>
+                      <a:headEnd type="none" w="med" len="med"/>
+                      <a:tailEnd type="none" w="med" len="med"/>
+                    </a:lnR>
+                    <a:lnT w="7620" cap="flat" cmpd="sng" algn="ctr">
+                      <a:solidFill>
+                        <a:srgbClr val="CCCCCC"/>
+                      </a:solidFill>
+                      <a:prstDash val="solid"/>
+                      <a:round/>
+                      <a:headEnd type="none" w="med" len="med"/>
+                      <a:tailEnd type="none" w="med" len="med"/>
+                    </a:lnT>
+                    <a:lnB w="7620" cap="flat" cmpd="sng" algn="ctr">
+                      <a:solidFill>
+                        <a:srgbClr val="CCCCCC"/>
+                      </a:solidFill>
+                      <a:prstDash val="solid"/>
+                      <a:round/>
+                      <a:headEnd type="none" w="med" len="med"/>
+                      <a:tailEnd type="none" w="med" len="med"/>
+                    </a:lnB>
+                    <a:solidFill>
+                      <a:srgbClr val="FFFFFF"/>
+                    </a:solidFill>
+                  </a:tcPr>
+                </a:tc>
+                <a:tc>
+                  <a:txBody>
+                    <a:bodyPr/>
+                    <a:lstStyle/>
+                    <a:p>
+                      <a:pPr rtl="0" fontAlgn="b"/>
+                      <a:endParaRPr lang="en-US" sz="1100">
+                        <a:effectLst/>
+                      </a:endParaRPr>
+                    </a:p>
+                  </a:txBody>
+                  <a:tcPr marL="14478" marR="14478" marT="0" marB="0" anchor="b">
+                    <a:lnL w="7620" cap="flat" cmpd="sng" algn="ctr">
+                      <a:solidFill>
+                        <a:srgbClr val="CCCCCC"/>
+                      </a:solidFill>
+                      <a:prstDash val="solid"/>
+                      <a:round/>
+                      <a:headEnd type="none" w="med" len="med"/>
+                      <a:tailEnd type="none" w="med" len="med"/>
+                    </a:lnL>
+                    <a:lnR w="7620" cap="flat" cmpd="sng" algn="ctr">
+                      <a:solidFill>
+                        <a:srgbClr val="CCCCCC"/>
+                      </a:solidFill>
+                      <a:prstDash val="solid"/>
+                      <a:round/>
+                      <a:headEnd type="none" w="med" len="med"/>
+                      <a:tailEnd type="none" w="med" len="med"/>
+                    </a:lnR>
+                    <a:lnT w="7620" cap="flat" cmpd="sng" algn="ctr">
+                      <a:solidFill>
+                        <a:srgbClr val="CCCCCC"/>
+                      </a:solidFill>
+                      <a:prstDash val="solid"/>
+                      <a:round/>
+                      <a:headEnd type="none" w="med" len="med"/>
+                      <a:tailEnd type="none" w="med" len="med"/>
+                    </a:lnT>
+                    <a:lnB w="7620" cap="flat" cmpd="sng" algn="ctr">
+                      <a:solidFill>
+                        <a:srgbClr val="CCCCCC"/>
+                      </a:solidFill>
+                      <a:prstDash val="solid"/>
+                      <a:round/>
+                      <a:headEnd type="none" w="med" len="med"/>
+                      <a:tailEnd type="none" w="med" len="med"/>
+                    </a:lnB>
+                    <a:solidFill>
+                      <a:srgbClr val="FFFFFF"/>
+                    </a:solidFill>
+                  </a:tcPr>
+                </a:tc>
+                <a:tc>
+                  <a:txBody>
+                    <a:bodyPr/>
+                    <a:lstStyle/>
+                    <a:p>
+                      <a:pPr rtl="0" fontAlgn="b"/>
+                      <a:endParaRPr lang="en-US" sz="1100">
+                        <a:effectLst/>
+                      </a:endParaRPr>
+                    </a:p>
+                  </a:txBody>
+                  <a:tcPr marL="14478" marR="14478" marT="0" marB="0" anchor="b">
+                    <a:lnL w="7620" cap="flat" cmpd="sng" algn="ctr">
+                      <a:solidFill>
+                        <a:srgbClr val="CCCCCC"/>
+                      </a:solidFill>
+                      <a:prstDash val="solid"/>
+                      <a:round/>
+                      <a:headEnd type="none" w="med" len="med"/>
+                      <a:tailEnd type="none" w="med" len="med"/>
+                    </a:lnL>
+                    <a:lnR w="7620" cap="flat" cmpd="sng" algn="ctr">
+                      <a:solidFill>
+                        <a:srgbClr val="CCCCCC"/>
+                      </a:solidFill>
+                      <a:prstDash val="solid"/>
+                      <a:round/>
+                      <a:headEnd type="none" w="med" len="med"/>
+                      <a:tailEnd type="none" w="med" len="med"/>
+                    </a:lnR>
+                    <a:lnT w="7620" cap="flat" cmpd="sng" algn="ctr">
+                      <a:solidFill>
+                        <a:srgbClr val="CCCCCC"/>
+                      </a:solidFill>
+                      <a:prstDash val="solid"/>
+                      <a:round/>
+                      <a:headEnd type="none" w="med" len="med"/>
+                      <a:tailEnd type="none" w="med" len="med"/>
+                    </a:lnT>
+                    <a:lnB w="7620" cap="flat" cmpd="sng" algn="ctr">
+                      <a:solidFill>
+                        <a:srgbClr val="CCCCCC"/>
+                      </a:solidFill>
+                      <a:prstDash val="solid"/>
+                      <a:round/>
+                      <a:headEnd type="none" w="med" len="med"/>
+                      <a:tailEnd type="none" w="med" len="med"/>
+                    </a:lnB>
+                    <a:solidFill>
+                      <a:srgbClr val="FFFF00"/>
+                    </a:solidFill>
+                  </a:tcPr>
+                </a:tc>
+                <a:tc>
+                  <a:txBody>
+                    <a:bodyPr/>
+                    <a:lstStyle/>
+                    <a:p>
+                      <a:pPr rtl="0" fontAlgn="b"/>
+                      <a:endParaRPr lang="en-US" sz="1100">
+                        <a:effectLst/>
+                      </a:endParaRPr>
+                    </a:p>
+                  </a:txBody>
+                  <a:tcPr marL="14478" marR="14478" marT="0" marB="0" anchor="b">
+                    <a:lnL w="7620" cap="flat" cmpd="sng" algn="ctr">
+                      <a:solidFill>
+                        <a:srgbClr val="CCCCCC"/>
+                      </a:solidFill>
+                      <a:prstDash val="solid"/>
+                      <a:round/>
+                      <a:headEnd type="none" w="med" len="med"/>
+                      <a:tailEnd type="none" w="med" len="med"/>
+                    </a:lnL>
+                    <a:lnR w="7620" cap="flat" cmpd="sng" algn="ctr">
+                      <a:solidFill>
+                        <a:srgbClr val="CCCCCC"/>
+                      </a:solidFill>
+                      <a:prstDash val="solid"/>
+                      <a:round/>
+                      <a:headEnd type="none" w="med" len="med"/>
+                      <a:tailEnd type="none" w="med" len="med"/>
+                    </a:lnR>
+                    <a:lnT w="7620" cap="flat" cmpd="sng" algn="ctr">
+                      <a:solidFill>
+                        <a:srgbClr val="CCCCCC"/>
+                      </a:solidFill>
+                      <a:prstDash val="solid"/>
+                      <a:round/>
+                      <a:headEnd type="none" w="med" len="med"/>
+                      <a:tailEnd type="none" w="med" len="med"/>
+                    </a:lnT>
+                    <a:lnB w="7620" cap="flat" cmpd="sng" algn="ctr">
+                      <a:solidFill>
+                        <a:srgbClr val="CCCCCC"/>
+                      </a:solidFill>
+                      <a:prstDash val="solid"/>
+                      <a:round/>
+                      <a:headEnd type="none" w="med" len="med"/>
+                      <a:tailEnd type="none" w="med" len="med"/>
+                    </a:lnB>
+                    <a:solidFill>
+                      <a:srgbClr val="FFFF00"/>
+                    </a:solidFill>
+                  </a:tcPr>
+                </a:tc>
+                <a:tc>
+                  <a:txBody>
+                    <a:bodyPr/>
+                    <a:lstStyle/>
+                    <a:p>
+                      <a:pPr rtl="0" fontAlgn="b"/>
+                      <a:endParaRPr lang="en-US" sz="1100">
+                        <a:effectLst/>
+                      </a:endParaRPr>
+                    </a:p>
+                  </a:txBody>
+                  <a:tcPr marL="14478" marR="14478" marT="0" marB="0" anchor="b">
+                    <a:lnL w="7620" cap="flat" cmpd="sng" algn="ctr">
+                      <a:solidFill>
+                        <a:srgbClr val="CCCCCC"/>
+                      </a:solidFill>
+                      <a:prstDash val="solid"/>
+                      <a:round/>
+                      <a:headEnd type="none" w="med" len="med"/>
+                      <a:tailEnd type="none" w="med" len="med"/>
+                    </a:lnL>
+                    <a:lnR w="7620" cap="flat" cmpd="sng" algn="ctr">
+                      <a:solidFill>
+                        <a:srgbClr val="000000"/>
+                      </a:solidFill>
+                      <a:prstDash val="solid"/>
+                      <a:round/>
+                      <a:headEnd type="none" w="med" len="med"/>
+                      <a:tailEnd type="none" w="med" len="med"/>
+                    </a:lnR>
+                    <a:lnT w="7620" cap="flat" cmpd="sng" algn="ctr">
+                      <a:solidFill>
+                        <a:srgbClr val="CCCCCC"/>
+                      </a:solidFill>
+                      <a:prstDash val="solid"/>
+                      <a:round/>
+                      <a:headEnd type="none" w="med" len="med"/>
+                      <a:tailEnd type="none" w="med" len="med"/>
+                    </a:lnT>
+                    <a:lnB w="7620" cap="flat" cmpd="sng" algn="ctr">
+                      <a:solidFill>
+                        <a:srgbClr val="CCCCCC"/>
+                      </a:solidFill>
+                      <a:prstDash val="solid"/>
+                      <a:round/>
+                      <a:headEnd type="none" w="med" len="med"/>
+                      <a:tailEnd type="none" w="med" len="med"/>
+                    </a:lnB>
+                  </a:tcPr>
+                </a:tc>
+              </a:tr>
+              <a:tr h="378755">
+                <a:tc>
+                  <a:txBody>
+                    <a:bodyPr/>
+                    <a:lstStyle/>
+                    <a:p>
+                      <a:pPr algn="l" rtl="0" fontAlgn="b"/>
+                      <a:r>
+                        <a:rPr lang="en-US" sz="1100">
+                          <a:effectLst/>
+                        </a:rPr>
+                        <a:t>Implementing Long Term Prediction - NN</a:t>
+                      </a:r>
+                    </a:p>
+                  </a:txBody>
+                  <a:tcPr marL="14478" marR="14478" marT="0" marB="0" anchor="b">
+                    <a:lnL w="7620" cap="flat" cmpd="sng" algn="ctr">
+                      <a:solidFill>
+                        <a:srgbClr val="000000"/>
+                      </a:solidFill>
+                      <a:prstDash val="solid"/>
+                      <a:round/>
+                      <a:headEnd type="none" w="med" len="med"/>
+                      <a:tailEnd type="none" w="med" len="med"/>
+                    </a:lnL>
+                    <a:lnR w="7620" cap="flat" cmpd="sng" algn="ctr">
+                      <a:solidFill>
+                        <a:srgbClr val="CCCCCC"/>
+                      </a:solidFill>
+                      <a:prstDash val="solid"/>
+                      <a:round/>
+                      <a:headEnd type="none" w="med" len="med"/>
+                      <a:tailEnd type="none" w="med" len="med"/>
+                    </a:lnR>
+                    <a:lnT w="7620" cap="flat" cmpd="sng" algn="ctr">
+                      <a:solidFill>
+                        <a:srgbClr val="CCCCCC"/>
+                      </a:solidFill>
+                      <a:prstDash val="solid"/>
+                      <a:round/>
+                      <a:headEnd type="none" w="med" len="med"/>
+                      <a:tailEnd type="none" w="med" len="med"/>
+                    </a:lnT>
+                    <a:lnB w="7620" cap="flat" cmpd="sng" algn="ctr">
+                      <a:solidFill>
+                        <a:srgbClr val="CCCCCC"/>
+                      </a:solidFill>
+                      <a:prstDash val="solid"/>
+                      <a:round/>
+                      <a:headEnd type="none" w="med" len="med"/>
+                      <a:tailEnd type="none" w="med" len="med"/>
+                    </a:lnB>
+                    <a:solidFill>
+                      <a:srgbClr val="FFFFFF"/>
+                    </a:solidFill>
+                  </a:tcPr>
+                </a:tc>
+                <a:tc>
+                  <a:txBody>
+                    <a:bodyPr/>
+                    <a:lstStyle/>
+                    <a:p>
+                      <a:pPr rtl="0" fontAlgn="b"/>
+                      <a:endParaRPr lang="en-US" sz="1100">
+                        <a:effectLst/>
+                      </a:endParaRPr>
+                    </a:p>
+                  </a:txBody>
+                  <a:tcPr marL="14478" marR="14478" marT="0" marB="0" anchor="b">
+                    <a:lnL w="7620" cap="flat" cmpd="sng" algn="ctr">
+                      <a:solidFill>
+                        <a:srgbClr val="CCCCCC"/>
+                      </a:solidFill>
+                      <a:prstDash val="solid"/>
+                      <a:round/>
+                      <a:headEnd type="none" w="med" len="med"/>
+                      <a:tailEnd type="none" w="med" len="med"/>
+                    </a:lnL>
+                    <a:lnR w="7620" cap="flat" cmpd="sng" algn="ctr">
+                      <a:solidFill>
+                        <a:srgbClr val="CCCCCC"/>
+                      </a:solidFill>
+                      <a:prstDash val="solid"/>
+                      <a:round/>
+                      <a:headEnd type="none" w="med" len="med"/>
+                      <a:tailEnd type="none" w="med" len="med"/>
+                    </a:lnR>
+                    <a:lnT w="7620" cap="flat" cmpd="sng" algn="ctr">
+                      <a:solidFill>
+                        <a:srgbClr val="CCCCCC"/>
+                      </a:solidFill>
+                      <a:prstDash val="solid"/>
+                      <a:round/>
+                      <a:headEnd type="none" w="med" len="med"/>
+                      <a:tailEnd type="none" w="med" len="med"/>
+                    </a:lnT>
+                    <a:lnB w="7620" cap="flat" cmpd="sng" algn="ctr">
+                      <a:solidFill>
+                        <a:srgbClr val="CCCCCC"/>
+                      </a:solidFill>
+                      <a:prstDash val="solid"/>
+                      <a:round/>
+                      <a:headEnd type="none" w="med" len="med"/>
+                      <a:tailEnd type="none" w="med" len="med"/>
+                    </a:lnB>
+                  </a:tcPr>
+                </a:tc>
+                <a:tc>
+                  <a:txBody>
+                    <a:bodyPr/>
+                    <a:lstStyle/>
+                    <a:p>
+                      <a:pPr rtl="0" fontAlgn="b"/>
+                      <a:endParaRPr lang="en-US" sz="1100">
+                        <a:effectLst/>
+                      </a:endParaRPr>
+                    </a:p>
+                  </a:txBody>
+                  <a:tcPr marL="14478" marR="14478" marT="0" marB="0" anchor="b">
+                    <a:lnL w="7620" cap="flat" cmpd="sng" algn="ctr">
+                      <a:solidFill>
+                        <a:srgbClr val="CCCCCC"/>
+                      </a:solidFill>
+                      <a:prstDash val="solid"/>
+                      <a:round/>
+                      <a:headEnd type="none" w="med" len="med"/>
+                      <a:tailEnd type="none" w="med" len="med"/>
+                    </a:lnL>
+                    <a:lnR w="7620" cap="flat" cmpd="sng" algn="ctr">
+                      <a:solidFill>
+                        <a:srgbClr val="CCCCCC"/>
+                      </a:solidFill>
+                      <a:prstDash val="solid"/>
+                      <a:round/>
+                      <a:headEnd type="none" w="med" len="med"/>
+                      <a:tailEnd type="none" w="med" len="med"/>
+                    </a:lnR>
+                    <a:lnT w="7620" cap="flat" cmpd="sng" algn="ctr">
+                      <a:solidFill>
+                        <a:srgbClr val="CCCCCC"/>
+                      </a:solidFill>
+                      <a:prstDash val="solid"/>
+                      <a:round/>
+                      <a:headEnd type="none" w="med" len="med"/>
+                      <a:tailEnd type="none" w="med" len="med"/>
+                    </a:lnT>
+                    <a:lnB w="7620" cap="flat" cmpd="sng" algn="ctr">
+                      <a:solidFill>
+                        <a:srgbClr val="CCCCCC"/>
+                      </a:solidFill>
+                      <a:prstDash val="solid"/>
+                      <a:round/>
+                      <a:headEnd type="none" w="med" len="med"/>
+                      <a:tailEnd type="none" w="med" len="med"/>
+                    </a:lnB>
+                    <a:solidFill>
+                      <a:srgbClr val="FFFFFF"/>
+                    </a:solidFill>
+                  </a:tcPr>
+                </a:tc>
+                <a:tc>
+                  <a:txBody>
+                    <a:bodyPr/>
+                    <a:lstStyle/>
+                    <a:p>
+                      <a:pPr rtl="0" fontAlgn="b"/>
+                      <a:endParaRPr lang="en-US" sz="1100">
+                        <a:effectLst/>
+                      </a:endParaRPr>
+                    </a:p>
+                  </a:txBody>
+                  <a:tcPr marL="14478" marR="14478" marT="0" marB="0" anchor="b">
+                    <a:lnL w="7620" cap="flat" cmpd="sng" algn="ctr">
+                      <a:solidFill>
+                        <a:srgbClr val="CCCCCC"/>
+                      </a:solidFill>
+                      <a:prstDash val="solid"/>
+                      <a:round/>
+                      <a:headEnd type="none" w="med" len="med"/>
+                      <a:tailEnd type="none" w="med" len="med"/>
+                    </a:lnL>
+                    <a:lnR w="7620" cap="flat" cmpd="sng" algn="ctr">
+                      <a:solidFill>
+                        <a:srgbClr val="CCCCCC"/>
+                      </a:solidFill>
+                      <a:prstDash val="solid"/>
+                      <a:round/>
+                      <a:headEnd type="none" w="med" len="med"/>
+                      <a:tailEnd type="none" w="med" len="med"/>
+                    </a:lnR>
+                    <a:lnT w="7620" cap="flat" cmpd="sng" algn="ctr">
+                      <a:solidFill>
+                        <a:srgbClr val="CCCCCC"/>
+                      </a:solidFill>
+                      <a:prstDash val="solid"/>
+                      <a:round/>
+                      <a:headEnd type="none" w="med" len="med"/>
+                      <a:tailEnd type="none" w="med" len="med"/>
+                    </a:lnT>
+                    <a:lnB w="7620" cap="flat" cmpd="sng" algn="ctr">
+                      <a:solidFill>
+                        <a:srgbClr val="CCCCCC"/>
+                      </a:solidFill>
+                      <a:prstDash val="solid"/>
+                      <a:round/>
+                      <a:headEnd type="none" w="med" len="med"/>
+                      <a:tailEnd type="none" w="med" len="med"/>
+                    </a:lnB>
+                    <a:solidFill>
+                      <a:srgbClr val="FFFFFF"/>
+                    </a:solidFill>
+                  </a:tcPr>
+                </a:tc>
+                <a:tc>
+                  <a:txBody>
+                    <a:bodyPr/>
+                    <a:lstStyle/>
+                    <a:p>
+                      <a:pPr rtl="0" fontAlgn="b"/>
+                      <a:endParaRPr lang="en-US" sz="1100">
+                        <a:effectLst/>
+                      </a:endParaRPr>
+                    </a:p>
+                  </a:txBody>
+                  <a:tcPr marL="14478" marR="14478" marT="0" marB="0" anchor="b">
+                    <a:lnL w="7620" cap="flat" cmpd="sng" algn="ctr">
+                      <a:solidFill>
+                        <a:srgbClr val="CCCCCC"/>
+                      </a:solidFill>
+                      <a:prstDash val="solid"/>
+                      <a:round/>
+                      <a:headEnd type="none" w="med" len="med"/>
+                      <a:tailEnd type="none" w="med" len="med"/>
+                    </a:lnL>
+                    <a:lnR w="7620" cap="flat" cmpd="sng" algn="ctr">
+                      <a:solidFill>
+                        <a:srgbClr val="CCCCCC"/>
+                      </a:solidFill>
+                      <a:prstDash val="solid"/>
+                      <a:round/>
+                      <a:headEnd type="none" w="med" len="med"/>
+                      <a:tailEnd type="none" w="med" len="med"/>
+                    </a:lnR>
+                    <a:lnT w="7620" cap="flat" cmpd="sng" algn="ctr">
+                      <a:solidFill>
+                        <a:srgbClr val="CCCCCC"/>
+                      </a:solidFill>
+                      <a:prstDash val="solid"/>
+                      <a:round/>
+                      <a:headEnd type="none" w="med" len="med"/>
+                      <a:tailEnd type="none" w="med" len="med"/>
+                    </a:lnT>
+                    <a:lnB w="7620" cap="flat" cmpd="sng" algn="ctr">
+                      <a:solidFill>
+                        <a:srgbClr val="CCCCCC"/>
+                      </a:solidFill>
+                      <a:prstDash val="solid"/>
+                      <a:round/>
+                      <a:headEnd type="none" w="med" len="med"/>
+                      <a:tailEnd type="none" w="med" len="med"/>
+                    </a:lnB>
+                    <a:solidFill>
+                      <a:srgbClr val="FFFFFF"/>
+                    </a:solidFill>
+                  </a:tcPr>
+                </a:tc>
+                <a:tc>
+                  <a:txBody>
+                    <a:bodyPr/>
+                    <a:lstStyle/>
+                    <a:p>
+                      <a:pPr rtl="0" fontAlgn="b"/>
+                      <a:endParaRPr lang="en-US" sz="1100">
+                        <a:effectLst/>
+                      </a:endParaRPr>
+                    </a:p>
+                  </a:txBody>
+                  <a:tcPr marL="14478" marR="14478" marT="0" marB="0" anchor="b">
+                    <a:lnL w="7620" cap="flat" cmpd="sng" algn="ctr">
+                      <a:solidFill>
+                        <a:srgbClr val="CCCCCC"/>
+                      </a:solidFill>
+                      <a:prstDash val="solid"/>
+                      <a:round/>
+                      <a:headEnd type="none" w="med" len="med"/>
+                      <a:tailEnd type="none" w="med" len="med"/>
+                    </a:lnL>
+                    <a:lnR w="7620" cap="flat" cmpd="sng" algn="ctr">
+                      <a:solidFill>
+                        <a:srgbClr val="CCCCCC"/>
+                      </a:solidFill>
+                      <a:prstDash val="solid"/>
+                      <a:round/>
+                      <a:headEnd type="none" w="med" len="med"/>
+                      <a:tailEnd type="none" w="med" len="med"/>
+                    </a:lnR>
+                    <a:lnT w="7620" cap="flat" cmpd="sng" algn="ctr">
+                      <a:solidFill>
+                        <a:srgbClr val="CCCCCC"/>
+                      </a:solidFill>
+                      <a:prstDash val="solid"/>
+                      <a:round/>
+                      <a:headEnd type="none" w="med" len="med"/>
+                      <a:tailEnd type="none" w="med" len="med"/>
+                    </a:lnT>
+                    <a:lnB w="7620" cap="flat" cmpd="sng" algn="ctr">
+                      <a:solidFill>
+                        <a:srgbClr val="CCCCCC"/>
+                      </a:solidFill>
+                      <a:prstDash val="solid"/>
+                      <a:round/>
+                      <a:headEnd type="none" w="med" len="med"/>
+                      <a:tailEnd type="none" w="med" len="med"/>
+                    </a:lnB>
+                    <a:solidFill>
+                      <a:srgbClr val="008000"/>
+                    </a:solidFill>
+                  </a:tcPr>
+                </a:tc>
+                <a:tc>
+                  <a:txBody>
+                    <a:bodyPr/>
+                    <a:lstStyle/>
+                    <a:p>
+                      <a:pPr rtl="0" fontAlgn="b"/>
+                      <a:endParaRPr lang="en-US" sz="1100">
+                        <a:effectLst/>
+                      </a:endParaRPr>
+                    </a:p>
+                  </a:txBody>
+                  <a:tcPr marL="14478" marR="14478" marT="0" marB="0" anchor="b">
+                    <a:lnL w="7620" cap="flat" cmpd="sng" algn="ctr">
+                      <a:solidFill>
+                        <a:srgbClr val="CCCCCC"/>
+                      </a:solidFill>
+                      <a:prstDash val="solid"/>
+                      <a:round/>
+                      <a:headEnd type="none" w="med" len="med"/>
+                      <a:tailEnd type="none" w="med" len="med"/>
+                    </a:lnL>
+                    <a:lnR w="7620" cap="flat" cmpd="sng" algn="ctr">
+                      <a:solidFill>
+                        <a:srgbClr val="CCCCCC"/>
+                      </a:solidFill>
+                      <a:prstDash val="solid"/>
+                      <a:round/>
+                      <a:headEnd type="none" w="med" len="med"/>
+                      <a:tailEnd type="none" w="med" len="med"/>
+                    </a:lnR>
+                    <a:lnT w="7620" cap="flat" cmpd="sng" algn="ctr">
+                      <a:solidFill>
+                        <a:srgbClr val="CCCCCC"/>
+                      </a:solidFill>
+                      <a:prstDash val="solid"/>
+                      <a:round/>
+                      <a:headEnd type="none" w="med" len="med"/>
+                      <a:tailEnd type="none" w="med" len="med"/>
+                    </a:lnT>
+                    <a:lnB w="7620" cap="flat" cmpd="sng" algn="ctr">
+                      <a:solidFill>
+                        <a:srgbClr val="CCCCCC"/>
+                      </a:solidFill>
+                      <a:prstDash val="solid"/>
+                      <a:round/>
+                      <a:headEnd type="none" w="med" len="med"/>
+                      <a:tailEnd type="none" w="med" len="med"/>
+                    </a:lnB>
+                    <a:solidFill>
+                      <a:srgbClr val="FFFF00"/>
+                    </a:solidFill>
+                  </a:tcPr>
+                </a:tc>
+                <a:tc>
+                  <a:txBody>
+                    <a:bodyPr/>
+                    <a:lstStyle/>
+                    <a:p>
+                      <a:pPr rtl="0" fontAlgn="b"/>
+                      <a:endParaRPr lang="en-US" sz="1100">
+                        <a:effectLst/>
+                      </a:endParaRPr>
+                    </a:p>
+                  </a:txBody>
+                  <a:tcPr marL="14478" marR="14478" marT="0" marB="0" anchor="b">
+                    <a:lnL w="7620" cap="flat" cmpd="sng" algn="ctr">
+                      <a:solidFill>
+                        <a:srgbClr val="CCCCCC"/>
+                      </a:solidFill>
+                      <a:prstDash val="solid"/>
+                      <a:round/>
+                      <a:headEnd type="none" w="med" len="med"/>
+                      <a:tailEnd type="none" w="med" len="med"/>
+                    </a:lnL>
+                    <a:lnR w="7620" cap="flat" cmpd="sng" algn="ctr">
+                      <a:solidFill>
+                        <a:srgbClr val="CCCCCC"/>
+                      </a:solidFill>
+                      <a:prstDash val="solid"/>
+                      <a:round/>
+                      <a:headEnd type="none" w="med" len="med"/>
+                      <a:tailEnd type="none" w="med" len="med"/>
+                    </a:lnR>
+                    <a:lnT w="7620" cap="flat" cmpd="sng" algn="ctr">
+                      <a:solidFill>
+                        <a:srgbClr val="CCCCCC"/>
+                      </a:solidFill>
+                      <a:prstDash val="solid"/>
+                      <a:round/>
+                      <a:headEnd type="none" w="med" len="med"/>
+                      <a:tailEnd type="none" w="med" len="med"/>
+                    </a:lnT>
+                    <a:lnB w="7620" cap="flat" cmpd="sng" algn="ctr">
+                      <a:solidFill>
+                        <a:srgbClr val="CCCCCC"/>
+                      </a:solidFill>
+                      <a:prstDash val="solid"/>
+                      <a:round/>
+                      <a:headEnd type="none" w="med" len="med"/>
+                      <a:tailEnd type="none" w="med" len="med"/>
+                    </a:lnB>
+                    <a:solidFill>
+                      <a:srgbClr val="FFFF00"/>
+                    </a:solidFill>
+                  </a:tcPr>
+                </a:tc>
+                <a:tc>
+                  <a:txBody>
+                    <a:bodyPr/>
+                    <a:lstStyle/>
+                    <a:p>
+                      <a:pPr rtl="0" fontAlgn="b"/>
+                      <a:endParaRPr lang="en-US" sz="1100">
+                        <a:effectLst/>
+                      </a:endParaRPr>
+                    </a:p>
+                  </a:txBody>
+                  <a:tcPr marL="14478" marR="14478" marT="0" marB="0" anchor="b">
+                    <a:lnL w="7620" cap="flat" cmpd="sng" algn="ctr">
+                      <a:solidFill>
+                        <a:srgbClr val="CCCCCC"/>
+                      </a:solidFill>
+                      <a:prstDash val="solid"/>
+                      <a:round/>
+                      <a:headEnd type="none" w="med" len="med"/>
+                      <a:tailEnd type="none" w="med" len="med"/>
+                    </a:lnL>
+                    <a:lnR w="7620" cap="flat" cmpd="sng" algn="ctr">
+                      <a:solidFill>
+                        <a:srgbClr val="000000"/>
+                      </a:solidFill>
+                      <a:prstDash val="solid"/>
+                      <a:round/>
+                      <a:headEnd type="none" w="med" len="med"/>
+                      <a:tailEnd type="none" w="med" len="med"/>
+                    </a:lnR>
+                    <a:lnT w="7620" cap="flat" cmpd="sng" algn="ctr">
+                      <a:solidFill>
+                        <a:srgbClr val="CCCCCC"/>
+                      </a:solidFill>
+                      <a:prstDash val="solid"/>
+                      <a:round/>
+                      <a:headEnd type="none" w="med" len="med"/>
+                      <a:tailEnd type="none" w="med" len="med"/>
+                    </a:lnT>
+                    <a:lnB w="7620" cap="flat" cmpd="sng" algn="ctr">
+                      <a:solidFill>
+                        <a:srgbClr val="CCCCCC"/>
+                      </a:solidFill>
+                      <a:prstDash val="solid"/>
+                      <a:round/>
+                      <a:headEnd type="none" w="med" len="med"/>
+                      <a:tailEnd type="none" w="med" len="med"/>
+                    </a:lnB>
+                  </a:tcPr>
+                </a:tc>
+              </a:tr>
+              <a:tr h="378755">
+                <a:tc>
+                  <a:txBody>
+                    <a:bodyPr/>
+                    <a:lstStyle/>
+                    <a:p>
+                      <a:pPr algn="l" rtl="0" fontAlgn="b"/>
+                      <a:r>
+                        <a:rPr lang="en-US" sz="1100">
+                          <a:effectLst/>
+                        </a:rPr>
+                        <a:t>Integrating Google Trends in Application</a:t>
+                      </a:r>
+                    </a:p>
+                  </a:txBody>
+                  <a:tcPr marL="14478" marR="14478" marT="0" marB="0" anchor="b">
+                    <a:lnL w="7620" cap="flat" cmpd="sng" algn="ctr">
+                      <a:solidFill>
+                        <a:srgbClr val="000000"/>
+                      </a:solidFill>
+                      <a:prstDash val="solid"/>
+                      <a:round/>
+                      <a:headEnd type="none" w="med" len="med"/>
+                      <a:tailEnd type="none" w="med" len="med"/>
+                    </a:lnL>
+                    <a:lnR w="7620" cap="flat" cmpd="sng" algn="ctr">
+                      <a:solidFill>
+                        <a:srgbClr val="CCCCCC"/>
+                      </a:solidFill>
+                      <a:prstDash val="solid"/>
+                      <a:round/>
+                      <a:headEnd type="none" w="med" len="med"/>
+                      <a:tailEnd type="none" w="med" len="med"/>
+                    </a:lnR>
+                    <a:lnT w="7620" cap="flat" cmpd="sng" algn="ctr">
+                      <a:solidFill>
+                        <a:srgbClr val="CCCCCC"/>
+                      </a:solidFill>
+                      <a:prstDash val="solid"/>
+                      <a:round/>
+                      <a:headEnd type="none" w="med" len="med"/>
+                      <a:tailEnd type="none" w="med" len="med"/>
+                    </a:lnT>
+                    <a:lnB w="7620" cap="flat" cmpd="sng" algn="ctr">
+                      <a:solidFill>
+                        <a:srgbClr val="CCCCCC"/>
+                      </a:solidFill>
+                      <a:prstDash val="solid"/>
+                      <a:round/>
+                      <a:headEnd type="none" w="med" len="med"/>
+                      <a:tailEnd type="none" w="med" len="med"/>
+                    </a:lnB>
+                    <a:solidFill>
+                      <a:srgbClr val="FFFFFF"/>
+                    </a:solidFill>
+                  </a:tcPr>
+                </a:tc>
+                <a:tc>
+                  <a:txBody>
+                    <a:bodyPr/>
+                    <a:lstStyle/>
+                    <a:p>
+                      <a:pPr rtl="0" fontAlgn="b"/>
+                      <a:endParaRPr lang="en-US" sz="1100">
+                        <a:effectLst/>
+                      </a:endParaRPr>
+                    </a:p>
+                  </a:txBody>
+                  <a:tcPr marL="14478" marR="14478" marT="0" marB="0" anchor="b">
+                    <a:lnL w="7620" cap="flat" cmpd="sng" algn="ctr">
+                      <a:solidFill>
+                        <a:srgbClr val="CCCCCC"/>
+                      </a:solidFill>
+                      <a:prstDash val="solid"/>
+                      <a:round/>
+                      <a:headEnd type="none" w="med" len="med"/>
+                      <a:tailEnd type="none" w="med" len="med"/>
+                    </a:lnL>
+                    <a:lnR w="7620" cap="flat" cmpd="sng" algn="ctr">
+                      <a:solidFill>
+                        <a:srgbClr val="CCCCCC"/>
+                      </a:solidFill>
+                      <a:prstDash val="solid"/>
+                      <a:round/>
+                      <a:headEnd type="none" w="med" len="med"/>
+                      <a:tailEnd type="none" w="med" len="med"/>
+                    </a:lnR>
+                    <a:lnT w="7620" cap="flat" cmpd="sng" algn="ctr">
+                      <a:solidFill>
+                        <a:srgbClr val="CCCCCC"/>
+                      </a:solidFill>
+                      <a:prstDash val="solid"/>
+                      <a:round/>
+                      <a:headEnd type="none" w="med" len="med"/>
+                      <a:tailEnd type="none" w="med" len="med"/>
+                    </a:lnT>
+                    <a:lnB w="7620" cap="flat" cmpd="sng" algn="ctr">
+                      <a:solidFill>
+                        <a:srgbClr val="CCCCCC"/>
+                      </a:solidFill>
+                      <a:prstDash val="solid"/>
+                      <a:round/>
+                      <a:headEnd type="none" w="med" len="med"/>
+                      <a:tailEnd type="none" w="med" len="med"/>
+                    </a:lnB>
+                  </a:tcPr>
+                </a:tc>
+                <a:tc>
+                  <a:txBody>
+                    <a:bodyPr/>
+                    <a:lstStyle/>
+                    <a:p>
+                      <a:pPr rtl="0" fontAlgn="b"/>
+                      <a:endParaRPr lang="en-US" sz="1100">
+                        <a:effectLst/>
+                      </a:endParaRPr>
+                    </a:p>
+                  </a:txBody>
+                  <a:tcPr marL="14478" marR="14478" marT="0" marB="0" anchor="b">
+                    <a:lnL w="7620" cap="flat" cmpd="sng" algn="ctr">
+                      <a:solidFill>
+                        <a:srgbClr val="CCCCCC"/>
+                      </a:solidFill>
+                      <a:prstDash val="solid"/>
+                      <a:round/>
+                      <a:headEnd type="none" w="med" len="med"/>
+                      <a:tailEnd type="none" w="med" len="med"/>
+                    </a:lnL>
+                    <a:lnR w="7620" cap="flat" cmpd="sng" algn="ctr">
+                      <a:solidFill>
+                        <a:srgbClr val="CCCCCC"/>
+                      </a:solidFill>
+                      <a:prstDash val="solid"/>
+                      <a:round/>
+                      <a:headEnd type="none" w="med" len="med"/>
+                      <a:tailEnd type="none" w="med" len="med"/>
+                    </a:lnR>
+                    <a:lnT w="7620" cap="flat" cmpd="sng" algn="ctr">
+                      <a:solidFill>
+                        <a:srgbClr val="CCCCCC"/>
+                      </a:solidFill>
+                      <a:prstDash val="solid"/>
+                      <a:round/>
+                      <a:headEnd type="none" w="med" len="med"/>
+                      <a:tailEnd type="none" w="med" len="med"/>
+                    </a:lnT>
+                    <a:lnB w="7620" cap="flat" cmpd="sng" algn="ctr">
+                      <a:solidFill>
+                        <a:srgbClr val="CCCCCC"/>
+                      </a:solidFill>
+                      <a:prstDash val="solid"/>
+                      <a:round/>
+                      <a:headEnd type="none" w="med" len="med"/>
+                      <a:tailEnd type="none" w="med" len="med"/>
+                    </a:lnB>
+                    <a:solidFill>
+                      <a:srgbClr val="FFFFFF"/>
+                    </a:solidFill>
+                  </a:tcPr>
+                </a:tc>
+                <a:tc>
+                  <a:txBody>
+                    <a:bodyPr/>
+                    <a:lstStyle/>
+                    <a:p>
+                      <a:pPr rtl="0" fontAlgn="b"/>
+                      <a:endParaRPr lang="en-US" sz="1100">
+                        <a:effectLst/>
+                      </a:endParaRPr>
+                    </a:p>
+                  </a:txBody>
+                  <a:tcPr marL="14478" marR="14478" marT="0" marB="0" anchor="b">
+                    <a:lnL w="7620" cap="flat" cmpd="sng" algn="ctr">
+                      <a:solidFill>
+                        <a:srgbClr val="CCCCCC"/>
+                      </a:solidFill>
+                      <a:prstDash val="solid"/>
+                      <a:round/>
+                      <a:headEnd type="none" w="med" len="med"/>
+                      <a:tailEnd type="none" w="med" len="med"/>
+                    </a:lnL>
+                    <a:lnR w="7620" cap="flat" cmpd="sng" algn="ctr">
+                      <a:solidFill>
+                        <a:srgbClr val="CCCCCC"/>
+                      </a:solidFill>
+                      <a:prstDash val="solid"/>
+                      <a:round/>
+                      <a:headEnd type="none" w="med" len="med"/>
+                      <a:tailEnd type="none" w="med" len="med"/>
+                    </a:lnR>
+                    <a:lnT w="7620" cap="flat" cmpd="sng" algn="ctr">
+                      <a:solidFill>
+                        <a:srgbClr val="CCCCCC"/>
+                      </a:solidFill>
+                      <a:prstDash val="solid"/>
+                      <a:round/>
+                      <a:headEnd type="none" w="med" len="med"/>
+                      <a:tailEnd type="none" w="med" len="med"/>
+                    </a:lnT>
+                    <a:lnB w="7620" cap="flat" cmpd="sng" algn="ctr">
+                      <a:solidFill>
+                        <a:srgbClr val="CCCCCC"/>
+                      </a:solidFill>
+                      <a:prstDash val="solid"/>
+                      <a:round/>
+                      <a:headEnd type="none" w="med" len="med"/>
+                      <a:tailEnd type="none" w="med" len="med"/>
+                    </a:lnB>
+                    <a:solidFill>
+                      <a:srgbClr val="FFFFFF"/>
+                    </a:solidFill>
+                  </a:tcPr>
+                </a:tc>
+                <a:tc>
+                  <a:txBody>
+                    <a:bodyPr/>
+                    <a:lstStyle/>
+                    <a:p>
+                      <a:pPr rtl="0" fontAlgn="b"/>
+                      <a:endParaRPr lang="en-US" sz="1100">
+                        <a:effectLst/>
+                      </a:endParaRPr>
+                    </a:p>
+                  </a:txBody>
+                  <a:tcPr marL="14478" marR="14478" marT="0" marB="0" anchor="b">
+                    <a:lnL w="7620" cap="flat" cmpd="sng" algn="ctr">
+                      <a:solidFill>
+                        <a:srgbClr val="CCCCCC"/>
+                      </a:solidFill>
+                      <a:prstDash val="solid"/>
+                      <a:round/>
+                      <a:headEnd type="none" w="med" len="med"/>
+                      <a:tailEnd type="none" w="med" len="med"/>
+                    </a:lnL>
+                    <a:lnR w="7620" cap="flat" cmpd="sng" algn="ctr">
+                      <a:solidFill>
+                        <a:srgbClr val="CCCCCC"/>
+                      </a:solidFill>
+                      <a:prstDash val="solid"/>
+                      <a:round/>
+                      <a:headEnd type="none" w="med" len="med"/>
+                      <a:tailEnd type="none" w="med" len="med"/>
+                    </a:lnR>
+                    <a:lnT w="7620" cap="flat" cmpd="sng" algn="ctr">
+                      <a:solidFill>
+                        <a:srgbClr val="CCCCCC"/>
+                      </a:solidFill>
+                      <a:prstDash val="solid"/>
+                      <a:round/>
+                      <a:headEnd type="none" w="med" len="med"/>
+                      <a:tailEnd type="none" w="med" len="med"/>
+                    </a:lnT>
+                    <a:lnB w="7620" cap="flat" cmpd="sng" algn="ctr">
+                      <a:solidFill>
+                        <a:srgbClr val="CCCCCC"/>
+                      </a:solidFill>
+                      <a:prstDash val="solid"/>
+                      <a:round/>
+                      <a:headEnd type="none" w="med" len="med"/>
+                      <a:tailEnd type="none" w="med" len="med"/>
+                    </a:lnB>
+                    <a:solidFill>
+                      <a:srgbClr val="FFFFFF"/>
+                    </a:solidFill>
+                  </a:tcPr>
+                </a:tc>
+                <a:tc>
+                  <a:txBody>
+                    <a:bodyPr/>
+                    <a:lstStyle/>
+                    <a:p>
+                      <a:pPr rtl="0" fontAlgn="b"/>
+                      <a:endParaRPr lang="en-US" sz="1100">
+                        <a:effectLst/>
+                      </a:endParaRPr>
+                    </a:p>
+                  </a:txBody>
+                  <a:tcPr marL="14478" marR="14478" marT="0" marB="0" anchor="b">
+                    <a:lnL w="7620" cap="flat" cmpd="sng" algn="ctr">
+                      <a:solidFill>
+                        <a:srgbClr val="CCCCCC"/>
+                      </a:solidFill>
+                      <a:prstDash val="solid"/>
+                      <a:round/>
+                      <a:headEnd type="none" w="med" len="med"/>
+                      <a:tailEnd type="none" w="med" len="med"/>
+                    </a:lnL>
+                    <a:lnR w="7620" cap="flat" cmpd="sng" algn="ctr">
+                      <a:solidFill>
+                        <a:srgbClr val="CCCCCC"/>
+                      </a:solidFill>
+                      <a:prstDash val="solid"/>
+                      <a:round/>
+                      <a:headEnd type="none" w="med" len="med"/>
+                      <a:tailEnd type="none" w="med" len="med"/>
+                    </a:lnR>
+                    <a:lnT w="7620" cap="flat" cmpd="sng" algn="ctr">
+                      <a:solidFill>
+                        <a:srgbClr val="CCCCCC"/>
+                      </a:solidFill>
+                      <a:prstDash val="solid"/>
+                      <a:round/>
+                      <a:headEnd type="none" w="med" len="med"/>
+                      <a:tailEnd type="none" w="med" len="med"/>
+                    </a:lnT>
+                    <a:lnB w="7620" cap="flat" cmpd="sng" algn="ctr">
+                      <a:solidFill>
+                        <a:srgbClr val="CCCCCC"/>
+                      </a:solidFill>
+                      <a:prstDash val="solid"/>
+                      <a:round/>
+                      <a:headEnd type="none" w="med" len="med"/>
+                      <a:tailEnd type="none" w="med" len="med"/>
+                    </a:lnB>
+                    <a:solidFill>
+                      <a:srgbClr val="FFFFFF"/>
+                    </a:solidFill>
+                  </a:tcPr>
+                </a:tc>
+                <a:tc>
+                  <a:txBody>
+                    <a:bodyPr/>
+                    <a:lstStyle/>
+                    <a:p>
+                      <a:pPr rtl="0" fontAlgn="b"/>
+                      <a:endParaRPr lang="en-US" sz="1100">
+                        <a:effectLst/>
+                      </a:endParaRPr>
+                    </a:p>
+                  </a:txBody>
+                  <a:tcPr marL="14478" marR="14478" marT="0" marB="0" anchor="b">
+                    <a:lnL w="7620" cap="flat" cmpd="sng" algn="ctr">
+                      <a:solidFill>
+                        <a:srgbClr val="CCCCCC"/>
+                      </a:solidFill>
+                      <a:prstDash val="solid"/>
+                      <a:round/>
+                      <a:headEnd type="none" w="med" len="med"/>
+                      <a:tailEnd type="none" w="med" len="med"/>
+                    </a:lnL>
+                    <a:lnR w="7620" cap="flat" cmpd="sng" algn="ctr">
+                      <a:solidFill>
+                        <a:srgbClr val="CCCCCC"/>
+                      </a:solidFill>
+                      <a:prstDash val="solid"/>
+                      <a:round/>
+                      <a:headEnd type="none" w="med" len="med"/>
+                      <a:tailEnd type="none" w="med" len="med"/>
+                    </a:lnR>
+                    <a:lnT w="7620" cap="flat" cmpd="sng" algn="ctr">
+                      <a:solidFill>
+                        <a:srgbClr val="CCCCCC"/>
+                      </a:solidFill>
+                      <a:prstDash val="solid"/>
+                      <a:round/>
+                      <a:headEnd type="none" w="med" len="med"/>
+                      <a:tailEnd type="none" w="med" len="med"/>
+                    </a:lnT>
+                    <a:lnB w="7620" cap="flat" cmpd="sng" algn="ctr">
+                      <a:solidFill>
+                        <a:srgbClr val="CCCCCC"/>
+                      </a:solidFill>
+                      <a:prstDash val="solid"/>
+                      <a:round/>
+                      <a:headEnd type="none" w="med" len="med"/>
+                      <a:tailEnd type="none" w="med" len="med"/>
+                    </a:lnB>
+                    <a:solidFill>
+                      <a:srgbClr val="FFFF00"/>
+                    </a:solidFill>
+                  </a:tcPr>
+                </a:tc>
+                <a:tc>
+                  <a:txBody>
+                    <a:bodyPr/>
+                    <a:lstStyle/>
+                    <a:p>
+                      <a:pPr rtl="0" fontAlgn="b"/>
+                      <a:endParaRPr lang="en-US" sz="1100">
+                        <a:effectLst/>
+                      </a:endParaRPr>
+                    </a:p>
+                  </a:txBody>
+                  <a:tcPr marL="14478" marR="14478" marT="0" marB="0" anchor="b">
+                    <a:lnL w="7620" cap="flat" cmpd="sng" algn="ctr">
+                      <a:solidFill>
+                        <a:srgbClr val="CCCCCC"/>
+                      </a:solidFill>
+                      <a:prstDash val="solid"/>
+                      <a:round/>
+                      <a:headEnd type="none" w="med" len="med"/>
+                      <a:tailEnd type="none" w="med" len="med"/>
+                    </a:lnL>
+                    <a:lnR w="7620" cap="flat" cmpd="sng" algn="ctr">
+                      <a:solidFill>
+                        <a:srgbClr val="CCCCCC"/>
+                      </a:solidFill>
+                      <a:prstDash val="solid"/>
+                      <a:round/>
+                      <a:headEnd type="none" w="med" len="med"/>
+                      <a:tailEnd type="none" w="med" len="med"/>
+                    </a:lnR>
+                    <a:lnT w="7620" cap="flat" cmpd="sng" algn="ctr">
+                      <a:solidFill>
+                        <a:srgbClr val="CCCCCC"/>
+                      </a:solidFill>
+                      <a:prstDash val="solid"/>
+                      <a:round/>
+                      <a:headEnd type="none" w="med" len="med"/>
+                      <a:tailEnd type="none" w="med" len="med"/>
+                    </a:lnT>
+                    <a:lnB w="7620" cap="flat" cmpd="sng" algn="ctr">
+                      <a:solidFill>
+                        <a:srgbClr val="CCCCCC"/>
+                      </a:solidFill>
+                      <a:prstDash val="solid"/>
+                      <a:round/>
+                      <a:headEnd type="none" w="med" len="med"/>
+                      <a:tailEnd type="none" w="med" len="med"/>
+                    </a:lnB>
+                    <a:solidFill>
+                      <a:srgbClr val="FFFF00"/>
+                    </a:solidFill>
+                  </a:tcPr>
+                </a:tc>
+                <a:tc>
+                  <a:txBody>
+                    <a:bodyPr/>
+                    <a:lstStyle/>
+                    <a:p>
+                      <a:pPr rtl="0" fontAlgn="b"/>
+                      <a:endParaRPr lang="en-US" sz="1100">
+                        <a:effectLst/>
+                      </a:endParaRPr>
+                    </a:p>
+                  </a:txBody>
+                  <a:tcPr marL="14478" marR="14478" marT="0" marB="0" anchor="b">
+                    <a:lnL w="7620" cap="flat" cmpd="sng" algn="ctr">
+                      <a:solidFill>
+                        <a:srgbClr val="CCCCCC"/>
+                      </a:solidFill>
+                      <a:prstDash val="solid"/>
+                      <a:round/>
+                      <a:headEnd type="none" w="med" len="med"/>
+                      <a:tailEnd type="none" w="med" len="med"/>
+                    </a:lnL>
+                    <a:lnR w="7620" cap="flat" cmpd="sng" algn="ctr">
+                      <a:solidFill>
+                        <a:srgbClr val="000000"/>
+                      </a:solidFill>
+                      <a:prstDash val="solid"/>
+                      <a:round/>
+                      <a:headEnd type="none" w="med" len="med"/>
+                      <a:tailEnd type="none" w="med" len="med"/>
+                    </a:lnR>
+                    <a:lnT w="7620" cap="flat" cmpd="sng" algn="ctr">
+                      <a:solidFill>
+                        <a:srgbClr val="CCCCCC"/>
+                      </a:solidFill>
+                      <a:prstDash val="solid"/>
+                      <a:round/>
+                      <a:headEnd type="none" w="med" len="med"/>
+                      <a:tailEnd type="none" w="med" len="med"/>
+                    </a:lnT>
+                    <a:lnB w="7620" cap="flat" cmpd="sng" algn="ctr">
+                      <a:solidFill>
+                        <a:srgbClr val="CCCCCC"/>
+                      </a:solidFill>
+                      <a:prstDash val="solid"/>
+                      <a:round/>
+                      <a:headEnd type="none" w="med" len="med"/>
+                      <a:tailEnd type="none" w="med" len="med"/>
+                    </a:lnB>
+                    <a:solidFill>
+                      <a:srgbClr val="FFFF00"/>
+                    </a:solidFill>
+                  </a:tcPr>
+                </a:tc>
+              </a:tr>
+              <a:tr h="378755">
+                <a:tc>
+                  <a:txBody>
+                    <a:bodyPr/>
+                    <a:lstStyle/>
+                    <a:p>
+                      <a:pPr algn="l" rtl="0" fontAlgn="b"/>
+                      <a:r>
+                        <a:rPr lang="en-US" sz="1100">
+                          <a:effectLst/>
+                        </a:rPr>
+                        <a:t>System Testing and Debugging</a:t>
+                      </a:r>
+                    </a:p>
+                  </a:txBody>
+                  <a:tcPr marL="14478" marR="14478" marT="0" marB="0" anchor="b">
+                    <a:lnL w="7620" cap="flat" cmpd="sng" algn="ctr">
+                      <a:solidFill>
+                        <a:srgbClr val="000000"/>
+                      </a:solidFill>
+                      <a:prstDash val="solid"/>
+                      <a:round/>
+                      <a:headEnd type="none" w="med" len="med"/>
+                      <a:tailEnd type="none" w="med" len="med"/>
+                    </a:lnL>
+                    <a:lnR w="7620" cap="flat" cmpd="sng" algn="ctr">
+                      <a:solidFill>
+                        <a:srgbClr val="CCCCCC"/>
+                      </a:solidFill>
+                      <a:prstDash val="solid"/>
+                      <a:round/>
+                      <a:headEnd type="none" w="med" len="med"/>
+                      <a:tailEnd type="none" w="med" len="med"/>
+                    </a:lnR>
+                    <a:lnT w="7620" cap="flat" cmpd="sng" algn="ctr">
+                      <a:solidFill>
+                        <a:srgbClr val="CCCCCC"/>
+                      </a:solidFill>
+                      <a:prstDash val="solid"/>
+                      <a:round/>
+                      <a:headEnd type="none" w="med" len="med"/>
+                      <a:tailEnd type="none" w="med" len="med"/>
+                    </a:lnT>
+                    <a:lnB w="7620" cap="flat" cmpd="sng" algn="ctr">
+                      <a:solidFill>
+                        <a:srgbClr val="CCCCCC"/>
+                      </a:solidFill>
+                      <a:prstDash val="solid"/>
+                      <a:round/>
+                      <a:headEnd type="none" w="med" len="med"/>
+                      <a:tailEnd type="none" w="med" len="med"/>
+                    </a:lnB>
+                    <a:solidFill>
+                      <a:srgbClr val="FFFFFF"/>
+                    </a:solidFill>
+                  </a:tcPr>
+                </a:tc>
+                <a:tc>
+                  <a:txBody>
+                    <a:bodyPr/>
+                    <a:lstStyle/>
+                    <a:p>
+                      <a:pPr rtl="0" fontAlgn="b"/>
+                      <a:endParaRPr lang="en-US" sz="1100">
+                        <a:effectLst/>
+                      </a:endParaRPr>
+                    </a:p>
+                  </a:txBody>
+                  <a:tcPr marL="14478" marR="14478" marT="0" marB="0" anchor="b">
+                    <a:lnL w="7620" cap="flat" cmpd="sng" algn="ctr">
+                      <a:solidFill>
+                        <a:srgbClr val="CCCCCC"/>
+                      </a:solidFill>
+                      <a:prstDash val="solid"/>
+                      <a:round/>
+                      <a:headEnd type="none" w="med" len="med"/>
+                      <a:tailEnd type="none" w="med" len="med"/>
+                    </a:lnL>
+                    <a:lnR w="7620" cap="flat" cmpd="sng" algn="ctr">
+                      <a:solidFill>
+                        <a:srgbClr val="CCCCCC"/>
+                      </a:solidFill>
+                      <a:prstDash val="solid"/>
+                      <a:round/>
+                      <a:headEnd type="none" w="med" len="med"/>
+                      <a:tailEnd type="none" w="med" len="med"/>
+                    </a:lnR>
+                    <a:lnT w="7620" cap="flat" cmpd="sng" algn="ctr">
+                      <a:solidFill>
+                        <a:srgbClr val="CCCCCC"/>
+                      </a:solidFill>
+                      <a:prstDash val="solid"/>
+                      <a:round/>
+                      <a:headEnd type="none" w="med" len="med"/>
+                      <a:tailEnd type="none" w="med" len="med"/>
+                    </a:lnT>
+                    <a:lnB w="7620" cap="flat" cmpd="sng" algn="ctr">
+                      <a:solidFill>
+                        <a:srgbClr val="CCCCCC"/>
+                      </a:solidFill>
+                      <a:prstDash val="solid"/>
+                      <a:round/>
+                      <a:headEnd type="none" w="med" len="med"/>
+                      <a:tailEnd type="none" w="med" len="med"/>
+                    </a:lnB>
+                  </a:tcPr>
+                </a:tc>
+                <a:tc>
+                  <a:txBody>
+                    <a:bodyPr/>
+                    <a:lstStyle/>
+                    <a:p>
+                      <a:pPr rtl="0" fontAlgn="b"/>
+                      <a:endParaRPr lang="en-US" sz="1100">
+                        <a:effectLst/>
+                      </a:endParaRPr>
+                    </a:p>
+                  </a:txBody>
+                  <a:tcPr marL="14478" marR="14478" marT="0" marB="0" anchor="b">
+                    <a:lnL w="7620" cap="flat" cmpd="sng" algn="ctr">
+                      <a:solidFill>
+                        <a:srgbClr val="CCCCCC"/>
+                      </a:solidFill>
+                      <a:prstDash val="solid"/>
+                      <a:round/>
+                      <a:headEnd type="none" w="med" len="med"/>
+                      <a:tailEnd type="none" w="med" len="med"/>
+                    </a:lnL>
+                    <a:lnR w="7620" cap="flat" cmpd="sng" algn="ctr">
+                      <a:solidFill>
+                        <a:srgbClr val="CCCCCC"/>
+                      </a:solidFill>
+                      <a:prstDash val="solid"/>
+                      <a:round/>
+                      <a:headEnd type="none" w="med" len="med"/>
+                      <a:tailEnd type="none" w="med" len="med"/>
+                    </a:lnR>
+                    <a:lnT w="7620" cap="flat" cmpd="sng" algn="ctr">
+                      <a:solidFill>
+                        <a:srgbClr val="CCCCCC"/>
+                      </a:solidFill>
+                      <a:prstDash val="solid"/>
+                      <a:round/>
+                      <a:headEnd type="none" w="med" len="med"/>
+                      <a:tailEnd type="none" w="med" len="med"/>
+                    </a:lnT>
+                    <a:lnB w="7620" cap="flat" cmpd="sng" algn="ctr">
+                      <a:solidFill>
+                        <a:srgbClr val="CCCCCC"/>
+                      </a:solidFill>
+                      <a:prstDash val="solid"/>
+                      <a:round/>
+                      <a:headEnd type="none" w="med" len="med"/>
+                      <a:tailEnd type="none" w="med" len="med"/>
+                    </a:lnB>
+                    <a:solidFill>
+                      <a:srgbClr val="FFFFFF"/>
+                    </a:solidFill>
+                  </a:tcPr>
+                </a:tc>
+                <a:tc>
+                  <a:txBody>
+                    <a:bodyPr/>
+                    <a:lstStyle/>
+                    <a:p>
+                      <a:pPr rtl="0" fontAlgn="b"/>
+                      <a:endParaRPr lang="en-US" sz="1100">
+                        <a:effectLst/>
+                      </a:endParaRPr>
+                    </a:p>
+                  </a:txBody>
+                  <a:tcPr marL="14478" marR="14478" marT="0" marB="0" anchor="b">
+                    <a:lnL w="7620" cap="flat" cmpd="sng" algn="ctr">
+                      <a:solidFill>
+                        <a:srgbClr val="CCCCCC"/>
+                      </a:solidFill>
+                      <a:prstDash val="solid"/>
+                      <a:round/>
+                      <a:headEnd type="none" w="med" len="med"/>
+                      <a:tailEnd type="none" w="med" len="med"/>
+                    </a:lnL>
+                    <a:lnR w="7620" cap="flat" cmpd="sng" algn="ctr">
+                      <a:solidFill>
+                        <a:srgbClr val="CCCCCC"/>
+                      </a:solidFill>
+                      <a:prstDash val="solid"/>
+                      <a:round/>
+                      <a:headEnd type="none" w="med" len="med"/>
+                      <a:tailEnd type="none" w="med" len="med"/>
+                    </a:lnR>
+                    <a:lnT w="7620" cap="flat" cmpd="sng" algn="ctr">
+                      <a:solidFill>
+                        <a:srgbClr val="CCCCCC"/>
+                      </a:solidFill>
+                      <a:prstDash val="solid"/>
+                      <a:round/>
+                      <a:headEnd type="none" w="med" len="med"/>
+                      <a:tailEnd type="none" w="med" len="med"/>
+                    </a:lnT>
+                    <a:lnB w="7620" cap="flat" cmpd="sng" algn="ctr">
+                      <a:solidFill>
+                        <a:srgbClr val="CCCCCC"/>
+                      </a:solidFill>
+                      <a:prstDash val="solid"/>
+                      <a:round/>
+                      <a:headEnd type="none" w="med" len="med"/>
+                      <a:tailEnd type="none" w="med" len="med"/>
+                    </a:lnB>
+                    <a:solidFill>
+                      <a:srgbClr val="4F81BD"/>
+                    </a:solidFill>
+                  </a:tcPr>
+                </a:tc>
+                <a:tc>
+                  <a:txBody>
+                    <a:bodyPr/>
+                    <a:lstStyle/>
+                    <a:p>
+                      <a:pPr rtl="0" fontAlgn="b"/>
+                      <a:endParaRPr lang="en-US" sz="1100">
+                        <a:effectLst/>
+                      </a:endParaRPr>
+                    </a:p>
+                  </a:txBody>
+                  <a:tcPr marL="14478" marR="14478" marT="0" marB="0" anchor="b">
+                    <a:lnL w="7620" cap="flat" cmpd="sng" algn="ctr">
+                      <a:solidFill>
+                        <a:srgbClr val="CCCCCC"/>
+                      </a:solidFill>
+                      <a:prstDash val="solid"/>
+                      <a:round/>
+                      <a:headEnd type="none" w="med" len="med"/>
+                      <a:tailEnd type="none" w="med" len="med"/>
+                    </a:lnL>
+                    <a:lnR w="7620" cap="flat" cmpd="sng" algn="ctr">
+                      <a:solidFill>
+                        <a:srgbClr val="CCCCCC"/>
+                      </a:solidFill>
+                      <a:prstDash val="solid"/>
+                      <a:round/>
+                      <a:headEnd type="none" w="med" len="med"/>
+                      <a:tailEnd type="none" w="med" len="med"/>
+                    </a:lnR>
+                    <a:lnT w="7620" cap="flat" cmpd="sng" algn="ctr">
+                      <a:solidFill>
+                        <a:srgbClr val="CCCCCC"/>
+                      </a:solidFill>
+                      <a:prstDash val="solid"/>
+                      <a:round/>
+                      <a:headEnd type="none" w="med" len="med"/>
+                      <a:tailEnd type="none" w="med" len="med"/>
+                    </a:lnT>
+                    <a:lnB w="7620" cap="flat" cmpd="sng" algn="ctr">
+                      <a:solidFill>
+                        <a:srgbClr val="CCCCCC"/>
+                      </a:solidFill>
+                      <a:prstDash val="solid"/>
+                      <a:round/>
+                      <a:headEnd type="none" w="med" len="med"/>
+                      <a:tailEnd type="none" w="med" len="med"/>
+                    </a:lnB>
+                    <a:solidFill>
+                      <a:srgbClr val="FFFFFF"/>
+                    </a:solidFill>
+                  </a:tcPr>
+                </a:tc>
+                <a:tc>
+                  <a:txBody>
+                    <a:bodyPr/>
+                    <a:lstStyle/>
+                    <a:p>
+                      <a:pPr rtl="0" fontAlgn="b"/>
+                      <a:endParaRPr lang="en-US" sz="1100">
+                        <a:effectLst/>
+                      </a:endParaRPr>
+                    </a:p>
+                  </a:txBody>
+                  <a:tcPr marL="14478" marR="14478" marT="0" marB="0" anchor="b">
+                    <a:lnL w="7620" cap="flat" cmpd="sng" algn="ctr">
+                      <a:solidFill>
+                        <a:srgbClr val="CCCCCC"/>
+                      </a:solidFill>
+                      <a:prstDash val="solid"/>
+                      <a:round/>
+                      <a:headEnd type="none" w="med" len="med"/>
+                      <a:tailEnd type="none" w="med" len="med"/>
+                    </a:lnL>
+                    <a:lnR w="7620" cap="flat" cmpd="sng" algn="ctr">
+                      <a:solidFill>
+                        <a:srgbClr val="CCCCCC"/>
+                      </a:solidFill>
+                      <a:prstDash val="solid"/>
+                      <a:round/>
+                      <a:headEnd type="none" w="med" len="med"/>
+                      <a:tailEnd type="none" w="med" len="med"/>
+                    </a:lnR>
+                    <a:lnT w="7620" cap="flat" cmpd="sng" algn="ctr">
+                      <a:solidFill>
+                        <a:srgbClr val="CCCCCC"/>
+                      </a:solidFill>
+                      <a:prstDash val="solid"/>
+                      <a:round/>
+                      <a:headEnd type="none" w="med" len="med"/>
+                      <a:tailEnd type="none" w="med" len="med"/>
+                    </a:lnT>
+                    <a:lnB w="7620" cap="flat" cmpd="sng" algn="ctr">
+                      <a:solidFill>
+                        <a:srgbClr val="CCCCCC"/>
+                      </a:solidFill>
+                      <a:prstDash val="solid"/>
+                      <a:round/>
+                      <a:headEnd type="none" w="med" len="med"/>
+                      <a:tailEnd type="none" w="med" len="med"/>
+                    </a:lnB>
+                    <a:solidFill>
+                      <a:srgbClr val="008000"/>
+                    </a:solidFill>
+                  </a:tcPr>
+                </a:tc>
+                <a:tc>
+                  <a:txBody>
+                    <a:bodyPr/>
+                    <a:lstStyle/>
+                    <a:p>
+                      <a:pPr rtl="0" fontAlgn="b"/>
+                      <a:endParaRPr lang="en-US" sz="1100">
+                        <a:effectLst/>
+                      </a:endParaRPr>
+                    </a:p>
+                  </a:txBody>
+                  <a:tcPr marL="14478" marR="14478" marT="0" marB="0" anchor="b">
+                    <a:lnL w="7620" cap="flat" cmpd="sng" algn="ctr">
+                      <a:solidFill>
+                        <a:srgbClr val="CCCCCC"/>
+                      </a:solidFill>
+                      <a:prstDash val="solid"/>
+                      <a:round/>
+                      <a:headEnd type="none" w="med" len="med"/>
+                      <a:tailEnd type="none" w="med" len="med"/>
+                    </a:lnL>
+                    <a:lnR w="7620" cap="flat" cmpd="sng" algn="ctr">
+                      <a:solidFill>
+                        <a:srgbClr val="CCCCCC"/>
+                      </a:solidFill>
+                      <a:prstDash val="solid"/>
+                      <a:round/>
+                      <a:headEnd type="none" w="med" len="med"/>
+                      <a:tailEnd type="none" w="med" len="med"/>
+                    </a:lnR>
+                    <a:lnT w="7620" cap="flat" cmpd="sng" algn="ctr">
+                      <a:solidFill>
+                        <a:srgbClr val="CCCCCC"/>
+                      </a:solidFill>
+                      <a:prstDash val="solid"/>
+                      <a:round/>
+                      <a:headEnd type="none" w="med" len="med"/>
+                      <a:tailEnd type="none" w="med" len="med"/>
+                    </a:lnT>
+                    <a:lnB w="7620" cap="flat" cmpd="sng" algn="ctr">
+                      <a:solidFill>
+                        <a:srgbClr val="CCCCCC"/>
+                      </a:solidFill>
+                      <a:prstDash val="solid"/>
+                      <a:round/>
+                      <a:headEnd type="none" w="med" len="med"/>
+                      <a:tailEnd type="none" w="med" len="med"/>
+                    </a:lnB>
+                    <a:solidFill>
+                      <a:srgbClr val="FFFFFF"/>
+                    </a:solidFill>
+                  </a:tcPr>
+                </a:tc>
+                <a:tc>
+                  <a:txBody>
+                    <a:bodyPr/>
+                    <a:lstStyle/>
+                    <a:p>
+                      <a:pPr rtl="0" fontAlgn="b"/>
+                      <a:endParaRPr lang="en-US" sz="1100">
+                        <a:effectLst/>
+                      </a:endParaRPr>
+                    </a:p>
+                  </a:txBody>
+                  <a:tcPr marL="14478" marR="14478" marT="0" marB="0" anchor="b">
+                    <a:lnL w="7620" cap="flat" cmpd="sng" algn="ctr">
+                      <a:solidFill>
+                        <a:srgbClr val="CCCCCC"/>
+                      </a:solidFill>
+                      <a:prstDash val="solid"/>
+                      <a:round/>
+                      <a:headEnd type="none" w="med" len="med"/>
+                      <a:tailEnd type="none" w="med" len="med"/>
+                    </a:lnL>
+                    <a:lnR w="7620" cap="flat" cmpd="sng" algn="ctr">
+                      <a:solidFill>
+                        <a:srgbClr val="CCCCCC"/>
+                      </a:solidFill>
+                      <a:prstDash val="solid"/>
+                      <a:round/>
+                      <a:headEnd type="none" w="med" len="med"/>
+                      <a:tailEnd type="none" w="med" len="med"/>
+                    </a:lnR>
+                    <a:lnT w="7620" cap="flat" cmpd="sng" algn="ctr">
+                      <a:solidFill>
+                        <a:srgbClr val="CCCCCC"/>
+                      </a:solidFill>
+                      <a:prstDash val="solid"/>
+                      <a:round/>
+                      <a:headEnd type="none" w="med" len="med"/>
+                      <a:tailEnd type="none" w="med" len="med"/>
+                    </a:lnT>
+                    <a:lnB w="7620" cap="flat" cmpd="sng" algn="ctr">
+                      <a:solidFill>
+                        <a:srgbClr val="CCCCCC"/>
+                      </a:solidFill>
+                      <a:prstDash val="solid"/>
+                      <a:round/>
+                      <a:headEnd type="none" w="med" len="med"/>
+                      <a:tailEnd type="none" w="med" len="med"/>
+                    </a:lnB>
+                    <a:solidFill>
+                      <a:srgbClr val="FFFF00"/>
+                    </a:solidFill>
+                  </a:tcPr>
+                </a:tc>
+                <a:tc>
+                  <a:txBody>
+                    <a:bodyPr/>
+                    <a:lstStyle/>
+                    <a:p>
+                      <a:pPr rtl="0" fontAlgn="b"/>
+                      <a:endParaRPr lang="en-US" sz="1100">
+                        <a:effectLst/>
+                      </a:endParaRPr>
+                    </a:p>
+                  </a:txBody>
+                  <a:tcPr marL="14478" marR="14478" marT="0" marB="0" anchor="b">
+                    <a:lnL w="7620" cap="flat" cmpd="sng" algn="ctr">
+                      <a:solidFill>
+                        <a:srgbClr val="CCCCCC"/>
+                      </a:solidFill>
+                      <a:prstDash val="solid"/>
+                      <a:round/>
+                      <a:headEnd type="none" w="med" len="med"/>
+                      <a:tailEnd type="none" w="med" len="med"/>
+                    </a:lnL>
+                    <a:lnR w="7620" cap="flat" cmpd="sng" algn="ctr">
+                      <a:solidFill>
+                        <a:srgbClr val="000000"/>
+                      </a:solidFill>
+                      <a:prstDash val="solid"/>
+                      <a:round/>
+                      <a:headEnd type="none" w="med" len="med"/>
+                      <a:tailEnd type="none" w="med" len="med"/>
+                    </a:lnR>
+                    <a:lnT w="7620" cap="flat" cmpd="sng" algn="ctr">
+                      <a:solidFill>
+                        <a:srgbClr val="CCCCCC"/>
+                      </a:solidFill>
+                      <a:prstDash val="solid"/>
+                      <a:round/>
+                      <a:headEnd type="none" w="med" len="med"/>
+                      <a:tailEnd type="none" w="med" len="med"/>
+                    </a:lnT>
+                    <a:lnB w="7620" cap="flat" cmpd="sng" algn="ctr">
+                      <a:solidFill>
+                        <a:srgbClr val="CCCCCC"/>
+                      </a:solidFill>
+                      <a:prstDash val="solid"/>
+                      <a:round/>
+                      <a:headEnd type="none" w="med" len="med"/>
+                      <a:tailEnd type="none" w="med" len="med"/>
+                    </a:lnB>
+                    <a:solidFill>
+                      <a:srgbClr val="FFFF00"/>
+                    </a:solidFill>
+                  </a:tcPr>
+                </a:tc>
+              </a:tr>
+              <a:tr h="378755">
+                <a:tc>
+                  <a:txBody>
+                    <a:bodyPr/>
+                    <a:lstStyle/>
+                    <a:p>
+                      <a:pPr algn="l" rtl="0" fontAlgn="b"/>
+                      <a:r>
+                        <a:rPr lang="en-US" sz="1100">
+                          <a:effectLst/>
+                        </a:rPr>
+                        <a:t>Documentation and Presentations</a:t>
+                      </a:r>
+                    </a:p>
+                  </a:txBody>
+                  <a:tcPr marL="14478" marR="14478" marT="0" marB="0" anchor="b">
+                    <a:lnL w="7620" cap="flat" cmpd="sng" algn="ctr">
+                      <a:solidFill>
+                        <a:srgbClr val="000000"/>
+                      </a:solidFill>
+                      <a:prstDash val="solid"/>
+                      <a:round/>
+                      <a:headEnd type="none" w="med" len="med"/>
+                      <a:tailEnd type="none" w="med" len="med"/>
+                    </a:lnL>
+                    <a:lnR w="7620" cap="flat" cmpd="sng" algn="ctr">
+                      <a:solidFill>
+                        <a:srgbClr val="CCCCCC"/>
+                      </a:solidFill>
+                      <a:prstDash val="solid"/>
+                      <a:round/>
+                      <a:headEnd type="none" w="med" len="med"/>
+                      <a:tailEnd type="none" w="med" len="med"/>
+                    </a:lnR>
+                    <a:lnT w="7620" cap="flat" cmpd="sng" algn="ctr">
+                      <a:solidFill>
+                        <a:srgbClr val="CCCCCC"/>
+                      </a:solidFill>
+                      <a:prstDash val="solid"/>
+                      <a:round/>
+                      <a:headEnd type="none" w="med" len="med"/>
+                      <a:tailEnd type="none" w="med" len="med"/>
+                    </a:lnT>
+                    <a:lnB w="7620" cap="flat" cmpd="sng" algn="ctr">
+                      <a:solidFill>
+                        <a:srgbClr val="000000"/>
+                      </a:solidFill>
+                      <a:prstDash val="solid"/>
+                      <a:round/>
+                      <a:headEnd type="none" w="med" len="med"/>
+                      <a:tailEnd type="none" w="med" len="med"/>
+                    </a:lnB>
+                    <a:solidFill>
+                      <a:srgbClr val="FFFFFF"/>
+                    </a:solidFill>
+                  </a:tcPr>
+                </a:tc>
+                <a:tc>
+                  <a:txBody>
+                    <a:bodyPr/>
+                    <a:lstStyle/>
+                    <a:p>
+                      <a:pPr rtl="0" fontAlgn="b"/>
+                      <a:endParaRPr lang="en-US" sz="1100">
+                        <a:effectLst/>
+                      </a:endParaRPr>
+                    </a:p>
+                  </a:txBody>
+                  <a:tcPr marL="14478" marR="14478" marT="0" marB="0" anchor="b">
+                    <a:lnL w="7620" cap="flat" cmpd="sng" algn="ctr">
+                      <a:solidFill>
+                        <a:srgbClr val="CCCCCC"/>
+                      </a:solidFill>
+                      <a:prstDash val="solid"/>
+                      <a:round/>
+                      <a:headEnd type="none" w="med" len="med"/>
+                      <a:tailEnd type="none" w="med" len="med"/>
+                    </a:lnL>
+                    <a:lnR w="7620" cap="flat" cmpd="sng" algn="ctr">
+                      <a:solidFill>
+                        <a:srgbClr val="CCCCCC"/>
+                      </a:solidFill>
+                      <a:prstDash val="solid"/>
+                      <a:round/>
+                      <a:headEnd type="none" w="med" len="med"/>
+                      <a:tailEnd type="none" w="med" len="med"/>
+                    </a:lnR>
+                    <a:lnT w="7620" cap="flat" cmpd="sng" algn="ctr">
+                      <a:solidFill>
+                        <a:srgbClr val="CCCCCC"/>
+                      </a:solidFill>
+                      <a:prstDash val="solid"/>
+                      <a:round/>
+                      <a:headEnd type="none" w="med" len="med"/>
+                      <a:tailEnd type="none" w="med" len="med"/>
+                    </a:lnT>
+                    <a:lnB w="7620" cap="flat" cmpd="sng" algn="ctr">
+                      <a:solidFill>
+                        <a:srgbClr val="000000"/>
+                      </a:solidFill>
+                      <a:prstDash val="solid"/>
+                      <a:round/>
+                      <a:headEnd type="none" w="med" len="med"/>
+                      <a:tailEnd type="none" w="med" len="med"/>
+                    </a:lnB>
+                  </a:tcPr>
+                </a:tc>
+                <a:tc>
+                  <a:txBody>
+                    <a:bodyPr/>
+                    <a:lstStyle/>
+                    <a:p>
+                      <a:pPr rtl="0" fontAlgn="b"/>
+                      <a:endParaRPr lang="en-US" sz="1100">
+                        <a:effectLst/>
+                      </a:endParaRPr>
+                    </a:p>
+                  </a:txBody>
+                  <a:tcPr marL="14478" marR="14478" marT="0" marB="0" anchor="b">
+                    <a:lnL w="7620" cap="flat" cmpd="sng" algn="ctr">
+                      <a:solidFill>
+                        <a:srgbClr val="CCCCCC"/>
+                      </a:solidFill>
+                      <a:prstDash val="solid"/>
+                      <a:round/>
+                      <a:headEnd type="none" w="med" len="med"/>
+                      <a:tailEnd type="none" w="med" len="med"/>
+                    </a:lnL>
+                    <a:lnR w="7620" cap="flat" cmpd="sng" algn="ctr">
+                      <a:solidFill>
+                        <a:srgbClr val="CCCCCC"/>
+                      </a:solidFill>
+                      <a:prstDash val="solid"/>
+                      <a:round/>
+                      <a:headEnd type="none" w="med" len="med"/>
+                      <a:tailEnd type="none" w="med" len="med"/>
+                    </a:lnR>
+                    <a:lnT w="7620" cap="flat" cmpd="sng" algn="ctr">
+                      <a:solidFill>
+                        <a:srgbClr val="CCCCCC"/>
+                      </a:solidFill>
+                      <a:prstDash val="solid"/>
+                      <a:round/>
+                      <a:headEnd type="none" w="med" len="med"/>
+                      <a:tailEnd type="none" w="med" len="med"/>
+                    </a:lnT>
+                    <a:lnB w="7620" cap="flat" cmpd="sng" algn="ctr">
+                      <a:solidFill>
+                        <a:srgbClr val="000000"/>
+                      </a:solidFill>
+                      <a:prstDash val="solid"/>
+                      <a:round/>
+                      <a:headEnd type="none" w="med" len="med"/>
+                      <a:tailEnd type="none" w="med" len="med"/>
+                    </a:lnB>
+                    <a:solidFill>
+                      <a:srgbClr val="4F81BD"/>
+                    </a:solidFill>
+                  </a:tcPr>
+                </a:tc>
+                <a:tc>
+                  <a:txBody>
+                    <a:bodyPr/>
+                    <a:lstStyle/>
+                    <a:p>
+                      <a:pPr rtl="0" fontAlgn="b"/>
+                      <a:endParaRPr lang="en-US" sz="1100">
+                        <a:effectLst/>
+                      </a:endParaRPr>
+                    </a:p>
+                  </a:txBody>
+                  <a:tcPr marL="14478" marR="14478" marT="0" marB="0" anchor="b">
+                    <a:lnL w="7620" cap="flat" cmpd="sng" algn="ctr">
+                      <a:solidFill>
+                        <a:srgbClr val="CCCCCC"/>
+                      </a:solidFill>
+                      <a:prstDash val="solid"/>
+                      <a:round/>
+                      <a:headEnd type="none" w="med" len="med"/>
+                      <a:tailEnd type="none" w="med" len="med"/>
+                    </a:lnL>
+                    <a:lnR w="7620" cap="flat" cmpd="sng" algn="ctr">
+                      <a:solidFill>
+                        <a:srgbClr val="CCCCCC"/>
+                      </a:solidFill>
+                      <a:prstDash val="solid"/>
+                      <a:round/>
+                      <a:headEnd type="none" w="med" len="med"/>
+                      <a:tailEnd type="none" w="med" len="med"/>
+                    </a:lnR>
+                    <a:lnT w="7620" cap="flat" cmpd="sng" algn="ctr">
+                      <a:solidFill>
+                        <a:srgbClr val="CCCCCC"/>
+                      </a:solidFill>
+                      <a:prstDash val="solid"/>
+                      <a:round/>
+                      <a:headEnd type="none" w="med" len="med"/>
+                      <a:tailEnd type="none" w="med" len="med"/>
+                    </a:lnT>
+                    <a:lnB w="7620" cap="flat" cmpd="sng" algn="ctr">
+                      <a:solidFill>
+                        <a:srgbClr val="000000"/>
+                      </a:solidFill>
+                      <a:prstDash val="solid"/>
+                      <a:round/>
+                      <a:headEnd type="none" w="med" len="med"/>
+                      <a:tailEnd type="none" w="med" len="med"/>
+                    </a:lnB>
+                    <a:solidFill>
+                      <a:srgbClr val="FFFFFF"/>
+                    </a:solidFill>
+                  </a:tcPr>
+                </a:tc>
+                <a:tc>
+                  <a:txBody>
+                    <a:bodyPr/>
+                    <a:lstStyle/>
+                    <a:p>
+                      <a:pPr rtl="0" fontAlgn="b"/>
+                      <a:endParaRPr lang="en-US" sz="1100">
+                        <a:effectLst/>
+                      </a:endParaRPr>
+                    </a:p>
+                  </a:txBody>
+                  <a:tcPr marL="14478" marR="14478" marT="0" marB="0" anchor="b">
+                    <a:lnL w="7620" cap="flat" cmpd="sng" algn="ctr">
+                      <a:solidFill>
+                        <a:srgbClr val="CCCCCC"/>
+                      </a:solidFill>
+                      <a:prstDash val="solid"/>
+                      <a:round/>
+                      <a:headEnd type="none" w="med" len="med"/>
+                      <a:tailEnd type="none" w="med" len="med"/>
+                    </a:lnL>
+                    <a:lnR w="7620" cap="flat" cmpd="sng" algn="ctr">
+                      <a:solidFill>
+                        <a:srgbClr val="CCCCCC"/>
+                      </a:solidFill>
+                      <a:prstDash val="solid"/>
+                      <a:round/>
+                      <a:headEnd type="none" w="med" len="med"/>
+                      <a:tailEnd type="none" w="med" len="med"/>
+                    </a:lnR>
+                    <a:lnT w="7620" cap="flat" cmpd="sng" algn="ctr">
+                      <a:solidFill>
+                        <a:srgbClr val="CCCCCC"/>
+                      </a:solidFill>
+                      <a:prstDash val="solid"/>
+                      <a:round/>
+                      <a:headEnd type="none" w="med" len="med"/>
+                      <a:tailEnd type="none" w="med" len="med"/>
+                    </a:lnT>
+                    <a:lnB w="7620" cap="flat" cmpd="sng" algn="ctr">
+                      <a:solidFill>
+                        <a:srgbClr val="000000"/>
+                      </a:solidFill>
+                      <a:prstDash val="solid"/>
+                      <a:round/>
+                      <a:headEnd type="none" w="med" len="med"/>
+                      <a:tailEnd type="none" w="med" len="med"/>
+                    </a:lnB>
+                    <a:solidFill>
+                      <a:srgbClr val="008000"/>
+                    </a:solidFill>
+                  </a:tcPr>
+                </a:tc>
+                <a:tc>
+                  <a:txBody>
+                    <a:bodyPr/>
+                    <a:lstStyle/>
+                    <a:p>
+                      <a:pPr rtl="0" fontAlgn="b"/>
+                      <a:endParaRPr lang="en-US" sz="1100">
+                        <a:effectLst/>
+                      </a:endParaRPr>
+                    </a:p>
+                  </a:txBody>
+                  <a:tcPr marL="14478" marR="14478" marT="0" marB="0" anchor="b">
+                    <a:lnL w="7620" cap="flat" cmpd="sng" algn="ctr">
+                      <a:solidFill>
+                        <a:srgbClr val="CCCCCC"/>
+                      </a:solidFill>
+                      <a:prstDash val="solid"/>
+                      <a:round/>
+                      <a:headEnd type="none" w="med" len="med"/>
+                      <a:tailEnd type="none" w="med" len="med"/>
+                    </a:lnL>
+                    <a:lnR w="7620" cap="flat" cmpd="sng" algn="ctr">
+                      <a:solidFill>
+                        <a:srgbClr val="CCCCCC"/>
+                      </a:solidFill>
+                      <a:prstDash val="solid"/>
+                      <a:round/>
+                      <a:headEnd type="none" w="med" len="med"/>
+                      <a:tailEnd type="none" w="med" len="med"/>
+                    </a:lnR>
+                    <a:lnT w="7620" cap="flat" cmpd="sng" algn="ctr">
+                      <a:solidFill>
+                        <a:srgbClr val="CCCCCC"/>
+                      </a:solidFill>
+                      <a:prstDash val="solid"/>
+                      <a:round/>
+                      <a:headEnd type="none" w="med" len="med"/>
+                      <a:tailEnd type="none" w="med" len="med"/>
+                    </a:lnT>
+                    <a:lnB w="7620" cap="flat" cmpd="sng" algn="ctr">
+                      <a:solidFill>
+                        <a:srgbClr val="000000"/>
+                      </a:solidFill>
+                      <a:prstDash val="solid"/>
+                      <a:round/>
+                      <a:headEnd type="none" w="med" len="med"/>
+                      <a:tailEnd type="none" w="med" len="med"/>
+                    </a:lnB>
+                    <a:solidFill>
+                      <a:srgbClr val="FFFFFF"/>
+                    </a:solidFill>
+                  </a:tcPr>
+                </a:tc>
+                <a:tc>
+                  <a:txBody>
+                    <a:bodyPr/>
+                    <a:lstStyle/>
+                    <a:p>
+                      <a:pPr rtl="0" fontAlgn="b"/>
+                      <a:endParaRPr lang="en-US" sz="1100">
+                        <a:effectLst/>
+                      </a:endParaRPr>
+                    </a:p>
+                  </a:txBody>
+                  <a:tcPr marL="14478" marR="14478" marT="0" marB="0" anchor="b">
+                    <a:lnL w="7620" cap="flat" cmpd="sng" algn="ctr">
+                      <a:solidFill>
+                        <a:srgbClr val="CCCCCC"/>
+                      </a:solidFill>
+                      <a:prstDash val="solid"/>
+                      <a:round/>
+                      <a:headEnd type="none" w="med" len="med"/>
+                      <a:tailEnd type="none" w="med" len="med"/>
+                    </a:lnL>
+                    <a:lnR w="7620" cap="flat" cmpd="sng" algn="ctr">
+                      <a:solidFill>
+                        <a:srgbClr val="CCCCCC"/>
+                      </a:solidFill>
+                      <a:prstDash val="solid"/>
+                      <a:round/>
+                      <a:headEnd type="none" w="med" len="med"/>
+                      <a:tailEnd type="none" w="med" len="med"/>
+                    </a:lnR>
+                    <a:lnT w="7620" cap="flat" cmpd="sng" algn="ctr">
+                      <a:solidFill>
+                        <a:srgbClr val="CCCCCC"/>
+                      </a:solidFill>
+                      <a:prstDash val="solid"/>
+                      <a:round/>
+                      <a:headEnd type="none" w="med" len="med"/>
+                      <a:tailEnd type="none" w="med" len="med"/>
+                    </a:lnT>
+                    <a:lnB w="7620" cap="flat" cmpd="sng" algn="ctr">
+                      <a:solidFill>
+                        <a:srgbClr val="000000"/>
+                      </a:solidFill>
+                      <a:prstDash val="solid"/>
+                      <a:round/>
+                      <a:headEnd type="none" w="med" len="med"/>
+                      <a:tailEnd type="none" w="med" len="med"/>
+                    </a:lnB>
+                    <a:solidFill>
+                      <a:srgbClr val="FFFFFF"/>
+                    </a:solidFill>
+                  </a:tcPr>
+                </a:tc>
+                <a:tc>
+                  <a:txBody>
+                    <a:bodyPr/>
+                    <a:lstStyle/>
+                    <a:p>
+                      <a:pPr rtl="0" fontAlgn="b"/>
+                      <a:endParaRPr lang="en-US" sz="1100">
+                        <a:effectLst/>
+                      </a:endParaRPr>
+                    </a:p>
+                  </a:txBody>
+                  <a:tcPr marL="14478" marR="14478" marT="0" marB="0" anchor="b">
+                    <a:lnL w="7620" cap="flat" cmpd="sng" algn="ctr">
+                      <a:solidFill>
+                        <a:srgbClr val="CCCCCC"/>
+                      </a:solidFill>
+                      <a:prstDash val="solid"/>
+                      <a:round/>
+                      <a:headEnd type="none" w="med" len="med"/>
+                      <a:tailEnd type="none" w="med" len="med"/>
+                    </a:lnL>
+                    <a:lnR w="7620" cap="flat" cmpd="sng" algn="ctr">
+                      <a:solidFill>
+                        <a:srgbClr val="CCCCCC"/>
+                      </a:solidFill>
+                      <a:prstDash val="solid"/>
+                      <a:round/>
+                      <a:headEnd type="none" w="med" len="med"/>
+                      <a:tailEnd type="none" w="med" len="med"/>
+                    </a:lnR>
+                    <a:lnT w="7620" cap="flat" cmpd="sng" algn="ctr">
+                      <a:solidFill>
+                        <a:srgbClr val="CCCCCC"/>
+                      </a:solidFill>
+                      <a:prstDash val="solid"/>
+                      <a:round/>
+                      <a:headEnd type="none" w="med" len="med"/>
+                      <a:tailEnd type="none" w="med" len="med"/>
+                    </a:lnT>
+                    <a:lnB w="7620" cap="flat" cmpd="sng" algn="ctr">
+                      <a:solidFill>
+                        <a:srgbClr val="000000"/>
+                      </a:solidFill>
+                      <a:prstDash val="solid"/>
+                      <a:round/>
+                      <a:headEnd type="none" w="med" len="med"/>
+                      <a:tailEnd type="none" w="med" len="med"/>
+                    </a:lnB>
+                    <a:solidFill>
+                      <a:srgbClr val="FFFF00"/>
+                    </a:solidFill>
+                  </a:tcPr>
+                </a:tc>
+                <a:tc>
+                  <a:txBody>
+                    <a:bodyPr/>
+                    <a:lstStyle/>
+                    <a:p>
+                      <a:pPr rtl="0" fontAlgn="b"/>
+                      <a:endParaRPr lang="en-US" sz="1100" dirty="0">
+                        <a:effectLst/>
+                      </a:endParaRPr>
+                    </a:p>
+                  </a:txBody>
+                  <a:tcPr marL="14478" marR="14478" marT="0" marB="0" anchor="b">
+                    <a:lnL w="7620" cap="flat" cmpd="sng" algn="ctr">
+                      <a:solidFill>
+                        <a:srgbClr val="CCCCCC"/>
+                      </a:solidFill>
+                      <a:prstDash val="solid"/>
+                      <a:round/>
+                      <a:headEnd type="none" w="med" len="med"/>
+                      <a:tailEnd type="none" w="med" len="med"/>
+                    </a:lnL>
+                    <a:lnR w="7620" cap="flat" cmpd="sng" algn="ctr">
+                      <a:solidFill>
+                        <a:srgbClr val="000000"/>
+                      </a:solidFill>
+                      <a:prstDash val="solid"/>
+                      <a:round/>
+                      <a:headEnd type="none" w="med" len="med"/>
+                      <a:tailEnd type="none" w="med" len="med"/>
+                    </a:lnR>
+                    <a:lnT w="7620" cap="flat" cmpd="sng" algn="ctr">
+                      <a:solidFill>
+                        <a:srgbClr val="CCCCCC"/>
+                      </a:solidFill>
+                      <a:prstDash val="solid"/>
+                      <a:round/>
+                      <a:headEnd type="none" w="med" len="med"/>
+                      <a:tailEnd type="none" w="med" len="med"/>
+                    </a:lnT>
+                    <a:lnB w="7620" cap="flat" cmpd="sng" algn="ctr">
+                      <a:solidFill>
+                        <a:srgbClr val="000000"/>
+                      </a:solidFill>
+                      <a:prstDash val="solid"/>
+                      <a:round/>
+                      <a:headEnd type="none" w="med" len="med"/>
+                      <a:tailEnd type="none" w="med" len="med"/>
+                    </a:lnB>
+                    <a:solidFill>
+                      <a:srgbClr val="FFFF00"/>
+                    </a:solidFill>
+                  </a:tcPr>
+                </a:tc>
+              </a:tr>
+            </a:tbl>
+          </a:graphicData>
+        </a:graphic>
+      </p:graphicFrame>
+      <p:graphicFrame>
+        <p:nvGraphicFramePr>
+          <p:cNvPr id="5" name="Table 4"/>
+          <p:cNvGraphicFramePr>
+            <a:graphicFrameLocks noGrp="1"/>
+          </p:cNvGraphicFramePr>
+          <p:nvPr>
+            <p:extLst>
+              <p:ext uri="{D42A27DB-BD31-4B8C-83A1-F6EECF244321}">
+                <p14:modId xmlns:p14="http://schemas.microsoft.com/office/powerpoint/2010/main" val="3039012110"/>
+              </p:ext>
+            </p:extLst>
+          </p:nvPr>
+        </p:nvGraphicFramePr>
+        <p:xfrm>
+          <a:off x="10208787" y="3460057"/>
+          <a:ext cx="1885447" cy="1380211"/>
+        </p:xfrm>
+        <a:graphic>
+          <a:graphicData uri="http://schemas.openxmlformats.org/drawingml/2006/table">
+            <a:tbl>
+              <a:tblPr/>
+              <a:tblGrid>
+                <a:gridCol w="625991"/>
+                <a:gridCol w="1259456"/>
+              </a:tblGrid>
+              <a:tr h="282931">
+                <a:tc>
+                  <a:txBody>
+                    <a:bodyPr/>
+                    <a:lstStyle/>
+                    <a:p>
+                      <a:pPr rtl="0" fontAlgn="b"/>
+                      <a:endParaRPr lang="en-US" dirty="0">
+                        <a:effectLst/>
+                      </a:endParaRPr>
+                    </a:p>
+                  </a:txBody>
+                  <a:tcPr marL="22860" marR="22860" marT="0" marB="0" anchor="b">
+                    <a:lnL w="7620" cap="flat" cmpd="sng" algn="ctr">
+                      <a:solidFill>
+                        <a:srgbClr val="CCCCCC"/>
+                      </a:solidFill>
+                      <a:prstDash val="solid"/>
+                      <a:round/>
+                      <a:headEnd type="none" w="med" len="med"/>
+                      <a:tailEnd type="none" w="med" len="med"/>
+                    </a:lnL>
+                    <a:lnR w="7620" cap="flat" cmpd="sng" algn="ctr">
+                      <a:solidFill>
+                        <a:srgbClr val="CCCCCC"/>
+                      </a:solidFill>
+                      <a:prstDash val="solid"/>
+                      <a:round/>
+                      <a:headEnd type="none" w="med" len="med"/>
+                      <a:tailEnd type="none" w="med" len="med"/>
+                    </a:lnR>
+                    <a:lnT w="7620" cap="flat" cmpd="sng" algn="ctr">
+                      <a:solidFill>
+                        <a:srgbClr val="CCCCCC"/>
+                      </a:solidFill>
+                      <a:prstDash val="solid"/>
+                      <a:round/>
+                      <a:headEnd type="none" w="med" len="med"/>
+                      <a:tailEnd type="none" w="med" len="med"/>
+                    </a:lnT>
+                    <a:lnB w="7620" cap="flat" cmpd="sng" algn="ctr">
+                      <a:solidFill>
+                        <a:srgbClr val="CCCCCC"/>
+                      </a:solidFill>
+                      <a:prstDash val="solid"/>
+                      <a:round/>
+                      <a:headEnd type="none" w="med" len="med"/>
+                      <a:tailEnd type="none" w="med" len="med"/>
+                    </a:lnB>
+                    <a:solidFill>
+                      <a:srgbClr val="4F81BD"/>
+                    </a:solidFill>
+                  </a:tcPr>
+                </a:tc>
+                <a:tc>
+                  <a:txBody>
+                    <a:bodyPr/>
+                    <a:lstStyle/>
+                    <a:p>
+                      <a:pPr rtl="0" fontAlgn="b"/>
+                      <a:r>
+                        <a:rPr lang="en-US">
+                          <a:effectLst/>
+                        </a:rPr>
+                        <a:t>Finished</a:t>
+                      </a:r>
+                    </a:p>
+                  </a:txBody>
+                  <a:tcPr marL="22860" marR="22860" marT="0" marB="0" anchor="b">
+                    <a:lnL w="7620" cap="flat" cmpd="sng" algn="ctr">
+                      <a:solidFill>
+                        <a:srgbClr val="CCCCCC"/>
+                      </a:solidFill>
+                      <a:prstDash val="solid"/>
+                      <a:round/>
+                      <a:headEnd type="none" w="med" len="med"/>
+                      <a:tailEnd type="none" w="med" len="med"/>
+                    </a:lnL>
+                    <a:lnR w="7620" cap="flat" cmpd="sng" algn="ctr">
+                      <a:solidFill>
+                        <a:srgbClr val="CCCCCC"/>
+                      </a:solidFill>
+                      <a:prstDash val="solid"/>
+                      <a:round/>
+                      <a:headEnd type="none" w="med" len="med"/>
+                      <a:tailEnd type="none" w="med" len="med"/>
+                    </a:lnR>
+                    <a:lnT w="7620" cap="flat" cmpd="sng" algn="ctr">
+                      <a:solidFill>
+                        <a:srgbClr val="CCCCCC"/>
+                      </a:solidFill>
+                      <a:prstDash val="solid"/>
+                      <a:round/>
+                      <a:headEnd type="none" w="med" len="med"/>
+                      <a:tailEnd type="none" w="med" len="med"/>
+                    </a:lnT>
+                    <a:lnB w="7620" cap="flat" cmpd="sng" algn="ctr">
+                      <a:solidFill>
+                        <a:srgbClr val="CCCCCC"/>
+                      </a:solidFill>
+                      <a:prstDash val="solid"/>
+                      <a:round/>
+                      <a:headEnd type="none" w="med" len="med"/>
+                      <a:tailEnd type="none" w="med" len="med"/>
+                    </a:lnB>
+                  </a:tcPr>
+                </a:tc>
+              </a:tr>
+              <a:tr h="523353">
+                <a:tc>
+                  <a:txBody>
+                    <a:bodyPr/>
+                    <a:lstStyle/>
+                    <a:p>
+                      <a:pPr rtl="0" fontAlgn="b"/>
+                      <a:endParaRPr lang="en-US">
+                        <a:effectLst/>
+                      </a:endParaRPr>
+                    </a:p>
+                  </a:txBody>
+                  <a:tcPr marL="22860" marR="22860" marT="0" marB="0" anchor="b">
+                    <a:lnL w="7620" cap="flat" cmpd="sng" algn="ctr">
+                      <a:solidFill>
+                        <a:srgbClr val="CCCCCC"/>
+                      </a:solidFill>
+                      <a:prstDash val="solid"/>
+                      <a:round/>
+                      <a:headEnd type="none" w="med" len="med"/>
+                      <a:tailEnd type="none" w="med" len="med"/>
+                    </a:lnL>
+                    <a:lnR w="7620" cap="flat" cmpd="sng" algn="ctr">
+                      <a:solidFill>
+                        <a:srgbClr val="CCCCCC"/>
+                      </a:solidFill>
+                      <a:prstDash val="solid"/>
+                      <a:round/>
+                      <a:headEnd type="none" w="med" len="med"/>
+                      <a:tailEnd type="none" w="med" len="med"/>
+                    </a:lnR>
+                    <a:lnT w="7620" cap="flat" cmpd="sng" algn="ctr">
+                      <a:solidFill>
+                        <a:srgbClr val="CCCCCC"/>
+                      </a:solidFill>
+                      <a:prstDash val="solid"/>
+                      <a:round/>
+                      <a:headEnd type="none" w="med" len="med"/>
+                      <a:tailEnd type="none" w="med" len="med"/>
+                    </a:lnT>
+                    <a:lnB w="7620" cap="flat" cmpd="sng" algn="ctr">
+                      <a:solidFill>
+                        <a:srgbClr val="CCCCCC"/>
+                      </a:solidFill>
+                      <a:prstDash val="solid"/>
+                      <a:round/>
+                      <a:headEnd type="none" w="med" len="med"/>
+                      <a:tailEnd type="none" w="med" len="med"/>
+                    </a:lnB>
+                    <a:solidFill>
+                      <a:srgbClr val="008000"/>
+                    </a:solidFill>
+                  </a:tcPr>
+                </a:tc>
+                <a:tc>
+                  <a:txBody>
+                    <a:bodyPr/>
+                    <a:lstStyle/>
+                    <a:p>
+                      <a:pPr rtl="0" fontAlgn="b"/>
+                      <a:r>
+                        <a:rPr lang="en-US" dirty="0" smtClean="0">
+                          <a:effectLst/>
+                        </a:rPr>
+                        <a:t>Currently </a:t>
+                      </a:r>
+                      <a:r>
+                        <a:rPr lang="en-US" dirty="0">
+                          <a:effectLst/>
+                        </a:rPr>
+                        <a:t>Working</a:t>
+                      </a:r>
+                    </a:p>
+                  </a:txBody>
+                  <a:tcPr marL="22860" marR="22860" marT="0" marB="0" anchor="b">
+                    <a:lnL w="7620" cap="flat" cmpd="sng" algn="ctr">
+                      <a:solidFill>
+                        <a:srgbClr val="CCCCCC"/>
+                      </a:solidFill>
+                      <a:prstDash val="solid"/>
+                      <a:round/>
+                      <a:headEnd type="none" w="med" len="med"/>
+                      <a:tailEnd type="none" w="med" len="med"/>
+                    </a:lnL>
+                    <a:lnR w="7620" cap="flat" cmpd="sng" algn="ctr">
+                      <a:solidFill>
+                        <a:srgbClr val="CCCCCC"/>
+                      </a:solidFill>
+                      <a:prstDash val="solid"/>
+                      <a:round/>
+                      <a:headEnd type="none" w="med" len="med"/>
+                      <a:tailEnd type="none" w="med" len="med"/>
+                    </a:lnR>
+                    <a:lnT w="7620" cap="flat" cmpd="sng" algn="ctr">
+                      <a:solidFill>
+                        <a:srgbClr val="CCCCCC"/>
+                      </a:solidFill>
+                      <a:prstDash val="solid"/>
+                      <a:round/>
+                      <a:headEnd type="none" w="med" len="med"/>
+                      <a:tailEnd type="none" w="med" len="med"/>
+                    </a:lnT>
+                    <a:lnB w="7620" cap="flat" cmpd="sng" algn="ctr">
+                      <a:solidFill>
+                        <a:srgbClr val="CCCCCC"/>
+                      </a:solidFill>
+                      <a:prstDash val="solid"/>
+                      <a:round/>
+                      <a:headEnd type="none" w="med" len="med"/>
+                      <a:tailEnd type="none" w="med" len="med"/>
+                    </a:lnB>
+                  </a:tcPr>
+                </a:tc>
+              </a:tr>
+              <a:tr h="392515">
+                <a:tc>
+                  <a:txBody>
+                    <a:bodyPr/>
+                    <a:lstStyle/>
+                    <a:p>
+                      <a:pPr rtl="0" fontAlgn="b"/>
+                      <a:endParaRPr lang="en-US">
+                        <a:effectLst/>
+                      </a:endParaRPr>
+                    </a:p>
+                  </a:txBody>
+                  <a:tcPr marL="22860" marR="22860" marT="0" marB="0" anchor="b">
+                    <a:lnL w="7620" cap="flat" cmpd="sng" algn="ctr">
+                      <a:solidFill>
+                        <a:srgbClr val="CCCCCC"/>
+                      </a:solidFill>
+                      <a:prstDash val="solid"/>
+                      <a:round/>
+                      <a:headEnd type="none" w="med" len="med"/>
+                      <a:tailEnd type="none" w="med" len="med"/>
+                    </a:lnL>
+                    <a:lnR w="7620" cap="flat" cmpd="sng" algn="ctr">
+                      <a:solidFill>
+                        <a:srgbClr val="CCCCCC"/>
+                      </a:solidFill>
+                      <a:prstDash val="solid"/>
+                      <a:round/>
+                      <a:headEnd type="none" w="med" len="med"/>
+                      <a:tailEnd type="none" w="med" len="med"/>
+                    </a:lnR>
+                    <a:lnT w="7620" cap="flat" cmpd="sng" algn="ctr">
+                      <a:solidFill>
+                        <a:srgbClr val="CCCCCC"/>
+                      </a:solidFill>
+                      <a:prstDash val="solid"/>
+                      <a:round/>
+                      <a:headEnd type="none" w="med" len="med"/>
+                      <a:tailEnd type="none" w="med" len="med"/>
+                    </a:lnT>
+                    <a:lnB w="7620" cap="flat" cmpd="sng" algn="ctr">
+                      <a:solidFill>
+                        <a:srgbClr val="CCCCCC"/>
+                      </a:solidFill>
+                      <a:prstDash val="solid"/>
+                      <a:round/>
+                      <a:headEnd type="none" w="med" len="med"/>
+                      <a:tailEnd type="none" w="med" len="med"/>
+                    </a:lnB>
+                    <a:solidFill>
+                      <a:srgbClr val="FFFF00"/>
+                    </a:solidFill>
+                  </a:tcPr>
+                </a:tc>
+                <a:tc>
+                  <a:txBody>
+                    <a:bodyPr/>
+                    <a:lstStyle/>
+                    <a:p>
+                      <a:pPr rtl="0" fontAlgn="b"/>
+                      <a:r>
+                        <a:rPr lang="en-US" dirty="0" smtClean="0">
+                          <a:effectLst/>
+                        </a:rPr>
+                        <a:t>Future </a:t>
+                      </a:r>
+                      <a:r>
+                        <a:rPr lang="en-US" dirty="0">
+                          <a:effectLst/>
+                        </a:rPr>
+                        <a:t>Work</a:t>
+                      </a:r>
+                    </a:p>
+                  </a:txBody>
+                  <a:tcPr marL="22860" marR="22860" marT="0" marB="0" anchor="b">
+                    <a:lnL w="7620" cap="flat" cmpd="sng" algn="ctr">
+                      <a:solidFill>
+                        <a:srgbClr val="CCCCCC"/>
+                      </a:solidFill>
+                      <a:prstDash val="solid"/>
+                      <a:round/>
+                      <a:headEnd type="none" w="med" len="med"/>
+                      <a:tailEnd type="none" w="med" len="med"/>
+                    </a:lnL>
+                    <a:lnR w="7620" cap="flat" cmpd="sng" algn="ctr">
+                      <a:solidFill>
+                        <a:srgbClr val="CCCCCC"/>
+                      </a:solidFill>
+                      <a:prstDash val="solid"/>
+                      <a:round/>
+                      <a:headEnd type="none" w="med" len="med"/>
+                      <a:tailEnd type="none" w="med" len="med"/>
+                    </a:lnR>
+                    <a:lnT w="7620" cap="flat" cmpd="sng" algn="ctr">
+                      <a:solidFill>
+                        <a:srgbClr val="CCCCCC"/>
+                      </a:solidFill>
+                      <a:prstDash val="solid"/>
+                      <a:round/>
+                      <a:headEnd type="none" w="med" len="med"/>
+                      <a:tailEnd type="none" w="med" len="med"/>
+                    </a:lnT>
+                    <a:lnB w="7620" cap="flat" cmpd="sng" algn="ctr">
+                      <a:solidFill>
+                        <a:srgbClr val="CCCCCC"/>
+                      </a:solidFill>
+                      <a:prstDash val="solid"/>
+                      <a:round/>
+                      <a:headEnd type="none" w="med" len="med"/>
+                      <a:tailEnd type="none" w="med" len="med"/>
+                    </a:lnB>
+                  </a:tcPr>
+                </a:tc>
+              </a:tr>
+            </a:tbl>
+          </a:graphicData>
+        </a:graphic>
+      </p:graphicFrame>
     </p:spTree>
     <p:extLst>
       <p:ext uri="{BB962C8B-B14F-4D97-AF65-F5344CB8AC3E}">
@@ -14322,13 +20661,13 @@
   <p:clrMapOvr>
     <a:masterClrMapping/>
   </p:clrMapOvr>
-  <mc:AlternateContent xmlns:mc="http://schemas.openxmlformats.org/markup-compatibility/2006">
-    <mc:Choice xmlns:p14="http://schemas.microsoft.com/office/powerpoint/2010/main" Requires="p14">
+  <mc:AlternateContent xmlns:mc="http://schemas.openxmlformats.org/markup-compatibility/2006" xmlns:p14="http://schemas.microsoft.com/office/powerpoint/2010/main">
+    <mc:Choice Requires="p14">
       <p:transition spd="med" p14:dur="700">
         <p:fade/>
       </p:transition>
     </mc:Choice>
-    <mc:Fallback>
+    <mc:Fallback xmlns="">
       <p:transition spd="med">
         <p:fade/>
       </p:transition>
@@ -14425,16 +20764,7 @@
                 </a:solidFill>
                 <a:latin typeface="Calibri" panose="020F0502020204030204" pitchFamily="34" charset="0"/>
               </a:rPr>
-              <a:t>Our </a:t>
-            </a:r>
-            <a:r>
-              <a:rPr lang="en-US" b="1" dirty="0">
-                <a:solidFill>
-                  <a:srgbClr val="FF6600"/>
-                </a:solidFill>
-                <a:latin typeface="Calibri" panose="020F0502020204030204" pitchFamily="34" charset="0"/>
-              </a:rPr>
-              <a:t>P</a:t>
+              <a:t>Our P</a:t>
             </a:r>
             <a:r>
               <a:rPr lang="en-US" b="1" dirty="0" smtClean="0">
@@ -14505,9 +20835,6 @@
               </a:rPr>
               <a:t>of companies they are interested in. </a:t>
             </a:r>
-            <a:endParaRPr lang="en-US" dirty="0">
-              <a:latin typeface="Calibri" panose="020F0502020204030204" pitchFamily="34" charset="0"/>
-            </a:endParaRPr>
           </a:p>
           <a:p>
             <a:pPr lvl="1">
@@ -14538,9 +20865,6 @@
               </a:rPr>
               <a:t>, since they usually do not have the time or resources to avail of commercial forecasting services or hire agents. </a:t>
             </a:r>
-            <a:endParaRPr lang="en-US" dirty="0">
-              <a:latin typeface="Calibri" panose="020F0502020204030204" pitchFamily="34" charset="0"/>
-            </a:endParaRPr>
           </a:p>
           <a:p>
             <a:pPr>
@@ -19317,13 +25641,13 @@
   <p:clrMapOvr>
     <a:masterClrMapping/>
   </p:clrMapOvr>
-  <mc:AlternateContent xmlns:mc="http://schemas.openxmlformats.org/markup-compatibility/2006">
-    <mc:Choice xmlns:p14="http://schemas.microsoft.com/office/powerpoint/2010/main" Requires="p14">
+  <mc:AlternateContent xmlns:mc="http://schemas.openxmlformats.org/markup-compatibility/2006" xmlns:p14="http://schemas.microsoft.com/office/powerpoint/2010/main">
+    <mc:Choice Requires="p14">
       <p:transition spd="med" p14:dur="700">
         <p:fade/>
       </p:transition>
     </mc:Choice>
-    <mc:Fallback>
+    <mc:Fallback xmlns="">
       <p:transition spd="med">
         <p:fade/>
       </p:transition>
@@ -20807,13 +27131,13 @@
   <p:clrMapOvr>
     <a:masterClrMapping/>
   </p:clrMapOvr>
-  <mc:AlternateContent xmlns:mc="http://schemas.openxmlformats.org/markup-compatibility/2006">
-    <mc:Choice xmlns:p14="http://schemas.microsoft.com/office/powerpoint/2010/main" Requires="p14">
+  <mc:AlternateContent xmlns:mc="http://schemas.openxmlformats.org/markup-compatibility/2006" xmlns:p14="http://schemas.microsoft.com/office/powerpoint/2010/main">
+    <mc:Choice Requires="p14">
       <p:transition spd="med" p14:dur="700">
         <p:fade/>
       </p:transition>
     </mc:Choice>
-    <mc:Fallback>
+    <mc:Fallback xmlns="">
       <p:transition spd="med">
         <p:fade/>
       </p:transition>
@@ -21268,7 +27592,7 @@
           </a:prstGeom>
           <a:extLst>
             <a:ext uri="{C572A759-6A51-4108-AA02-DFA0A04FC94B}">
-              <ma14:wrappingTextBoxFlag xmlns="" xmlns:ma14="http://schemas.microsoft.com/office/mac/drawingml/2011/main" val="1"/>
+              <ma14:wrappingTextBoxFlag xmlns:ma14="http://schemas.microsoft.com/office/mac/drawingml/2011/main" xmlns="" val="1"/>
             </a:ext>
           </a:extLst>
         </p:spPr>
